--- a/2017/June/Coding For Strangers.pptx
+++ b/2017/June/Coding For Strangers.pptx
@@ -8,32 +8,41 @@
     <p:sldId id="256" r:id="rId2"/>
     <p:sldId id="262" r:id="rId3"/>
     <p:sldId id="263" r:id="rId4"/>
-    <p:sldId id="267" r:id="rId5"/>
-    <p:sldId id="269" r:id="rId6"/>
-    <p:sldId id="270" r:id="rId7"/>
-    <p:sldId id="287" r:id="rId8"/>
-    <p:sldId id="288" r:id="rId9"/>
-    <p:sldId id="289" r:id="rId10"/>
-    <p:sldId id="285" r:id="rId11"/>
-    <p:sldId id="283" r:id="rId12"/>
-    <p:sldId id="284" r:id="rId13"/>
-    <p:sldId id="286" r:id="rId14"/>
-    <p:sldId id="275" r:id="rId15"/>
-    <p:sldId id="271" r:id="rId16"/>
-    <p:sldId id="290" r:id="rId17"/>
-    <p:sldId id="274" r:id="rId18"/>
-    <p:sldId id="277" r:id="rId19"/>
-    <p:sldId id="280" r:id="rId20"/>
-    <p:sldId id="281" r:id="rId21"/>
-    <p:sldId id="282" r:id="rId22"/>
-    <p:sldId id="278" r:id="rId23"/>
-    <p:sldId id="279" r:id="rId24"/>
-    <p:sldId id="276" r:id="rId25"/>
-    <p:sldId id="261" r:id="rId26"/>
-    <p:sldId id="264" r:id="rId27"/>
-    <p:sldId id="272" r:id="rId28"/>
-    <p:sldId id="266" r:id="rId29"/>
-    <p:sldId id="273" r:id="rId30"/>
+    <p:sldId id="291" r:id="rId5"/>
+    <p:sldId id="293" r:id="rId6"/>
+    <p:sldId id="267" r:id="rId7"/>
+    <p:sldId id="294" r:id="rId8"/>
+    <p:sldId id="295" r:id="rId9"/>
+    <p:sldId id="292" r:id="rId10"/>
+    <p:sldId id="270" r:id="rId11"/>
+    <p:sldId id="296" r:id="rId12"/>
+    <p:sldId id="285" r:id="rId13"/>
+    <p:sldId id="298" r:id="rId14"/>
+    <p:sldId id="299" r:id="rId15"/>
+    <p:sldId id="278" r:id="rId16"/>
+    <p:sldId id="300" r:id="rId17"/>
+    <p:sldId id="297" r:id="rId18"/>
+    <p:sldId id="283" r:id="rId19"/>
+    <p:sldId id="284" r:id="rId20"/>
+    <p:sldId id="286" r:id="rId21"/>
+    <p:sldId id="275" r:id="rId22"/>
+    <p:sldId id="271" r:id="rId23"/>
+    <p:sldId id="290" r:id="rId24"/>
+    <p:sldId id="274" r:id="rId25"/>
+    <p:sldId id="277" r:id="rId26"/>
+    <p:sldId id="280" r:id="rId27"/>
+    <p:sldId id="281" r:id="rId28"/>
+    <p:sldId id="282" r:id="rId29"/>
+    <p:sldId id="279" r:id="rId30"/>
+    <p:sldId id="276" r:id="rId31"/>
+    <p:sldId id="261" r:id="rId32"/>
+    <p:sldId id="264" r:id="rId33"/>
+    <p:sldId id="272" r:id="rId34"/>
+    <p:sldId id="287" r:id="rId35"/>
+    <p:sldId id="288" r:id="rId36"/>
+    <p:sldId id="289" r:id="rId37"/>
+    <p:sldId id="266" r:id="rId38"/>
+    <p:sldId id="273" r:id="rId39"/>
   </p:sldIdLst>
   <p:sldSz cx="12192000" cy="6858000"/>
   <p:notesSz cx="6858000" cy="9144000"/>
@@ -4721,6 +4730,13 @@
         </dgm:presLayoutVars>
       </dgm:prSet>
       <dgm:spPr/>
+      <dgm:t>
+        <a:bodyPr/>
+        <a:lstStyle/>
+        <a:p>
+          <a:endParaRPr lang="en-GB"/>
+        </a:p>
+      </dgm:t>
     </dgm:pt>
     <dgm:pt modelId="{7ECD13DD-9D9A-4DBD-AA60-F690A68D60A9}" type="pres">
       <dgm:prSet presAssocID="{4DEAC8D0-B160-4A54-8344-382E714EC981}" presName="divider" presStyleLbl="fgShp" presStyleIdx="0" presStyleCnt="1"/>
@@ -4747,6 +4763,13 @@
         </dgm:presLayoutVars>
       </dgm:prSet>
       <dgm:spPr/>
+      <dgm:t>
+        <a:bodyPr/>
+        <a:lstStyle/>
+        <a:p>
+          <a:endParaRPr lang="en-GB"/>
+        </a:p>
+      </dgm:t>
     </dgm:pt>
     <dgm:pt modelId="{FD16A91B-C1A7-46AC-B378-DFF02C62584E}" type="pres">
       <dgm:prSet presAssocID="{62C38827-FCDF-45A4-ADD1-773908591354}" presName="upArrow" presStyleLbl="node1" presStyleIdx="1" presStyleCnt="2"/>
@@ -4763,12 +4786,19 @@
         </dgm:presLayoutVars>
       </dgm:prSet>
       <dgm:spPr/>
+      <dgm:t>
+        <a:bodyPr/>
+        <a:lstStyle/>
+        <a:p>
+          <a:endParaRPr lang="en-GB"/>
+        </a:p>
+      </dgm:t>
     </dgm:pt>
   </dgm:ptLst>
   <dgm:cxnLst>
+    <dgm:cxn modelId="{88A7789E-F36C-448D-BC58-B2B649F57371}" type="presOf" srcId="{D1C23A38-D32F-45F9-80D5-BE5FE8A1842E}" destId="{8B6E7400-5B95-4F19-8D0F-A343EFB68B4C}" srcOrd="0" destOrd="0" presId="urn:microsoft.com/office/officeart/2005/8/layout/arrow3"/>
     <dgm:cxn modelId="{D9706B00-BF99-4B1F-8EDD-6CF46D76B1F6}" srcId="{4DEAC8D0-B160-4A54-8344-382E714EC981}" destId="{62C38827-FCDF-45A4-ADD1-773908591354}" srcOrd="1" destOrd="0" parTransId="{71444750-25E1-47B0-A0E6-2A834AB0FA33}" sibTransId="{BEC08B66-CAAE-49B9-962F-876D99542594}"/>
     <dgm:cxn modelId="{D916687B-74DE-4475-BF9F-369D287E9F66}" srcId="{4DEAC8D0-B160-4A54-8344-382E714EC981}" destId="{D1C23A38-D32F-45F9-80D5-BE5FE8A1842E}" srcOrd="0" destOrd="0" parTransId="{FF0F27D0-0AD4-409B-B21F-47794210129E}" sibTransId="{2DF04DA9-3734-4381-B54E-D602F7FF50E6}"/>
-    <dgm:cxn modelId="{88A7789E-F36C-448D-BC58-B2B649F57371}" type="presOf" srcId="{D1C23A38-D32F-45F9-80D5-BE5FE8A1842E}" destId="{8B6E7400-5B95-4F19-8D0F-A343EFB68B4C}" srcOrd="0" destOrd="0" presId="urn:microsoft.com/office/officeart/2005/8/layout/arrow3"/>
     <dgm:cxn modelId="{2C9B49A1-C534-4383-AE9E-B43735158F6F}" type="presOf" srcId="{62C38827-FCDF-45A4-ADD1-773908591354}" destId="{77CC3A9C-71BA-43E7-8C1D-A791573897A0}" srcOrd="0" destOrd="0" presId="urn:microsoft.com/office/officeart/2005/8/layout/arrow3"/>
     <dgm:cxn modelId="{FFA049C4-3707-49B3-8A03-AED2418ECF9B}" type="presOf" srcId="{4DEAC8D0-B160-4A54-8344-382E714EC981}" destId="{CE5B5107-A42F-467A-9395-6E930BFF7195}" srcOrd="0" destOrd="0" presId="urn:microsoft.com/office/officeart/2005/8/layout/arrow3"/>
     <dgm:cxn modelId="{90B73EF6-DF9D-47AB-A9AC-32ADB1DA867C}" type="presParOf" srcId="{CE5B5107-A42F-467A-9395-6E930BFF7195}" destId="{7ECD13DD-9D9A-4DBD-AA60-F690A68D60A9}" srcOrd="0" destOrd="0" presId="urn:microsoft.com/office/officeart/2005/8/layout/arrow3"/>
@@ -4882,6 +4912,13 @@
         </dgm:presLayoutVars>
       </dgm:prSet>
       <dgm:spPr/>
+      <dgm:t>
+        <a:bodyPr/>
+        <a:lstStyle/>
+        <a:p>
+          <a:endParaRPr lang="en-GB"/>
+        </a:p>
+      </dgm:t>
     </dgm:pt>
     <dgm:pt modelId="{7ECD13DD-9D9A-4DBD-AA60-F690A68D60A9}" type="pres">
       <dgm:prSet presAssocID="{4DEAC8D0-B160-4A54-8344-382E714EC981}" presName="divider" presStyleLbl="fgShp" presStyleIdx="0" presStyleCnt="1"/>
@@ -4908,6 +4945,13 @@
         </dgm:presLayoutVars>
       </dgm:prSet>
       <dgm:spPr/>
+      <dgm:t>
+        <a:bodyPr/>
+        <a:lstStyle/>
+        <a:p>
+          <a:endParaRPr lang="en-GB"/>
+        </a:p>
+      </dgm:t>
     </dgm:pt>
     <dgm:pt modelId="{FD16A91B-C1A7-46AC-B378-DFF02C62584E}" type="pres">
       <dgm:prSet presAssocID="{62C38827-FCDF-45A4-ADD1-773908591354}" presName="upArrow" presStyleLbl="node1" presStyleIdx="1" presStyleCnt="2"/>
@@ -4924,12 +4968,19 @@
         </dgm:presLayoutVars>
       </dgm:prSet>
       <dgm:spPr/>
+      <dgm:t>
+        <a:bodyPr/>
+        <a:lstStyle/>
+        <a:p>
+          <a:endParaRPr lang="en-GB"/>
+        </a:p>
+      </dgm:t>
     </dgm:pt>
   </dgm:ptLst>
   <dgm:cxnLst>
+    <dgm:cxn modelId="{88A7789E-F36C-448D-BC58-B2B649F57371}" type="presOf" srcId="{D1C23A38-D32F-45F9-80D5-BE5FE8A1842E}" destId="{8B6E7400-5B95-4F19-8D0F-A343EFB68B4C}" srcOrd="0" destOrd="0" presId="urn:microsoft.com/office/officeart/2005/8/layout/arrow3"/>
     <dgm:cxn modelId="{D9706B00-BF99-4B1F-8EDD-6CF46D76B1F6}" srcId="{4DEAC8D0-B160-4A54-8344-382E714EC981}" destId="{62C38827-FCDF-45A4-ADD1-773908591354}" srcOrd="1" destOrd="0" parTransId="{71444750-25E1-47B0-A0E6-2A834AB0FA33}" sibTransId="{BEC08B66-CAAE-49B9-962F-876D99542594}"/>
     <dgm:cxn modelId="{D916687B-74DE-4475-BF9F-369D287E9F66}" srcId="{4DEAC8D0-B160-4A54-8344-382E714EC981}" destId="{D1C23A38-D32F-45F9-80D5-BE5FE8A1842E}" srcOrd="0" destOrd="0" parTransId="{FF0F27D0-0AD4-409B-B21F-47794210129E}" sibTransId="{2DF04DA9-3734-4381-B54E-D602F7FF50E6}"/>
-    <dgm:cxn modelId="{88A7789E-F36C-448D-BC58-B2B649F57371}" type="presOf" srcId="{D1C23A38-D32F-45F9-80D5-BE5FE8A1842E}" destId="{8B6E7400-5B95-4F19-8D0F-A343EFB68B4C}" srcOrd="0" destOrd="0" presId="urn:microsoft.com/office/officeart/2005/8/layout/arrow3"/>
     <dgm:cxn modelId="{2C9B49A1-C534-4383-AE9E-B43735158F6F}" type="presOf" srcId="{62C38827-FCDF-45A4-ADD1-773908591354}" destId="{77CC3A9C-71BA-43E7-8C1D-A791573897A0}" srcOrd="0" destOrd="0" presId="urn:microsoft.com/office/officeart/2005/8/layout/arrow3"/>
     <dgm:cxn modelId="{FFA049C4-3707-49B3-8A03-AED2418ECF9B}" type="presOf" srcId="{4DEAC8D0-B160-4A54-8344-382E714EC981}" destId="{CE5B5107-A42F-467A-9395-6E930BFF7195}" srcOrd="0" destOrd="0" presId="urn:microsoft.com/office/officeart/2005/8/layout/arrow3"/>
     <dgm:cxn modelId="{90B73EF6-DF9D-47AB-A9AC-32ADB1DA867C}" type="presParOf" srcId="{CE5B5107-A42F-467A-9395-6E930BFF7195}" destId="{7ECD13DD-9D9A-4DBD-AA60-F690A68D60A9}" srcOrd="0" destOrd="0" presId="urn:microsoft.com/office/officeart/2005/8/layout/arrow3"/>
@@ -5043,6 +5094,13 @@
         </dgm:presLayoutVars>
       </dgm:prSet>
       <dgm:spPr/>
+      <dgm:t>
+        <a:bodyPr/>
+        <a:lstStyle/>
+        <a:p>
+          <a:endParaRPr lang="en-GB"/>
+        </a:p>
+      </dgm:t>
     </dgm:pt>
     <dgm:pt modelId="{7ECD13DD-9D9A-4DBD-AA60-F690A68D60A9}" type="pres">
       <dgm:prSet presAssocID="{4DEAC8D0-B160-4A54-8344-382E714EC981}" presName="divider" presStyleLbl="fgShp" presStyleIdx="0" presStyleCnt="1"/>
@@ -5071,6 +5129,13 @@
         </dgm:presLayoutVars>
       </dgm:prSet>
       <dgm:spPr/>
+      <dgm:t>
+        <a:bodyPr/>
+        <a:lstStyle/>
+        <a:p>
+          <a:endParaRPr lang="en-GB"/>
+        </a:p>
+      </dgm:t>
     </dgm:pt>
     <dgm:pt modelId="{FD16A91B-C1A7-46AC-B378-DFF02C62584E}" type="pres">
       <dgm:prSet presAssocID="{62C38827-FCDF-45A4-ADD1-773908591354}" presName="upArrow" presStyleLbl="node1" presStyleIdx="1" presStyleCnt="2"/>
@@ -5089,12 +5154,19 @@
         </dgm:presLayoutVars>
       </dgm:prSet>
       <dgm:spPr/>
+      <dgm:t>
+        <a:bodyPr/>
+        <a:lstStyle/>
+        <a:p>
+          <a:endParaRPr lang="en-GB"/>
+        </a:p>
+      </dgm:t>
     </dgm:pt>
   </dgm:ptLst>
   <dgm:cxnLst>
+    <dgm:cxn modelId="{88A7789E-F36C-448D-BC58-B2B649F57371}" type="presOf" srcId="{D1C23A38-D32F-45F9-80D5-BE5FE8A1842E}" destId="{8B6E7400-5B95-4F19-8D0F-A343EFB68B4C}" srcOrd="0" destOrd="0" presId="urn:microsoft.com/office/officeart/2005/8/layout/arrow3"/>
     <dgm:cxn modelId="{D9706B00-BF99-4B1F-8EDD-6CF46D76B1F6}" srcId="{4DEAC8D0-B160-4A54-8344-382E714EC981}" destId="{62C38827-FCDF-45A4-ADD1-773908591354}" srcOrd="1" destOrd="0" parTransId="{71444750-25E1-47B0-A0E6-2A834AB0FA33}" sibTransId="{BEC08B66-CAAE-49B9-962F-876D99542594}"/>
     <dgm:cxn modelId="{D916687B-74DE-4475-BF9F-369D287E9F66}" srcId="{4DEAC8D0-B160-4A54-8344-382E714EC981}" destId="{D1C23A38-D32F-45F9-80D5-BE5FE8A1842E}" srcOrd="0" destOrd="0" parTransId="{FF0F27D0-0AD4-409B-B21F-47794210129E}" sibTransId="{2DF04DA9-3734-4381-B54E-D602F7FF50E6}"/>
-    <dgm:cxn modelId="{88A7789E-F36C-448D-BC58-B2B649F57371}" type="presOf" srcId="{D1C23A38-D32F-45F9-80D5-BE5FE8A1842E}" destId="{8B6E7400-5B95-4F19-8D0F-A343EFB68B4C}" srcOrd="0" destOrd="0" presId="urn:microsoft.com/office/officeart/2005/8/layout/arrow3"/>
     <dgm:cxn modelId="{2C9B49A1-C534-4383-AE9E-B43735158F6F}" type="presOf" srcId="{62C38827-FCDF-45A4-ADD1-773908591354}" destId="{77CC3A9C-71BA-43E7-8C1D-A791573897A0}" srcOrd="0" destOrd="0" presId="urn:microsoft.com/office/officeart/2005/8/layout/arrow3"/>
     <dgm:cxn modelId="{FFA049C4-3707-49B3-8A03-AED2418ECF9B}" type="presOf" srcId="{4DEAC8D0-B160-4A54-8344-382E714EC981}" destId="{CE5B5107-A42F-467A-9395-6E930BFF7195}" srcOrd="0" destOrd="0" presId="urn:microsoft.com/office/officeart/2005/8/layout/arrow3"/>
     <dgm:cxn modelId="{90B73EF6-DF9D-47AB-A9AC-32ADB1DA867C}" type="presParOf" srcId="{CE5B5107-A42F-467A-9395-6E930BFF7195}" destId="{7ECD13DD-9D9A-4DBD-AA60-F690A68D60A9}" srcOrd="0" destOrd="0" presId="urn:microsoft.com/office/officeart/2005/8/layout/arrow3"/>
@@ -5208,6 +5280,13 @@
         </dgm:presLayoutVars>
       </dgm:prSet>
       <dgm:spPr/>
+      <dgm:t>
+        <a:bodyPr/>
+        <a:lstStyle/>
+        <a:p>
+          <a:endParaRPr lang="en-GB"/>
+        </a:p>
+      </dgm:t>
     </dgm:pt>
     <dgm:pt modelId="{7ECD13DD-9D9A-4DBD-AA60-F690A68D60A9}" type="pres">
       <dgm:prSet presAssocID="{4DEAC8D0-B160-4A54-8344-382E714EC981}" presName="divider" presStyleLbl="fgShp" presStyleIdx="0" presStyleCnt="1"/>
@@ -5236,6 +5315,13 @@
         </dgm:presLayoutVars>
       </dgm:prSet>
       <dgm:spPr/>
+      <dgm:t>
+        <a:bodyPr/>
+        <a:lstStyle/>
+        <a:p>
+          <a:endParaRPr lang="en-GB"/>
+        </a:p>
+      </dgm:t>
     </dgm:pt>
     <dgm:pt modelId="{FD16A91B-C1A7-46AC-B378-DFF02C62584E}" type="pres">
       <dgm:prSet presAssocID="{62C38827-FCDF-45A4-ADD1-773908591354}" presName="upArrow" presStyleLbl="node1" presStyleIdx="1" presStyleCnt="2"/>
@@ -5252,12 +5338,19 @@
         </dgm:presLayoutVars>
       </dgm:prSet>
       <dgm:spPr/>
+      <dgm:t>
+        <a:bodyPr/>
+        <a:lstStyle/>
+        <a:p>
+          <a:endParaRPr lang="en-GB"/>
+        </a:p>
+      </dgm:t>
     </dgm:pt>
   </dgm:ptLst>
   <dgm:cxnLst>
+    <dgm:cxn modelId="{88A7789E-F36C-448D-BC58-B2B649F57371}" type="presOf" srcId="{D1C23A38-D32F-45F9-80D5-BE5FE8A1842E}" destId="{8B6E7400-5B95-4F19-8D0F-A343EFB68B4C}" srcOrd="0" destOrd="0" presId="urn:microsoft.com/office/officeart/2005/8/layout/arrow3"/>
     <dgm:cxn modelId="{D9706B00-BF99-4B1F-8EDD-6CF46D76B1F6}" srcId="{4DEAC8D0-B160-4A54-8344-382E714EC981}" destId="{62C38827-FCDF-45A4-ADD1-773908591354}" srcOrd="1" destOrd="0" parTransId="{71444750-25E1-47B0-A0E6-2A834AB0FA33}" sibTransId="{BEC08B66-CAAE-49B9-962F-876D99542594}"/>
     <dgm:cxn modelId="{D916687B-74DE-4475-BF9F-369D287E9F66}" srcId="{4DEAC8D0-B160-4A54-8344-382E714EC981}" destId="{D1C23A38-D32F-45F9-80D5-BE5FE8A1842E}" srcOrd="0" destOrd="0" parTransId="{FF0F27D0-0AD4-409B-B21F-47794210129E}" sibTransId="{2DF04DA9-3734-4381-B54E-D602F7FF50E6}"/>
-    <dgm:cxn modelId="{88A7789E-F36C-448D-BC58-B2B649F57371}" type="presOf" srcId="{D1C23A38-D32F-45F9-80D5-BE5FE8A1842E}" destId="{8B6E7400-5B95-4F19-8D0F-A343EFB68B4C}" srcOrd="0" destOrd="0" presId="urn:microsoft.com/office/officeart/2005/8/layout/arrow3"/>
     <dgm:cxn modelId="{2C9B49A1-C534-4383-AE9E-B43735158F6F}" type="presOf" srcId="{62C38827-FCDF-45A4-ADD1-773908591354}" destId="{77CC3A9C-71BA-43E7-8C1D-A791573897A0}" srcOrd="0" destOrd="0" presId="urn:microsoft.com/office/officeart/2005/8/layout/arrow3"/>
     <dgm:cxn modelId="{FFA049C4-3707-49B3-8A03-AED2418ECF9B}" type="presOf" srcId="{4DEAC8D0-B160-4A54-8344-382E714EC981}" destId="{CE5B5107-A42F-467A-9395-6E930BFF7195}" srcOrd="0" destOrd="0" presId="urn:microsoft.com/office/officeart/2005/8/layout/arrow3"/>
     <dgm:cxn modelId="{90B73EF6-DF9D-47AB-A9AC-32ADB1DA867C}" type="presParOf" srcId="{CE5B5107-A42F-467A-9395-6E930BFF7195}" destId="{7ECD13DD-9D9A-4DBD-AA60-F690A68D60A9}" srcOrd="0" destOrd="0" presId="urn:microsoft.com/office/officeart/2005/8/layout/arrow3"/>
@@ -5371,6 +5464,13 @@
         </dgm:presLayoutVars>
       </dgm:prSet>
       <dgm:spPr/>
+      <dgm:t>
+        <a:bodyPr/>
+        <a:lstStyle/>
+        <a:p>
+          <a:endParaRPr lang="en-GB"/>
+        </a:p>
+      </dgm:t>
     </dgm:pt>
     <dgm:pt modelId="{7ECD13DD-9D9A-4DBD-AA60-F690A68D60A9}" type="pres">
       <dgm:prSet presAssocID="{4DEAC8D0-B160-4A54-8344-382E714EC981}" presName="divider" presStyleLbl="fgShp" presStyleIdx="0" presStyleCnt="1"/>
@@ -5397,6 +5497,13 @@
         </dgm:presLayoutVars>
       </dgm:prSet>
       <dgm:spPr/>
+      <dgm:t>
+        <a:bodyPr/>
+        <a:lstStyle/>
+        <a:p>
+          <a:endParaRPr lang="en-GB"/>
+        </a:p>
+      </dgm:t>
     </dgm:pt>
     <dgm:pt modelId="{FD16A91B-C1A7-46AC-B378-DFF02C62584E}" type="pres">
       <dgm:prSet presAssocID="{62C38827-FCDF-45A4-ADD1-773908591354}" presName="upArrow" presStyleLbl="node1" presStyleIdx="1" presStyleCnt="2"/>
@@ -5413,12 +5520,19 @@
         </dgm:presLayoutVars>
       </dgm:prSet>
       <dgm:spPr/>
+      <dgm:t>
+        <a:bodyPr/>
+        <a:lstStyle/>
+        <a:p>
+          <a:endParaRPr lang="en-GB"/>
+        </a:p>
+      </dgm:t>
     </dgm:pt>
   </dgm:ptLst>
   <dgm:cxnLst>
+    <dgm:cxn modelId="{88A7789E-F36C-448D-BC58-B2B649F57371}" type="presOf" srcId="{D1C23A38-D32F-45F9-80D5-BE5FE8A1842E}" destId="{8B6E7400-5B95-4F19-8D0F-A343EFB68B4C}" srcOrd="0" destOrd="0" presId="urn:microsoft.com/office/officeart/2005/8/layout/arrow3"/>
     <dgm:cxn modelId="{D9706B00-BF99-4B1F-8EDD-6CF46D76B1F6}" srcId="{4DEAC8D0-B160-4A54-8344-382E714EC981}" destId="{62C38827-FCDF-45A4-ADD1-773908591354}" srcOrd="1" destOrd="0" parTransId="{71444750-25E1-47B0-A0E6-2A834AB0FA33}" sibTransId="{BEC08B66-CAAE-49B9-962F-876D99542594}"/>
     <dgm:cxn modelId="{D916687B-74DE-4475-BF9F-369D287E9F66}" srcId="{4DEAC8D0-B160-4A54-8344-382E714EC981}" destId="{D1C23A38-D32F-45F9-80D5-BE5FE8A1842E}" srcOrd="0" destOrd="0" parTransId="{FF0F27D0-0AD4-409B-B21F-47794210129E}" sibTransId="{2DF04DA9-3734-4381-B54E-D602F7FF50E6}"/>
-    <dgm:cxn modelId="{88A7789E-F36C-448D-BC58-B2B649F57371}" type="presOf" srcId="{D1C23A38-D32F-45F9-80D5-BE5FE8A1842E}" destId="{8B6E7400-5B95-4F19-8D0F-A343EFB68B4C}" srcOrd="0" destOrd="0" presId="urn:microsoft.com/office/officeart/2005/8/layout/arrow3"/>
     <dgm:cxn modelId="{2C9B49A1-C534-4383-AE9E-B43735158F6F}" type="presOf" srcId="{62C38827-FCDF-45A4-ADD1-773908591354}" destId="{77CC3A9C-71BA-43E7-8C1D-A791573897A0}" srcOrd="0" destOrd="0" presId="urn:microsoft.com/office/officeart/2005/8/layout/arrow3"/>
     <dgm:cxn modelId="{FFA049C4-3707-49B3-8A03-AED2418ECF9B}" type="presOf" srcId="{4DEAC8D0-B160-4A54-8344-382E714EC981}" destId="{CE5B5107-A42F-467A-9395-6E930BFF7195}" srcOrd="0" destOrd="0" presId="urn:microsoft.com/office/officeart/2005/8/layout/arrow3"/>
     <dgm:cxn modelId="{90B73EF6-DF9D-47AB-A9AC-32ADB1DA867C}" type="presParOf" srcId="{CE5B5107-A42F-467A-9395-6E930BFF7195}" destId="{7ECD13DD-9D9A-4DBD-AA60-F690A68D60A9}" srcOrd="0" destOrd="0" presId="urn:microsoft.com/office/officeart/2005/8/layout/arrow3"/>
@@ -5532,6 +5646,13 @@
         </dgm:presLayoutVars>
       </dgm:prSet>
       <dgm:spPr/>
+      <dgm:t>
+        <a:bodyPr/>
+        <a:lstStyle/>
+        <a:p>
+          <a:endParaRPr lang="en-GB"/>
+        </a:p>
+      </dgm:t>
     </dgm:pt>
     <dgm:pt modelId="{7ECD13DD-9D9A-4DBD-AA60-F690A68D60A9}" type="pres">
       <dgm:prSet presAssocID="{4DEAC8D0-B160-4A54-8344-382E714EC981}" presName="divider" presStyleLbl="fgShp" presStyleIdx="0" presStyleCnt="1"/>
@@ -5558,6 +5679,13 @@
         </dgm:presLayoutVars>
       </dgm:prSet>
       <dgm:spPr/>
+      <dgm:t>
+        <a:bodyPr/>
+        <a:lstStyle/>
+        <a:p>
+          <a:endParaRPr lang="en-GB"/>
+        </a:p>
+      </dgm:t>
     </dgm:pt>
     <dgm:pt modelId="{FD16A91B-C1A7-46AC-B378-DFF02C62584E}" type="pres">
       <dgm:prSet presAssocID="{62C38827-FCDF-45A4-ADD1-773908591354}" presName="upArrow" presStyleLbl="node1" presStyleIdx="1" presStyleCnt="2"/>
@@ -5574,12 +5702,19 @@
         </dgm:presLayoutVars>
       </dgm:prSet>
       <dgm:spPr/>
+      <dgm:t>
+        <a:bodyPr/>
+        <a:lstStyle/>
+        <a:p>
+          <a:endParaRPr lang="en-GB"/>
+        </a:p>
+      </dgm:t>
     </dgm:pt>
   </dgm:ptLst>
   <dgm:cxnLst>
+    <dgm:cxn modelId="{88A7789E-F36C-448D-BC58-B2B649F57371}" type="presOf" srcId="{D1C23A38-D32F-45F9-80D5-BE5FE8A1842E}" destId="{8B6E7400-5B95-4F19-8D0F-A343EFB68B4C}" srcOrd="0" destOrd="0" presId="urn:microsoft.com/office/officeart/2005/8/layout/arrow3"/>
     <dgm:cxn modelId="{D9706B00-BF99-4B1F-8EDD-6CF46D76B1F6}" srcId="{4DEAC8D0-B160-4A54-8344-382E714EC981}" destId="{62C38827-FCDF-45A4-ADD1-773908591354}" srcOrd="1" destOrd="0" parTransId="{71444750-25E1-47B0-A0E6-2A834AB0FA33}" sibTransId="{BEC08B66-CAAE-49B9-962F-876D99542594}"/>
     <dgm:cxn modelId="{D916687B-74DE-4475-BF9F-369D287E9F66}" srcId="{4DEAC8D0-B160-4A54-8344-382E714EC981}" destId="{D1C23A38-D32F-45F9-80D5-BE5FE8A1842E}" srcOrd="0" destOrd="0" parTransId="{FF0F27D0-0AD4-409B-B21F-47794210129E}" sibTransId="{2DF04DA9-3734-4381-B54E-D602F7FF50E6}"/>
-    <dgm:cxn modelId="{88A7789E-F36C-448D-BC58-B2B649F57371}" type="presOf" srcId="{D1C23A38-D32F-45F9-80D5-BE5FE8A1842E}" destId="{8B6E7400-5B95-4F19-8D0F-A343EFB68B4C}" srcOrd="0" destOrd="0" presId="urn:microsoft.com/office/officeart/2005/8/layout/arrow3"/>
     <dgm:cxn modelId="{2C9B49A1-C534-4383-AE9E-B43735158F6F}" type="presOf" srcId="{62C38827-FCDF-45A4-ADD1-773908591354}" destId="{77CC3A9C-71BA-43E7-8C1D-A791573897A0}" srcOrd="0" destOrd="0" presId="urn:microsoft.com/office/officeart/2005/8/layout/arrow3"/>
     <dgm:cxn modelId="{FFA049C4-3707-49B3-8A03-AED2418ECF9B}" type="presOf" srcId="{4DEAC8D0-B160-4A54-8344-382E714EC981}" destId="{CE5B5107-A42F-467A-9395-6E930BFF7195}" srcOrd="0" destOrd="0" presId="urn:microsoft.com/office/officeart/2005/8/layout/arrow3"/>
     <dgm:cxn modelId="{90B73EF6-DF9D-47AB-A9AC-32ADB1DA867C}" type="presParOf" srcId="{CE5B5107-A42F-467A-9395-6E930BFF7195}" destId="{7ECD13DD-9D9A-4DBD-AA60-F690A68D60A9}" srcOrd="0" destOrd="0" presId="urn:microsoft.com/office/officeart/2005/8/layout/arrow3"/>
@@ -5731,7 +5866,7 @@
         </a:bodyPr>
         <a:lstStyle/>
         <a:p>
-          <a:pPr marL="0" lvl="0" indent="0" algn="ctr" defTabSz="889000">
+          <a:pPr lvl="0" algn="ctr" defTabSz="889000">
             <a:lnSpc>
               <a:spcPct val="90000"/>
             </a:lnSpc>
@@ -5741,7 +5876,6 @@
             <a:spcAft>
               <a:spcPct val="35000"/>
             </a:spcAft>
-            <a:buNone/>
           </a:pPr>
           <a:r>
             <a:rPr lang="en-US" sz="2000" kern="1200" dirty="0"/>
@@ -5835,7 +5969,7 @@
         </a:bodyPr>
         <a:lstStyle/>
         <a:p>
-          <a:pPr marL="0" lvl="0" indent="0" algn="ctr" defTabSz="889000">
+          <a:pPr lvl="0" algn="ctr" defTabSz="889000">
             <a:lnSpc>
               <a:spcPct val="90000"/>
             </a:lnSpc>
@@ -5845,7 +5979,6 @@
             <a:spcAft>
               <a:spcPct val="35000"/>
             </a:spcAft>
-            <a:buNone/>
           </a:pPr>
           <a:r>
             <a:rPr lang="en-US" sz="2000" kern="1200" dirty="0"/>
@@ -5995,7 +6128,7 @@
         </a:bodyPr>
         <a:lstStyle/>
         <a:p>
-          <a:pPr marL="0" lvl="0" indent="0" algn="ctr" defTabSz="711200">
+          <a:pPr lvl="0" algn="ctr" defTabSz="711200">
             <a:lnSpc>
               <a:spcPct val="90000"/>
             </a:lnSpc>
@@ -6005,7 +6138,6 @@
             <a:spcAft>
               <a:spcPct val="35000"/>
             </a:spcAft>
-            <a:buNone/>
           </a:pPr>
           <a:r>
             <a:rPr lang="en-US" sz="1600" kern="1200" dirty="0"/>
@@ -6099,7 +6231,7 @@
         </a:bodyPr>
         <a:lstStyle/>
         <a:p>
-          <a:pPr marL="0" lvl="0" indent="0" algn="ctr" defTabSz="711200">
+          <a:pPr lvl="0" algn="ctr" defTabSz="711200">
             <a:lnSpc>
               <a:spcPct val="90000"/>
             </a:lnSpc>
@@ -6109,7 +6241,6 @@
             <a:spcAft>
               <a:spcPct val="35000"/>
             </a:spcAft>
-            <a:buNone/>
           </a:pPr>
           <a:r>
             <a:rPr lang="en-US" sz="1600" kern="1200" dirty="0"/>
@@ -6261,7 +6392,7 @@
         </a:bodyPr>
         <a:lstStyle/>
         <a:p>
-          <a:pPr marL="0" lvl="0" indent="0" algn="ctr" defTabSz="1111250">
+          <a:pPr lvl="0" algn="ctr" defTabSz="1111250">
             <a:lnSpc>
               <a:spcPct val="90000"/>
             </a:lnSpc>
@@ -6271,7 +6402,6 @@
             <a:spcAft>
               <a:spcPct val="35000"/>
             </a:spcAft>
-            <a:buNone/>
           </a:pPr>
           <a:r>
             <a:rPr lang="en-US" sz="2500" kern="1200" dirty="0"/>
@@ -6367,7 +6497,7 @@
         </a:bodyPr>
         <a:lstStyle/>
         <a:p>
-          <a:pPr marL="0" lvl="0" indent="0" algn="ctr" defTabSz="1111250">
+          <a:pPr lvl="0" algn="ctr" defTabSz="1111250">
             <a:lnSpc>
               <a:spcPct val="90000"/>
             </a:lnSpc>
@@ -6377,7 +6507,6 @@
             <a:spcAft>
               <a:spcPct val="35000"/>
             </a:spcAft>
-            <a:buNone/>
           </a:pPr>
           <a:r>
             <a:rPr lang="en-US" sz="2500" kern="1200" dirty="0"/>
@@ -6529,7 +6658,7 @@
         </a:bodyPr>
         <a:lstStyle/>
         <a:p>
-          <a:pPr marL="0" lvl="0" indent="0" algn="ctr" defTabSz="889000">
+          <a:pPr lvl="0" algn="ctr" defTabSz="889000">
             <a:lnSpc>
               <a:spcPct val="90000"/>
             </a:lnSpc>
@@ -6539,7 +6668,6 @@
             <a:spcAft>
               <a:spcPct val="35000"/>
             </a:spcAft>
-            <a:buNone/>
           </a:pPr>
           <a:r>
             <a:rPr lang="en-US" sz="2000" kern="1200" dirty="0"/>
@@ -6633,7 +6761,7 @@
         </a:bodyPr>
         <a:lstStyle/>
         <a:p>
-          <a:pPr marL="0" lvl="0" indent="0" algn="ctr" defTabSz="889000">
+          <a:pPr lvl="0" algn="ctr" defTabSz="889000">
             <a:lnSpc>
               <a:spcPct val="90000"/>
             </a:lnSpc>
@@ -6643,7 +6771,6 @@
             <a:spcAft>
               <a:spcPct val="35000"/>
             </a:spcAft>
-            <a:buNone/>
           </a:pPr>
           <a:r>
             <a:rPr lang="en-US" sz="2000" kern="1200" dirty="0"/>
@@ -6793,7 +6920,7 @@
         </a:bodyPr>
         <a:lstStyle/>
         <a:p>
-          <a:pPr marL="0" lvl="0" indent="0" algn="ctr" defTabSz="977900">
+          <a:pPr lvl="0" algn="ctr" defTabSz="977900">
             <a:lnSpc>
               <a:spcPct val="90000"/>
             </a:lnSpc>
@@ -6803,7 +6930,6 @@
             <a:spcAft>
               <a:spcPct val="35000"/>
             </a:spcAft>
-            <a:buNone/>
           </a:pPr>
           <a:r>
             <a:rPr lang="en-US" sz="2200" kern="1200" dirty="0"/>
@@ -6897,7 +7023,7 @@
         </a:bodyPr>
         <a:lstStyle/>
         <a:p>
-          <a:pPr marL="0" lvl="0" indent="0" algn="ctr" defTabSz="977900">
+          <a:pPr lvl="0" algn="ctr" defTabSz="977900">
             <a:lnSpc>
               <a:spcPct val="90000"/>
             </a:lnSpc>
@@ -6907,7 +7033,6 @@
             <a:spcAft>
               <a:spcPct val="35000"/>
             </a:spcAft>
-            <a:buNone/>
           </a:pPr>
           <a:r>
             <a:rPr lang="en-US" sz="2200" kern="1200" dirty="0"/>
@@ -7057,7 +7182,7 @@
         </a:bodyPr>
         <a:lstStyle/>
         <a:p>
-          <a:pPr marL="0" lvl="0" indent="0" algn="ctr" defTabSz="889000">
+          <a:pPr lvl="0" algn="ctr" defTabSz="889000">
             <a:lnSpc>
               <a:spcPct val="90000"/>
             </a:lnSpc>
@@ -7067,7 +7192,6 @@
             <a:spcAft>
               <a:spcPct val="35000"/>
             </a:spcAft>
-            <a:buNone/>
           </a:pPr>
           <a:r>
             <a:rPr lang="en-US" sz="2000" kern="1200" dirty="0"/>
@@ -7161,7 +7285,7 @@
         </a:bodyPr>
         <a:lstStyle/>
         <a:p>
-          <a:pPr marL="0" lvl="0" indent="0" algn="ctr" defTabSz="889000">
+          <a:pPr lvl="0" algn="ctr" defTabSz="889000">
             <a:lnSpc>
               <a:spcPct val="90000"/>
             </a:lnSpc>
@@ -7171,7 +7295,6 @@
             <a:spcAft>
               <a:spcPct val="35000"/>
             </a:spcAft>
-            <a:buNone/>
           </a:pPr>
           <a:r>
             <a:rPr lang="en-US" sz="2000" kern="1200" dirty="0"/>
@@ -15056,7 +15179,7 @@
           <a:p>
             <a:fld id="{96DFF08F-DC6B-4601-B491-B0F83F6DD2DA}" type="datetimeFigureOut">
               <a:rPr lang="en-US" dirty="0"/>
-              <a:t>6/20/2017</a:t>
+              <a:t>6/21/2017</a:t>
             </a:fld>
             <a:endParaRPr lang="en-US" dirty="0"/>
           </a:p>
@@ -15221,7 +15344,7 @@
           <a:p>
             <a:fld id="{96DFF08F-DC6B-4601-B491-B0F83F6DD2DA}" type="datetimeFigureOut">
               <a:rPr lang="en-US" dirty="0"/>
-              <a:t>6/20/2017</a:t>
+              <a:t>6/21/2017</a:t>
             </a:fld>
             <a:endParaRPr lang="en-US" dirty="0"/>
           </a:p>
@@ -15439,7 +15562,7 @@
           <a:p>
             <a:fld id="{96DFF08F-DC6B-4601-B491-B0F83F6DD2DA}" type="datetimeFigureOut">
               <a:rPr lang="en-US" dirty="0"/>
-              <a:t>6/20/2017</a:t>
+              <a:t>6/21/2017</a:t>
             </a:fld>
             <a:endParaRPr lang="en-US" dirty="0"/>
           </a:p>
@@ -15614,7 +15737,7 @@
           <a:p>
             <a:fld id="{96DFF08F-DC6B-4601-B491-B0F83F6DD2DA}" type="datetimeFigureOut">
               <a:rPr lang="en-US" dirty="0"/>
-              <a:t>6/20/2017</a:t>
+              <a:t>6/21/2017</a:t>
             </a:fld>
             <a:endParaRPr lang="en-US" dirty="0"/>
           </a:p>
@@ -15916,7 +16039,7 @@
             <a:fld id="{96DFF08F-DC6B-4601-B491-B0F83F6DD2DA}" type="datetimeFigureOut">
               <a:rPr lang="en-US" dirty="0"/>
               <a:pPr/>
-              <a:t>6/20/2017</a:t>
+              <a:t>6/21/2017</a:t>
             </a:fld>
             <a:endParaRPr lang="en-US" dirty="0"/>
           </a:p>
@@ -16216,7 +16339,7 @@
           <a:p>
             <a:fld id="{96DFF08F-DC6B-4601-B491-B0F83F6DD2DA}" type="datetimeFigureOut">
               <a:rPr lang="en-US" dirty="0"/>
-              <a:t>6/20/2017</a:t>
+              <a:t>6/21/2017</a:t>
             </a:fld>
             <a:endParaRPr lang="en-US" dirty="0"/>
           </a:p>
@@ -16633,7 +16756,7 @@
           <a:p>
             <a:fld id="{96DFF08F-DC6B-4601-B491-B0F83F6DD2DA}" type="datetimeFigureOut">
               <a:rPr lang="en-US" dirty="0"/>
-              <a:t>6/20/2017</a:t>
+              <a:t>6/21/2017</a:t>
             </a:fld>
             <a:endParaRPr lang="en-US" dirty="0"/>
           </a:p>
@@ -16746,7 +16869,7 @@
           <a:p>
             <a:fld id="{96DFF08F-DC6B-4601-B491-B0F83F6DD2DA}" type="datetimeFigureOut">
               <a:rPr lang="en-US" dirty="0"/>
-              <a:t>6/20/2017</a:t>
+              <a:t>6/21/2017</a:t>
             </a:fld>
             <a:endParaRPr lang="en-US" dirty="0"/>
           </a:p>
@@ -16836,7 +16959,7 @@
           <a:p>
             <a:fld id="{96DFF08F-DC6B-4601-B491-B0F83F6DD2DA}" type="datetimeFigureOut">
               <a:rPr lang="en-US" dirty="0"/>
-              <a:t>6/20/2017</a:t>
+              <a:t>6/21/2017</a:t>
             </a:fld>
             <a:endParaRPr lang="en-US" dirty="0"/>
           </a:p>
@@ -17104,7 +17227,7 @@
           <a:p>
             <a:fld id="{96DFF08F-DC6B-4601-B491-B0F83F6DD2DA}" type="datetimeFigureOut">
               <a:rPr lang="en-US" dirty="0"/>
-              <a:t>6/20/2017</a:t>
+              <a:t>6/21/2017</a:t>
             </a:fld>
             <a:endParaRPr lang="en-US" dirty="0"/>
           </a:p>
@@ -17364,7 +17487,7 @@
           <a:p>
             <a:fld id="{96DFF08F-DC6B-4601-B491-B0F83F6DD2DA}" type="datetimeFigureOut">
               <a:rPr lang="en-US" dirty="0"/>
-              <a:t>6/20/2017</a:t>
+              <a:t>6/21/2017</a:t>
             </a:fld>
             <a:endParaRPr lang="en-US" dirty="0"/>
           </a:p>
@@ -17609,7 +17732,7 @@
             <a:fld id="{96DFF08F-DC6B-4601-B491-B0F83F6DD2DA}" type="datetimeFigureOut">
               <a:rPr lang="en-US" dirty="0"/>
               <a:pPr/>
-              <a:t>6/20/2017</a:t>
+              <a:t>6/21/2017</a:t>
             </a:fld>
             <a:endParaRPr lang="en-US" dirty="0"/>
           </a:p>
@@ -18106,7 +18229,12 @@
             <p:ph type="subTitle" idx="1"/>
           </p:nvPr>
         </p:nvSpPr>
-        <p:spPr/>
+        <p:spPr>
+          <a:xfrm>
+            <a:off x="270711" y="3996249"/>
+            <a:ext cx="11660877" cy="2058321"/>
+          </a:xfrm>
+        </p:spPr>
         <p:txBody>
           <a:bodyPr>
             <a:normAutofit/>
@@ -18114,16 +18242,44 @@
           <a:lstStyle/>
           <a:p>
             <a:r>
-              <a:rPr lang="en-GB" sz="2800" b="1" i="1" dirty="0"/>
-              <a:t>Scotland</a:t>
+              <a:rPr lang="en-GB" sz="3200" b="1" dirty="0"/>
+              <a:t>Paul </a:t>
+            </a:r>
+            <a:r>
+              <a:rPr lang="en-GB" sz="3200" b="1" dirty="0" smtClean="0"/>
+              <a:t>Broadwith</a:t>
+            </a:r>
+          </a:p>
+          <a:p>
+            <a:pPr algn="l"/>
+            <a:r>
+              <a:rPr lang="en-GB" sz="3200" b="1" i="1" dirty="0"/>
+              <a:t/>
             </a:r>
             <a:br>
-              <a:rPr lang="en-GB" sz="2800" b="1" i="1" dirty="0"/>
+              <a:rPr lang="en-GB" sz="3200" b="1" i="1" dirty="0"/>
             </a:br>
             <a:r>
-              <a:rPr lang="en-GB" sz="2800" b="1" i="1" dirty="0"/>
-              <a:t>23/05/2017</a:t>
-            </a:r>
+              <a:rPr lang="en-GB" sz="3200" b="1" i="1" dirty="0"/>
+              <a:t>	</a:t>
+            </a:r>
+            <a:r>
+              <a:rPr lang="en-GB" sz="2800" b="1" i="1" dirty="0" smtClean="0"/>
+              <a:t>@</a:t>
+            </a:r>
+            <a:r>
+              <a:rPr lang="en-GB" sz="2800" b="1" i="1" dirty="0" err="1" smtClean="0"/>
+              <a:t>pauby</a:t>
+            </a:r>
+            <a:r>
+              <a:rPr lang="en-GB" sz="2800" b="1" i="1" dirty="0" smtClean="0"/>
+              <a:t>			pauby.com			github.com/</a:t>
+            </a:r>
+            <a:r>
+              <a:rPr lang="en-GB" sz="2800" b="1" i="1" dirty="0" err="1" smtClean="0"/>
+              <a:t>pauby</a:t>
+            </a:r>
+            <a:endParaRPr lang="en-GB" sz="2800" b="1" i="1" dirty="0"/>
           </a:p>
         </p:txBody>
       </p:sp>
@@ -18170,10 +18326,10 @@
       </p:pic>
       <p:sp>
         <p:nvSpPr>
-          <p:cNvPr id="5" name="TextBox 4">
+          <p:cNvPr id="6" name="TextBox 5">
             <a:extLst>
               <a:ext uri="{FF2B5EF4-FFF2-40B4-BE49-F238E27FC236}">
-                <a16:creationId xmlns:a16="http://schemas.microsoft.com/office/drawing/2014/main" id="{99CCD450-DD9B-4828-93DF-5818358510D7}"/>
+                <a16:creationId xmlns:a16="http://schemas.microsoft.com/office/drawing/2014/main" xmlns="" id="{99CCD450-DD9B-4828-93DF-5818358510D7}"/>
               </a:ext>
             </a:extLst>
           </p:cNvPr>
@@ -18182,8 +18338,8 @@
         </p:nvSpPr>
         <p:spPr>
           <a:xfrm>
-            <a:off x="4976037" y="5486401"/>
-            <a:ext cx="3083442" cy="369332"/>
+            <a:off x="9454718" y="6418556"/>
+            <a:ext cx="2737283" cy="369332"/>
           </a:xfrm>
           <a:prstGeom prst="rect">
             <a:avLst/>
@@ -18196,59 +18352,109 @@
           </a:bodyPr>
           <a:lstStyle/>
           <a:p>
+            <a:pPr algn="r"/>
             <a:r>
               <a:rPr lang="en-GB" b="1" dirty="0"/>
-              <a:t>@</a:t>
+              <a:t>Paul Broadwith @</a:t>
             </a:r>
             <a:r>
               <a:rPr lang="en-GB" b="1" dirty="0" err="1"/>
-              <a:t>UKSthCoastPSUG</a:t>
+              <a:t>pauby</a:t>
             </a:r>
             <a:endParaRPr lang="en-GB" dirty="0"/>
           </a:p>
         </p:txBody>
       </p:sp>
-      <p:sp>
-        <p:nvSpPr>
-          <p:cNvPr id="6" name="TextBox 5">
+      <p:pic>
+        <p:nvPicPr>
+          <p:cNvPr id="8" name="Picture 7"/>
+          <p:cNvPicPr>
+            <a:picLocks noChangeAspect="1"/>
+          </p:cNvPicPr>
+          <p:nvPr/>
+        </p:nvPicPr>
+        <p:blipFill>
+          <a:blip r:embed="rId3">
             <a:extLst>
-              <a:ext uri="{FF2B5EF4-FFF2-40B4-BE49-F238E27FC236}">
-                <a16:creationId xmlns:a16="http://schemas.microsoft.com/office/drawing/2014/main" id="{99CCD450-DD9B-4828-93DF-5818358510D7}"/>
+              <a:ext uri="{28A0092B-C50C-407E-A947-70E740481C1C}">
+                <a14:useLocalDpi xmlns:a14="http://schemas.microsoft.com/office/drawing/2010/main" val="0"/>
               </a:ext>
             </a:extLst>
-          </p:cNvPr>
-          <p:cNvSpPr txBox="1"/>
-          <p:nvPr/>
-        </p:nvSpPr>
+          </a:blip>
+          <a:stretch>
+            <a:fillRect/>
+          </a:stretch>
+        </p:blipFill>
         <p:spPr>
           <a:xfrm>
-            <a:off x="10705093" y="6418556"/>
-            <a:ext cx="1486907" cy="369332"/>
+            <a:off x="4287915" y="5025409"/>
+            <a:ext cx="674055" cy="674055"/>
           </a:xfrm>
           <a:prstGeom prst="rect">
             <a:avLst/>
           </a:prstGeom>
-          <a:noFill/>
         </p:spPr>
-        <p:txBody>
-          <a:bodyPr wrap="square" rtlCol="0">
-            <a:spAutoFit/>
-          </a:bodyPr>
-          <a:lstStyle/>
-          <a:p>
-            <a:pPr algn="r"/>
-            <a:r>
-              <a:rPr lang="en-GB" b="1" dirty="0"/>
-              <a:t>@</a:t>
-            </a:r>
-            <a:r>
-              <a:rPr lang="en-GB" b="1" dirty="0" err="1"/>
-              <a:t>ScotPSUG</a:t>
-            </a:r>
-            <a:endParaRPr lang="en-GB" dirty="0"/>
-          </a:p>
-        </p:txBody>
-      </p:sp>
+      </p:pic>
+      <p:pic>
+        <p:nvPicPr>
+          <p:cNvPr id="10" name="Picture 9"/>
+          <p:cNvPicPr>
+            <a:picLocks noChangeAspect="1"/>
+          </p:cNvPicPr>
+          <p:nvPr/>
+        </p:nvPicPr>
+        <p:blipFill>
+          <a:blip r:embed="rId4">
+            <a:extLst>
+              <a:ext uri="{28A0092B-C50C-407E-A947-70E740481C1C}">
+                <a14:useLocalDpi xmlns:a14="http://schemas.microsoft.com/office/drawing/2010/main" val="0"/>
+              </a:ext>
+            </a:extLst>
+          </a:blip>
+          <a:stretch>
+            <a:fillRect/>
+          </a:stretch>
+        </p:blipFill>
+        <p:spPr>
+          <a:xfrm>
+            <a:off x="8041219" y="5159656"/>
+            <a:ext cx="405559" cy="405559"/>
+          </a:xfrm>
+          <a:prstGeom prst="rect">
+            <a:avLst/>
+          </a:prstGeom>
+        </p:spPr>
+      </p:pic>
+      <p:pic>
+        <p:nvPicPr>
+          <p:cNvPr id="11" name="Picture 10"/>
+          <p:cNvPicPr>
+            <a:picLocks noChangeAspect="1"/>
+          </p:cNvPicPr>
+          <p:nvPr/>
+        </p:nvPicPr>
+        <p:blipFill>
+          <a:blip r:embed="rId5">
+            <a:extLst>
+              <a:ext uri="{28A0092B-C50C-407E-A947-70E740481C1C}">
+                <a14:useLocalDpi xmlns:a14="http://schemas.microsoft.com/office/drawing/2010/main" val="0"/>
+              </a:ext>
+            </a:extLst>
+          </a:blip>
+          <a:stretch>
+            <a:fillRect/>
+          </a:stretch>
+        </p:blipFill>
+        <p:spPr>
+          <a:xfrm>
+            <a:off x="786202" y="5142751"/>
+            <a:ext cx="422464" cy="422464"/>
+          </a:xfrm>
+          <a:prstGeom prst="rect">
+            <a:avLst/>
+          </a:prstGeom>
+        </p:spPr>
+      </p:pic>
     </p:spTree>
     <p:extLst>
       <p:ext uri="{BB962C8B-B14F-4D97-AF65-F5344CB8AC3E}">
@@ -18308,9 +18514,10 @@
           <a:lstStyle/>
           <a:p>
             <a:r>
-              <a:rPr lang="en-GB" dirty="0"/>
-              <a:t>Commenting your code</a:t>
-            </a:r>
+              <a:rPr lang="en-GB" dirty="0" smtClean="0"/>
+              <a:t>Use advanced functions</a:t>
+            </a:r>
+            <a:endParaRPr lang="en-GB" dirty="0"/>
           </a:p>
         </p:txBody>
       </p:sp>
@@ -18338,6 +18545,2208 @@
           <a:p>
             <a:r>
               <a:rPr lang="en-GB" sz="3600" dirty="0"/>
+              <a:t>Define advanced function </a:t>
+            </a:r>
+            <a:r>
+              <a:rPr lang="en-GB" sz="3600" dirty="0" smtClean="0"/>
+              <a:t>using [</a:t>
+            </a:r>
+            <a:r>
+              <a:rPr lang="en-GB" sz="3600" dirty="0" err="1" smtClean="0"/>
+              <a:t>CmdletBinding</a:t>
+            </a:r>
+            <a:r>
+              <a:rPr lang="en-GB" sz="3600" dirty="0" smtClean="0"/>
+              <a:t>()]</a:t>
+            </a:r>
+            <a:endParaRPr lang="en-GB" sz="3600" dirty="0"/>
+          </a:p>
+          <a:p>
+            <a:endParaRPr lang="en-GB" sz="3600" dirty="0"/>
+          </a:p>
+          <a:p>
+            <a:endParaRPr lang="en-GB" sz="3600" dirty="0"/>
+          </a:p>
+          <a:p>
+            <a:endParaRPr lang="en-GB" sz="3600" dirty="0"/>
+          </a:p>
+          <a:p>
+            <a:r>
+              <a:rPr lang="en-GB" sz="3600" dirty="0" smtClean="0"/>
+              <a:t>Use </a:t>
+            </a:r>
+            <a:r>
+              <a:rPr lang="en-GB" sz="3600" dirty="0" smtClean="0">
+                <a:latin typeface="Consolas" panose="020B0609020204030204" pitchFamily="49" charset="0"/>
+              </a:rPr>
+              <a:t>man </a:t>
+            </a:r>
+            <a:r>
+              <a:rPr lang="en-GB" sz="3600" dirty="0" err="1" smtClean="0">
+                <a:latin typeface="Consolas" panose="020B0609020204030204" pitchFamily="49" charset="0"/>
+              </a:rPr>
+              <a:t>about_Functions_Advanced</a:t>
+            </a:r>
+            <a:endParaRPr lang="en-GB" sz="3600" dirty="0">
+              <a:latin typeface="Consolas" panose="020B0609020204030204" pitchFamily="49" charset="0"/>
+            </a:endParaRPr>
+          </a:p>
+        </p:txBody>
+      </p:sp>
+      <p:pic>
+        <p:nvPicPr>
+          <p:cNvPr id="4" name="Picture 2" descr="https://www.powershellgallery.com/Content/Images/packageDefaultIcon.png"/>
+          <p:cNvPicPr>
+            <a:picLocks noChangeAspect="1" noChangeArrowheads="1"/>
+          </p:cNvPicPr>
+          <p:nvPr/>
+        </p:nvPicPr>
+        <p:blipFill>
+          <a:blip r:embed="rId2">
+            <a:extLst>
+              <a:ext uri="{28A0092B-C50C-407E-A947-70E740481C1C}">
+                <a14:useLocalDpi xmlns:a14="http://schemas.microsoft.com/office/drawing/2010/main" val="0"/>
+              </a:ext>
+            </a:extLst>
+          </a:blip>
+          <a:srcRect/>
+          <a:stretch>
+            <a:fillRect/>
+          </a:stretch>
+        </p:blipFill>
+        <p:spPr bwMode="auto">
+          <a:xfrm>
+            <a:off x="83856" y="61397"/>
+            <a:ext cx="1731538" cy="1731539"/>
+          </a:xfrm>
+          <a:prstGeom prst="rect">
+            <a:avLst/>
+          </a:prstGeom>
+          <a:noFill/>
+          <a:extLst>
+            <a:ext uri="{909E8E84-426E-40DD-AFC4-6F175D3DCCD1}">
+              <a14:hiddenFill xmlns:a14="http://schemas.microsoft.com/office/drawing/2010/main">
+                <a:solidFill>
+                  <a:srgbClr val="FFFFFF"/>
+                </a:solidFill>
+              </a14:hiddenFill>
+            </a:ext>
+          </a:extLst>
+        </p:spPr>
+      </p:pic>
+      <p:pic>
+        <p:nvPicPr>
+          <p:cNvPr id="6" name="Picture 5"/>
+          <p:cNvPicPr>
+            <a:picLocks noChangeAspect="1"/>
+          </p:cNvPicPr>
+          <p:nvPr/>
+        </p:nvPicPr>
+        <p:blipFill>
+          <a:blip r:embed="rId3"/>
+          <a:stretch>
+            <a:fillRect/>
+          </a:stretch>
+        </p:blipFill>
+        <p:spPr>
+          <a:xfrm>
+            <a:off x="643549" y="2584421"/>
+            <a:ext cx="7800975" cy="1924050"/>
+          </a:xfrm>
+          <a:prstGeom prst="rect">
+            <a:avLst/>
+          </a:prstGeom>
+        </p:spPr>
+      </p:pic>
+    </p:spTree>
+    <p:extLst>
+      <p:ext uri="{BB962C8B-B14F-4D97-AF65-F5344CB8AC3E}">
+        <p14:creationId xmlns:p14="http://schemas.microsoft.com/office/powerpoint/2010/main" val="3360350230"/>
+      </p:ext>
+    </p:extLst>
+  </p:cSld>
+  <p:clrMapOvr>
+    <a:masterClrMapping/>
+  </p:clrMapOvr>
+  <p:timing>
+    <p:tnLst>
+      <p:par>
+        <p:cTn id="1" dur="indefinite" restart="never" nodeType="tmRoot"/>
+      </p:par>
+    </p:tnLst>
+  </p:timing>
+</p:sld>
+</file>
+
+<file path=ppt/slides/slide11.xml><?xml version="1.0" encoding="utf-8"?>
+<p:sld xmlns:a="http://schemas.openxmlformats.org/drawingml/2006/main" xmlns:r="http://schemas.openxmlformats.org/officeDocument/2006/relationships" xmlns:p="http://schemas.openxmlformats.org/presentationml/2006/main">
+  <p:cSld>
+    <p:bg>
+      <p:bgPr>
+        <a:solidFill>
+          <a:srgbClr val="0072C6"/>
+        </a:solidFill>
+        <a:effectLst/>
+      </p:bgPr>
+    </p:bg>
+    <p:spTree>
+      <p:nvGrpSpPr>
+        <p:cNvPr id="1" name=""/>
+        <p:cNvGrpSpPr/>
+        <p:nvPr/>
+      </p:nvGrpSpPr>
+      <p:grpSpPr>
+        <a:xfrm>
+          <a:off x="0" y="0"/>
+          <a:ext cx="0" cy="0"/>
+          <a:chOff x="0" y="0"/>
+          <a:chExt cx="0" cy="0"/>
+        </a:xfrm>
+      </p:grpSpPr>
+      <p:sp>
+        <p:nvSpPr>
+          <p:cNvPr id="2" name="Title 1"/>
+          <p:cNvSpPr>
+            <a:spLocks noGrp="1"/>
+          </p:cNvSpPr>
+          <p:nvPr>
+            <p:ph type="ctrTitle"/>
+          </p:nvPr>
+        </p:nvSpPr>
+        <p:spPr>
+          <a:xfrm>
+            <a:off x="2290439" y="2152076"/>
+            <a:ext cx="9725479" cy="1739347"/>
+          </a:xfrm>
+        </p:spPr>
+        <p:txBody>
+          <a:bodyPr/>
+          <a:lstStyle/>
+          <a:p>
+            <a:pPr algn="l"/>
+            <a:r>
+              <a:rPr lang="en-GB" dirty="0" smtClean="0"/>
+              <a:t>Leverage built-in validation</a:t>
+            </a:r>
+            <a:endParaRPr lang="en-GB" dirty="0"/>
+          </a:p>
+        </p:txBody>
+      </p:sp>
+      <p:pic>
+        <p:nvPicPr>
+          <p:cNvPr id="4" name="Picture 2" descr="https://www.powershellgallery.com/Content/Images/packageDefaultIcon.png"/>
+          <p:cNvPicPr>
+            <a:picLocks noChangeAspect="1" noChangeArrowheads="1"/>
+          </p:cNvPicPr>
+          <p:nvPr/>
+        </p:nvPicPr>
+        <p:blipFill>
+          <a:blip r:embed="rId2">
+            <a:extLst>
+              <a:ext uri="{28A0092B-C50C-407E-A947-70E740481C1C}">
+                <a14:useLocalDpi xmlns:a14="http://schemas.microsoft.com/office/drawing/2010/main" val="0"/>
+              </a:ext>
+            </a:extLst>
+          </a:blip>
+          <a:srcRect/>
+          <a:stretch>
+            <a:fillRect/>
+          </a:stretch>
+        </p:blipFill>
+        <p:spPr bwMode="auto">
+          <a:xfrm>
+            <a:off x="270711" y="1976146"/>
+            <a:ext cx="1915276" cy="1915277"/>
+          </a:xfrm>
+          <a:prstGeom prst="rect">
+            <a:avLst/>
+          </a:prstGeom>
+          <a:noFill/>
+          <a:extLst>
+            <a:ext uri="{909E8E84-426E-40DD-AFC4-6F175D3DCCD1}">
+              <a14:hiddenFill xmlns:a14="http://schemas.microsoft.com/office/drawing/2010/main">
+                <a:solidFill>
+                  <a:srgbClr val="FFFFFF"/>
+                </a:solidFill>
+              </a14:hiddenFill>
+            </a:ext>
+          </a:extLst>
+        </p:spPr>
+      </p:pic>
+      <p:sp>
+        <p:nvSpPr>
+          <p:cNvPr id="7" name="Subtitle 6"/>
+          <p:cNvSpPr>
+            <a:spLocks noGrp="1"/>
+          </p:cNvSpPr>
+          <p:nvPr>
+            <p:ph type="subTitle" idx="1"/>
+          </p:nvPr>
+        </p:nvSpPr>
+        <p:spPr/>
+        <p:txBody>
+          <a:bodyPr/>
+          <a:lstStyle/>
+          <a:p>
+            <a:endParaRPr lang="en-GB" dirty="0"/>
+          </a:p>
+        </p:txBody>
+      </p:sp>
+    </p:spTree>
+    <p:extLst>
+      <p:ext uri="{BB962C8B-B14F-4D97-AF65-F5344CB8AC3E}">
+        <p14:creationId xmlns:p14="http://schemas.microsoft.com/office/powerpoint/2010/main" val="3714242658"/>
+      </p:ext>
+    </p:extLst>
+  </p:cSld>
+  <p:clrMapOvr>
+    <a:masterClrMapping/>
+  </p:clrMapOvr>
+  <p:timing>
+    <p:tnLst>
+      <p:par>
+        <p:cTn id="1" dur="indefinite" restart="never" nodeType="tmRoot"/>
+      </p:par>
+    </p:tnLst>
+  </p:timing>
+</p:sld>
+</file>
+
+<file path=ppt/slides/slide12.xml><?xml version="1.0" encoding="utf-8"?>
+<p:sld xmlns:a="http://schemas.openxmlformats.org/drawingml/2006/main" xmlns:r="http://schemas.openxmlformats.org/officeDocument/2006/relationships" xmlns:p="http://schemas.openxmlformats.org/presentationml/2006/main">
+  <p:cSld>
+    <p:bg>
+      <p:bgPr>
+        <a:solidFill>
+          <a:srgbClr val="0072C6"/>
+        </a:solidFill>
+        <a:effectLst/>
+      </p:bgPr>
+    </p:bg>
+    <p:spTree>
+      <p:nvGrpSpPr>
+        <p:cNvPr id="1" name=""/>
+        <p:cNvGrpSpPr/>
+        <p:nvPr/>
+      </p:nvGrpSpPr>
+      <p:grpSpPr>
+        <a:xfrm>
+          <a:off x="0" y="0"/>
+          <a:ext cx="0" cy="0"/>
+          <a:chOff x="0" y="0"/>
+          <a:chExt cx="0" cy="0"/>
+        </a:xfrm>
+      </p:grpSpPr>
+      <p:sp>
+        <p:nvSpPr>
+          <p:cNvPr id="2" name="Title 1"/>
+          <p:cNvSpPr>
+            <a:spLocks noGrp="1"/>
+          </p:cNvSpPr>
+          <p:nvPr>
+            <p:ph type="title"/>
+          </p:nvPr>
+        </p:nvSpPr>
+        <p:spPr>
+          <a:xfrm>
+            <a:off x="2043953" y="284176"/>
+            <a:ext cx="8943046" cy="1508760"/>
+          </a:xfrm>
+        </p:spPr>
+        <p:txBody>
+          <a:bodyPr/>
+          <a:lstStyle/>
+          <a:p>
+            <a:r>
+              <a:rPr lang="en-GB" dirty="0" smtClean="0"/>
+              <a:t>Leverage built-in validation</a:t>
+            </a:r>
+            <a:endParaRPr lang="en-GB" dirty="0"/>
+          </a:p>
+        </p:txBody>
+      </p:sp>
+      <p:sp>
+        <p:nvSpPr>
+          <p:cNvPr id="3" name="Content Placeholder 2"/>
+          <p:cNvSpPr>
+            <a:spLocks noGrp="1"/>
+          </p:cNvSpPr>
+          <p:nvPr>
+            <p:ph idx="1"/>
+          </p:nvPr>
+        </p:nvSpPr>
+        <p:spPr>
+          <a:xfrm>
+            <a:off x="346841" y="2011679"/>
+            <a:ext cx="11582400" cy="4483713"/>
+          </a:xfrm>
+        </p:spPr>
+        <p:txBody>
+          <a:bodyPr>
+            <a:normAutofit fontScale="92500" lnSpcReduction="10000"/>
+          </a:bodyPr>
+          <a:lstStyle/>
+          <a:p>
+            <a:pPr>
+              <a:buFont typeface="Arial" panose="020B0604020202020204" pitchFamily="34" charset="0"/>
+              <a:buChar char="•"/>
+            </a:pPr>
+            <a:r>
+              <a:rPr lang="en-GB" sz="3600" b="1" dirty="0" smtClean="0">
+                <a:latin typeface="Consolas" panose="020B0609020204030204" pitchFamily="49" charset="0"/>
+                <a:sym typeface="Wingdings" panose="05000000000000000000" pitchFamily="2" charset="2"/>
+              </a:rPr>
+              <a:t>Parameter</a:t>
+            </a:r>
+            <a:r>
+              <a:rPr lang="en-GB" sz="3600" dirty="0" smtClean="0">
+                <a:sym typeface="Wingdings" panose="05000000000000000000" pitchFamily="2" charset="2"/>
+              </a:rPr>
+              <a:t> Attributes</a:t>
+            </a:r>
+          </a:p>
+          <a:p>
+            <a:pPr lvl="1">
+              <a:buFont typeface="Arial" panose="020B0604020202020204" pitchFamily="34" charset="0"/>
+              <a:buChar char="•"/>
+            </a:pPr>
+            <a:r>
+              <a:rPr lang="en-GB" sz="3400" b="1" dirty="0" smtClean="0">
+                <a:latin typeface="Consolas" panose="020B0609020204030204" pitchFamily="49" charset="0"/>
+                <a:sym typeface="Wingdings" panose="05000000000000000000" pitchFamily="2" charset="2"/>
+              </a:rPr>
+              <a:t>Mandatory</a:t>
+            </a:r>
+            <a:r>
+              <a:rPr lang="en-GB" sz="3400" dirty="0" smtClean="0">
+                <a:sym typeface="Wingdings" panose="05000000000000000000" pitchFamily="2" charset="2"/>
+              </a:rPr>
+              <a:t> – prompts if parameter </a:t>
+            </a:r>
+            <a:br>
+              <a:rPr lang="en-GB" sz="3400" dirty="0" smtClean="0">
+                <a:sym typeface="Wingdings" panose="05000000000000000000" pitchFamily="2" charset="2"/>
+              </a:rPr>
+            </a:br>
+            <a:r>
+              <a:rPr lang="en-GB" sz="3400" dirty="0" smtClean="0">
+                <a:sym typeface="Wingdings" panose="05000000000000000000" pitchFamily="2" charset="2"/>
+              </a:rPr>
+              <a:t>is missing.</a:t>
+            </a:r>
+          </a:p>
+          <a:p>
+            <a:pPr lvl="1">
+              <a:buFont typeface="Arial" panose="020B0604020202020204" pitchFamily="34" charset="0"/>
+              <a:buChar char="•"/>
+            </a:pPr>
+            <a:r>
+              <a:rPr lang="en-GB" sz="3400" dirty="0" smtClean="0">
+                <a:sym typeface="Wingdings" panose="05000000000000000000" pitchFamily="2" charset="2"/>
+              </a:rPr>
+              <a:t> </a:t>
+            </a:r>
+            <a:r>
+              <a:rPr lang="en-GB" sz="3400" b="1" dirty="0" err="1" smtClean="0">
+                <a:latin typeface="Consolas" panose="020B0609020204030204" pitchFamily="49" charset="0"/>
+                <a:sym typeface="Wingdings" panose="05000000000000000000" pitchFamily="2" charset="2"/>
+              </a:rPr>
+              <a:t>HelpMessage</a:t>
+            </a:r>
+            <a:r>
+              <a:rPr lang="en-GB" sz="3400" dirty="0" smtClean="0">
+                <a:sym typeface="Wingdings" panose="05000000000000000000" pitchFamily="2" charset="2"/>
+              </a:rPr>
+              <a:t> –what is required</a:t>
+            </a:r>
+          </a:p>
+          <a:p>
+            <a:pPr>
+              <a:buFont typeface="Arial" panose="020B0604020202020204" pitchFamily="34" charset="0"/>
+              <a:buChar char="•"/>
+            </a:pPr>
+            <a:r>
+              <a:rPr lang="en-GB" sz="3600" b="1" dirty="0" smtClean="0">
+                <a:latin typeface="Consolas" panose="020B0609020204030204" pitchFamily="49" charset="0"/>
+                <a:sym typeface="Wingdings" panose="05000000000000000000" pitchFamily="2" charset="2"/>
+              </a:rPr>
+              <a:t>#Requires</a:t>
+            </a:r>
+            <a:r>
+              <a:rPr lang="en-GB" sz="3600" b="1" dirty="0" smtClean="0">
+                <a:sym typeface="Wingdings" panose="05000000000000000000" pitchFamily="2" charset="2"/>
+              </a:rPr>
+              <a:t> </a:t>
+            </a:r>
+            <a:r>
+              <a:rPr lang="en-GB" sz="3600" dirty="0" smtClean="0">
+                <a:sym typeface="Wingdings" panose="05000000000000000000" pitchFamily="2" charset="2"/>
+              </a:rPr>
+              <a:t>statement</a:t>
+            </a:r>
+          </a:p>
+          <a:p>
+            <a:pPr lvl="1">
+              <a:buFont typeface="Arial" panose="020B0604020202020204" pitchFamily="34" charset="0"/>
+              <a:buChar char="•"/>
+            </a:pPr>
+            <a:r>
+              <a:rPr lang="en-GB" sz="3400" dirty="0" smtClean="0">
+                <a:sym typeface="Wingdings" panose="05000000000000000000" pitchFamily="2" charset="2"/>
+              </a:rPr>
+              <a:t>States code pre-requisites</a:t>
+            </a:r>
+          </a:p>
+          <a:p>
+            <a:pPr>
+              <a:buFont typeface="Arial" panose="020B0604020202020204" pitchFamily="34" charset="0"/>
+              <a:buChar char="•"/>
+            </a:pPr>
+            <a:r>
+              <a:rPr lang="en-GB" sz="3600" b="1" dirty="0" smtClean="0">
+                <a:sym typeface="Wingdings" panose="05000000000000000000" pitchFamily="2" charset="2"/>
+              </a:rPr>
+              <a:t>Set-</a:t>
+            </a:r>
+            <a:r>
+              <a:rPr lang="en-GB" sz="3600" b="1" dirty="0" err="1" smtClean="0">
+                <a:sym typeface="Wingdings" panose="05000000000000000000" pitchFamily="2" charset="2"/>
+              </a:rPr>
+              <a:t>StrictMode</a:t>
+            </a:r>
+            <a:r>
+              <a:rPr lang="en-GB" sz="3600" b="1" dirty="0" smtClean="0">
+                <a:sym typeface="Wingdings" panose="05000000000000000000" pitchFamily="2" charset="2"/>
+              </a:rPr>
+              <a:t> </a:t>
+            </a:r>
+            <a:r>
+              <a:rPr lang="en-GB" sz="3600" dirty="0" smtClean="0">
+                <a:sym typeface="Wingdings" panose="05000000000000000000" pitchFamily="2" charset="2"/>
+              </a:rPr>
+              <a:t>statement</a:t>
+            </a:r>
+          </a:p>
+          <a:p>
+            <a:pPr lvl="1">
+              <a:buFont typeface="Arial" panose="020B0604020202020204" pitchFamily="34" charset="0"/>
+              <a:buChar char="•"/>
+            </a:pPr>
+            <a:r>
+              <a:rPr lang="en-GB" sz="3400" dirty="0" smtClean="0">
+                <a:sym typeface="Wingdings" panose="05000000000000000000" pitchFamily="2" charset="2"/>
+              </a:rPr>
+              <a:t>Generates a terminating error when basic best-practice coding rules are violated</a:t>
+            </a:r>
+            <a:endParaRPr lang="en-GB" sz="3400" dirty="0">
+              <a:sym typeface="Wingdings" panose="05000000000000000000" pitchFamily="2" charset="2"/>
+            </a:endParaRPr>
+          </a:p>
+          <a:p>
+            <a:endParaRPr lang="en-GB" sz="3600" dirty="0"/>
+          </a:p>
+          <a:p>
+            <a:endParaRPr lang="en-GB" sz="3600" dirty="0"/>
+          </a:p>
+          <a:p>
+            <a:pPr marL="0" indent="0">
+              <a:buNone/>
+            </a:pPr>
+            <a:endParaRPr lang="en-GB" sz="3600" dirty="0"/>
+          </a:p>
+        </p:txBody>
+      </p:sp>
+      <p:pic>
+        <p:nvPicPr>
+          <p:cNvPr id="4" name="Picture 2" descr="https://www.powershellgallery.com/Content/Images/packageDefaultIcon.png"/>
+          <p:cNvPicPr>
+            <a:picLocks noChangeAspect="1" noChangeArrowheads="1"/>
+          </p:cNvPicPr>
+          <p:nvPr/>
+        </p:nvPicPr>
+        <p:blipFill>
+          <a:blip r:embed="rId2">
+            <a:extLst>
+              <a:ext uri="{28A0092B-C50C-407E-A947-70E740481C1C}">
+                <a14:useLocalDpi xmlns:a14="http://schemas.microsoft.com/office/drawing/2010/main" val="0"/>
+              </a:ext>
+            </a:extLst>
+          </a:blip>
+          <a:srcRect/>
+          <a:stretch>
+            <a:fillRect/>
+          </a:stretch>
+        </p:blipFill>
+        <p:spPr bwMode="auto">
+          <a:xfrm>
+            <a:off x="83856" y="61397"/>
+            <a:ext cx="1731538" cy="1731539"/>
+          </a:xfrm>
+          <a:prstGeom prst="rect">
+            <a:avLst/>
+          </a:prstGeom>
+          <a:noFill/>
+          <a:extLst>
+            <a:ext uri="{909E8E84-426E-40DD-AFC4-6F175D3DCCD1}">
+              <a14:hiddenFill xmlns:a14="http://schemas.microsoft.com/office/drawing/2010/main">
+                <a:solidFill>
+                  <a:srgbClr val="FFFFFF"/>
+                </a:solidFill>
+              </a14:hiddenFill>
+            </a:ext>
+          </a:extLst>
+        </p:spPr>
+      </p:pic>
+      <p:pic>
+        <p:nvPicPr>
+          <p:cNvPr id="5" name="Picture 4"/>
+          <p:cNvPicPr>
+            <a:picLocks noChangeAspect="1"/>
+          </p:cNvPicPr>
+          <p:nvPr/>
+        </p:nvPicPr>
+        <p:blipFill>
+          <a:blip r:embed="rId3"/>
+          <a:stretch>
+            <a:fillRect/>
+          </a:stretch>
+        </p:blipFill>
+        <p:spPr>
+          <a:xfrm>
+            <a:off x="7874816" y="2388463"/>
+            <a:ext cx="3952875" cy="838200"/>
+          </a:xfrm>
+          <a:prstGeom prst="rect">
+            <a:avLst/>
+          </a:prstGeom>
+        </p:spPr>
+      </p:pic>
+      <p:pic>
+        <p:nvPicPr>
+          <p:cNvPr id="8" name="Picture 7"/>
+          <p:cNvPicPr>
+            <a:picLocks noChangeAspect="1"/>
+          </p:cNvPicPr>
+          <p:nvPr/>
+        </p:nvPicPr>
+        <p:blipFill>
+          <a:blip r:embed="rId4"/>
+          <a:stretch>
+            <a:fillRect/>
+          </a:stretch>
+        </p:blipFill>
+        <p:spPr>
+          <a:xfrm>
+            <a:off x="6350816" y="3794227"/>
+            <a:ext cx="5476875" cy="1066800"/>
+          </a:xfrm>
+          <a:prstGeom prst="rect">
+            <a:avLst/>
+          </a:prstGeom>
+        </p:spPr>
+      </p:pic>
+    </p:spTree>
+    <p:extLst>
+      <p:ext uri="{BB962C8B-B14F-4D97-AF65-F5344CB8AC3E}">
+        <p14:creationId xmlns:p14="http://schemas.microsoft.com/office/powerpoint/2010/main" val="1337322172"/>
+      </p:ext>
+    </p:extLst>
+  </p:cSld>
+  <p:clrMapOvr>
+    <a:masterClrMapping/>
+  </p:clrMapOvr>
+  <p:timing>
+    <p:tnLst>
+      <p:par>
+        <p:cTn id="1" dur="indefinite" restart="never" nodeType="tmRoot"/>
+      </p:par>
+    </p:tnLst>
+  </p:timing>
+</p:sld>
+</file>
+
+<file path=ppt/slides/slide13.xml><?xml version="1.0" encoding="utf-8"?>
+<p:sld xmlns:a="http://schemas.openxmlformats.org/drawingml/2006/main" xmlns:r="http://schemas.openxmlformats.org/officeDocument/2006/relationships" xmlns:p="http://schemas.openxmlformats.org/presentationml/2006/main">
+  <p:cSld>
+    <p:bg>
+      <p:bgPr>
+        <a:solidFill>
+          <a:srgbClr val="0072C6"/>
+        </a:solidFill>
+        <a:effectLst/>
+      </p:bgPr>
+    </p:bg>
+    <p:spTree>
+      <p:nvGrpSpPr>
+        <p:cNvPr id="1" name=""/>
+        <p:cNvGrpSpPr/>
+        <p:nvPr/>
+      </p:nvGrpSpPr>
+      <p:grpSpPr>
+        <a:xfrm>
+          <a:off x="0" y="0"/>
+          <a:ext cx="0" cy="0"/>
+          <a:chOff x="0" y="0"/>
+          <a:chExt cx="0" cy="0"/>
+        </a:xfrm>
+      </p:grpSpPr>
+      <p:sp>
+        <p:nvSpPr>
+          <p:cNvPr id="2" name="Title 1"/>
+          <p:cNvSpPr>
+            <a:spLocks noGrp="1"/>
+          </p:cNvSpPr>
+          <p:nvPr>
+            <p:ph type="title"/>
+          </p:nvPr>
+        </p:nvSpPr>
+        <p:spPr>
+          <a:xfrm>
+            <a:off x="2043953" y="284176"/>
+            <a:ext cx="8943046" cy="1508760"/>
+          </a:xfrm>
+        </p:spPr>
+        <p:txBody>
+          <a:bodyPr/>
+          <a:lstStyle/>
+          <a:p>
+            <a:r>
+              <a:rPr lang="en-GB" dirty="0" smtClean="0"/>
+              <a:t>Leverage built-in validation</a:t>
+            </a:r>
+            <a:endParaRPr lang="en-GB" dirty="0"/>
+          </a:p>
+        </p:txBody>
+      </p:sp>
+      <p:sp>
+        <p:nvSpPr>
+          <p:cNvPr id="3" name="Content Placeholder 2"/>
+          <p:cNvSpPr>
+            <a:spLocks noGrp="1"/>
+          </p:cNvSpPr>
+          <p:nvPr>
+            <p:ph idx="1"/>
+          </p:nvPr>
+        </p:nvSpPr>
+        <p:spPr>
+          <a:xfrm>
+            <a:off x="346841" y="2011679"/>
+            <a:ext cx="11582400" cy="4483713"/>
+          </a:xfrm>
+        </p:spPr>
+        <p:txBody>
+          <a:bodyPr>
+            <a:normAutofit/>
+          </a:bodyPr>
+          <a:lstStyle/>
+          <a:p>
+            <a:pPr>
+              <a:buFont typeface="Arial" panose="020B0604020202020204" pitchFamily="34" charset="0"/>
+              <a:buChar char="•"/>
+            </a:pPr>
+            <a:r>
+              <a:rPr lang="en-GB" sz="3600" dirty="0" smtClean="0">
+                <a:sym typeface="Wingdings" panose="05000000000000000000" pitchFamily="2" charset="2"/>
+              </a:rPr>
+              <a:t>Validation </a:t>
+            </a:r>
+            <a:r>
+              <a:rPr lang="en-GB" sz="3600" dirty="0">
+                <a:sym typeface="Wingdings" panose="05000000000000000000" pitchFamily="2" charset="2"/>
+              </a:rPr>
+              <a:t>a</a:t>
+            </a:r>
+            <a:r>
+              <a:rPr lang="en-GB" sz="3600" dirty="0" smtClean="0">
+                <a:sym typeface="Wingdings" panose="05000000000000000000" pitchFamily="2" charset="2"/>
+              </a:rPr>
+              <a:t>ttributes</a:t>
+            </a:r>
+          </a:p>
+          <a:p>
+            <a:pPr lvl="1">
+              <a:buFont typeface="Arial" panose="020B0604020202020204" pitchFamily="34" charset="0"/>
+              <a:buChar char="•"/>
+            </a:pPr>
+            <a:r>
+              <a:rPr lang="en-GB" sz="3400" b="1" dirty="0" smtClean="0">
+                <a:latin typeface="Consolas" panose="020B0609020204030204" pitchFamily="49" charset="0"/>
+                <a:sym typeface="Wingdings" panose="05000000000000000000" pitchFamily="2" charset="2"/>
+              </a:rPr>
+              <a:t>[</a:t>
+            </a:r>
+            <a:r>
+              <a:rPr lang="en-GB" sz="3400" b="1" dirty="0" err="1" smtClean="0">
+                <a:latin typeface="Consolas" panose="020B0609020204030204" pitchFamily="49" charset="0"/>
+                <a:sym typeface="Wingdings" panose="05000000000000000000" pitchFamily="2" charset="2"/>
+              </a:rPr>
+              <a:t>ValidateCount</a:t>
+            </a:r>
+            <a:r>
+              <a:rPr lang="en-GB" sz="3400" b="1" dirty="0" smtClean="0">
+                <a:latin typeface="Consolas" panose="020B0609020204030204" pitchFamily="49" charset="0"/>
+                <a:sym typeface="Wingdings" panose="05000000000000000000" pitchFamily="2" charset="2"/>
+              </a:rPr>
+              <a:t>(min, max)]</a:t>
+            </a:r>
+            <a:endParaRPr lang="en-GB" sz="3400" dirty="0" smtClean="0">
+              <a:sym typeface="Wingdings" panose="05000000000000000000" pitchFamily="2" charset="2"/>
+            </a:endParaRPr>
+          </a:p>
+          <a:p>
+            <a:pPr lvl="1">
+              <a:buFont typeface="Arial" panose="020B0604020202020204" pitchFamily="34" charset="0"/>
+              <a:buChar char="•"/>
+            </a:pPr>
+            <a:r>
+              <a:rPr lang="en-GB" sz="3400" b="1" dirty="0" smtClean="0">
+                <a:latin typeface="Consolas" panose="020B0609020204030204" pitchFamily="49" charset="0"/>
+                <a:sym typeface="Wingdings" panose="05000000000000000000" pitchFamily="2" charset="2"/>
+              </a:rPr>
+              <a:t>[</a:t>
+            </a:r>
+            <a:r>
+              <a:rPr lang="en-GB" sz="3400" b="1" dirty="0" err="1" smtClean="0">
+                <a:latin typeface="Consolas" panose="020B0609020204030204" pitchFamily="49" charset="0"/>
+                <a:sym typeface="Wingdings" panose="05000000000000000000" pitchFamily="2" charset="2"/>
+              </a:rPr>
+              <a:t>ValidateLength</a:t>
+            </a:r>
+            <a:r>
+              <a:rPr lang="en-GB" sz="3400" b="1" dirty="0" smtClean="0">
+                <a:latin typeface="Consolas" panose="020B0609020204030204" pitchFamily="49" charset="0"/>
+                <a:sym typeface="Wingdings" panose="05000000000000000000" pitchFamily="2" charset="2"/>
+              </a:rPr>
+              <a:t>(min, max)]</a:t>
+            </a:r>
+            <a:endParaRPr lang="en-GB" sz="3400" dirty="0">
+              <a:sym typeface="Wingdings" panose="05000000000000000000" pitchFamily="2" charset="2"/>
+            </a:endParaRPr>
+          </a:p>
+          <a:p>
+            <a:pPr lvl="1">
+              <a:buFont typeface="Arial" panose="020B0604020202020204" pitchFamily="34" charset="0"/>
+              <a:buChar char="•"/>
+            </a:pPr>
+            <a:r>
+              <a:rPr lang="en-GB" sz="3400" b="1" dirty="0" smtClean="0">
+                <a:latin typeface="Consolas" panose="020B0609020204030204" pitchFamily="49" charset="0"/>
+                <a:sym typeface="Wingdings" panose="05000000000000000000" pitchFamily="2" charset="2"/>
+              </a:rPr>
+              <a:t>[</a:t>
+            </a:r>
+            <a:r>
+              <a:rPr lang="en-GB" sz="3400" b="1" dirty="0" err="1" smtClean="0">
+                <a:latin typeface="Consolas" panose="020B0609020204030204" pitchFamily="49" charset="0"/>
+                <a:sym typeface="Wingdings" panose="05000000000000000000" pitchFamily="2" charset="2"/>
+              </a:rPr>
+              <a:t>ValidatePattern</a:t>
+            </a:r>
+            <a:r>
+              <a:rPr lang="en-GB" sz="3400" b="1" dirty="0" smtClean="0">
+                <a:latin typeface="Consolas" panose="020B0609020204030204" pitchFamily="49" charset="0"/>
+                <a:sym typeface="Wingdings" panose="05000000000000000000" pitchFamily="2" charset="2"/>
+              </a:rPr>
+              <a:t>(&lt;REGEX&gt;)]</a:t>
+            </a:r>
+          </a:p>
+          <a:p>
+            <a:pPr lvl="1">
+              <a:buFont typeface="Arial" panose="020B0604020202020204" pitchFamily="34" charset="0"/>
+              <a:buChar char="•"/>
+            </a:pPr>
+            <a:r>
+              <a:rPr lang="en-GB" sz="3400" b="1" dirty="0" smtClean="0">
+                <a:latin typeface="Consolas" panose="020B0609020204030204" pitchFamily="49" charset="0"/>
+                <a:sym typeface="Wingdings" panose="05000000000000000000" pitchFamily="2" charset="2"/>
+              </a:rPr>
+              <a:t>[</a:t>
+            </a:r>
+            <a:r>
+              <a:rPr lang="en-GB" sz="3400" b="1" dirty="0" err="1" smtClean="0">
+                <a:latin typeface="Consolas" panose="020B0609020204030204" pitchFamily="49" charset="0"/>
+                <a:sym typeface="Wingdings" panose="05000000000000000000" pitchFamily="2" charset="2"/>
+              </a:rPr>
+              <a:t>ValidateScript</a:t>
+            </a:r>
+            <a:r>
+              <a:rPr lang="en-GB" sz="3400" b="1" dirty="0" smtClean="0">
+                <a:latin typeface="Consolas" panose="020B0609020204030204" pitchFamily="49" charset="0"/>
+                <a:sym typeface="Wingdings" panose="05000000000000000000" pitchFamily="2" charset="2"/>
+              </a:rPr>
+              <a:t>({&lt;SCRIPTBLOCK&gt;})]</a:t>
+            </a:r>
+          </a:p>
+          <a:p>
+            <a:pPr>
+              <a:buFont typeface="Arial" panose="020B0604020202020204" pitchFamily="34" charset="0"/>
+              <a:buChar char="•"/>
+            </a:pPr>
+            <a:endParaRPr lang="en-GB" sz="3600" b="1" dirty="0" smtClean="0">
+              <a:sym typeface="Wingdings" panose="05000000000000000000" pitchFamily="2" charset="2"/>
+            </a:endParaRPr>
+          </a:p>
+          <a:p>
+            <a:pPr>
+              <a:buFont typeface="Arial" panose="020B0604020202020204" pitchFamily="34" charset="0"/>
+              <a:buChar char="•"/>
+            </a:pPr>
+            <a:r>
+              <a:rPr lang="en-GB" sz="3600" b="1" dirty="0" smtClean="0">
+                <a:sym typeface="Wingdings" panose="05000000000000000000" pitchFamily="2" charset="2"/>
+              </a:rPr>
+              <a:t>Assign defaults to parameters</a:t>
+            </a:r>
+          </a:p>
+          <a:p>
+            <a:pPr lvl="1">
+              <a:buFont typeface="Arial" panose="020B0604020202020204" pitchFamily="34" charset="0"/>
+              <a:buChar char="•"/>
+            </a:pPr>
+            <a:endParaRPr lang="en-GB" sz="3400" dirty="0">
+              <a:sym typeface="Wingdings" panose="05000000000000000000" pitchFamily="2" charset="2"/>
+            </a:endParaRPr>
+          </a:p>
+          <a:p>
+            <a:endParaRPr lang="en-GB" sz="3600" dirty="0"/>
+          </a:p>
+          <a:p>
+            <a:endParaRPr lang="en-GB" sz="3600" dirty="0"/>
+          </a:p>
+          <a:p>
+            <a:pPr marL="0" indent="0">
+              <a:buNone/>
+            </a:pPr>
+            <a:endParaRPr lang="en-GB" sz="3600" dirty="0"/>
+          </a:p>
+        </p:txBody>
+      </p:sp>
+      <p:pic>
+        <p:nvPicPr>
+          <p:cNvPr id="4" name="Picture 2" descr="https://www.powershellgallery.com/Content/Images/packageDefaultIcon.png"/>
+          <p:cNvPicPr>
+            <a:picLocks noChangeAspect="1" noChangeArrowheads="1"/>
+          </p:cNvPicPr>
+          <p:nvPr/>
+        </p:nvPicPr>
+        <p:blipFill>
+          <a:blip r:embed="rId2">
+            <a:extLst>
+              <a:ext uri="{28A0092B-C50C-407E-A947-70E740481C1C}">
+                <a14:useLocalDpi xmlns:a14="http://schemas.microsoft.com/office/drawing/2010/main" val="0"/>
+              </a:ext>
+            </a:extLst>
+          </a:blip>
+          <a:srcRect/>
+          <a:stretch>
+            <a:fillRect/>
+          </a:stretch>
+        </p:blipFill>
+        <p:spPr bwMode="auto">
+          <a:xfrm>
+            <a:off x="83856" y="61397"/>
+            <a:ext cx="1731538" cy="1731539"/>
+          </a:xfrm>
+          <a:prstGeom prst="rect">
+            <a:avLst/>
+          </a:prstGeom>
+          <a:noFill/>
+          <a:extLst>
+            <a:ext uri="{909E8E84-426E-40DD-AFC4-6F175D3DCCD1}">
+              <a14:hiddenFill xmlns:a14="http://schemas.microsoft.com/office/drawing/2010/main">
+                <a:solidFill>
+                  <a:srgbClr val="FFFFFF"/>
+                </a:solidFill>
+              </a14:hiddenFill>
+            </a:ext>
+          </a:extLst>
+        </p:spPr>
+      </p:pic>
+      <p:pic>
+        <p:nvPicPr>
+          <p:cNvPr id="6" name="Picture 5"/>
+          <p:cNvPicPr>
+            <a:picLocks noChangeAspect="1"/>
+          </p:cNvPicPr>
+          <p:nvPr/>
+        </p:nvPicPr>
+        <p:blipFill rotWithShape="1">
+          <a:blip r:embed="rId3"/>
+          <a:srcRect l="1" r="-13144"/>
+          <a:stretch/>
+        </p:blipFill>
+        <p:spPr>
+          <a:xfrm>
+            <a:off x="8790892" y="3852011"/>
+            <a:ext cx="3724275" cy="1038225"/>
+          </a:xfrm>
+          <a:prstGeom prst="rect">
+            <a:avLst/>
+          </a:prstGeom>
+        </p:spPr>
+      </p:pic>
+      <p:pic>
+        <p:nvPicPr>
+          <p:cNvPr id="7" name="Picture 6"/>
+          <p:cNvPicPr>
+            <a:picLocks noChangeAspect="1"/>
+          </p:cNvPicPr>
+          <p:nvPr/>
+        </p:nvPicPr>
+        <p:blipFill>
+          <a:blip r:embed="rId4"/>
+          <a:stretch>
+            <a:fillRect/>
+          </a:stretch>
+        </p:blipFill>
+        <p:spPr>
+          <a:xfrm>
+            <a:off x="6775661" y="5274816"/>
+            <a:ext cx="3333750" cy="1066800"/>
+          </a:xfrm>
+          <a:prstGeom prst="rect">
+            <a:avLst/>
+          </a:prstGeom>
+        </p:spPr>
+      </p:pic>
+    </p:spTree>
+    <p:extLst>
+      <p:ext uri="{BB962C8B-B14F-4D97-AF65-F5344CB8AC3E}">
+        <p14:creationId xmlns:p14="http://schemas.microsoft.com/office/powerpoint/2010/main" val="2030396701"/>
+      </p:ext>
+    </p:extLst>
+  </p:cSld>
+  <p:clrMapOvr>
+    <a:masterClrMapping/>
+  </p:clrMapOvr>
+  <p:timing>
+    <p:tnLst>
+      <p:par>
+        <p:cTn id="1" dur="indefinite" restart="never" nodeType="tmRoot"/>
+      </p:par>
+    </p:tnLst>
+  </p:timing>
+</p:sld>
+</file>
+
+<file path=ppt/slides/slide14.xml><?xml version="1.0" encoding="utf-8"?>
+<p:sld xmlns:a="http://schemas.openxmlformats.org/drawingml/2006/main" xmlns:r="http://schemas.openxmlformats.org/officeDocument/2006/relationships" xmlns:p="http://schemas.openxmlformats.org/presentationml/2006/main">
+  <p:cSld>
+    <p:bg>
+      <p:bgPr>
+        <a:solidFill>
+          <a:srgbClr val="0072C6"/>
+        </a:solidFill>
+        <a:effectLst/>
+      </p:bgPr>
+    </p:bg>
+    <p:spTree>
+      <p:nvGrpSpPr>
+        <p:cNvPr id="1" name=""/>
+        <p:cNvGrpSpPr/>
+        <p:nvPr/>
+      </p:nvGrpSpPr>
+      <p:grpSpPr>
+        <a:xfrm>
+          <a:off x="0" y="0"/>
+          <a:ext cx="0" cy="0"/>
+          <a:chOff x="0" y="0"/>
+          <a:chExt cx="0" cy="0"/>
+        </a:xfrm>
+      </p:grpSpPr>
+      <p:sp>
+        <p:nvSpPr>
+          <p:cNvPr id="2" name="Title 1"/>
+          <p:cNvSpPr>
+            <a:spLocks noGrp="1"/>
+          </p:cNvSpPr>
+          <p:nvPr>
+            <p:ph type="ctrTitle"/>
+          </p:nvPr>
+        </p:nvSpPr>
+        <p:spPr>
+          <a:xfrm>
+            <a:off x="2290439" y="2152076"/>
+            <a:ext cx="9725479" cy="1739347"/>
+          </a:xfrm>
+        </p:spPr>
+        <p:txBody>
+          <a:bodyPr/>
+          <a:lstStyle/>
+          <a:p>
+            <a:pPr algn="l"/>
+            <a:r>
+              <a:rPr lang="en-GB" dirty="0" smtClean="0"/>
+              <a:t>Name your things</a:t>
+            </a:r>
+            <a:endParaRPr lang="en-GB" dirty="0"/>
+          </a:p>
+        </p:txBody>
+      </p:sp>
+      <p:pic>
+        <p:nvPicPr>
+          <p:cNvPr id="4" name="Picture 2" descr="https://www.powershellgallery.com/Content/Images/packageDefaultIcon.png"/>
+          <p:cNvPicPr>
+            <a:picLocks noChangeAspect="1" noChangeArrowheads="1"/>
+          </p:cNvPicPr>
+          <p:nvPr/>
+        </p:nvPicPr>
+        <p:blipFill>
+          <a:blip r:embed="rId2">
+            <a:extLst>
+              <a:ext uri="{28A0092B-C50C-407E-A947-70E740481C1C}">
+                <a14:useLocalDpi xmlns:a14="http://schemas.microsoft.com/office/drawing/2010/main" val="0"/>
+              </a:ext>
+            </a:extLst>
+          </a:blip>
+          <a:srcRect/>
+          <a:stretch>
+            <a:fillRect/>
+          </a:stretch>
+        </p:blipFill>
+        <p:spPr bwMode="auto">
+          <a:xfrm>
+            <a:off x="270711" y="1976146"/>
+            <a:ext cx="1915276" cy="1915277"/>
+          </a:xfrm>
+          <a:prstGeom prst="rect">
+            <a:avLst/>
+          </a:prstGeom>
+          <a:noFill/>
+          <a:extLst>
+            <a:ext uri="{909E8E84-426E-40DD-AFC4-6F175D3DCCD1}">
+              <a14:hiddenFill xmlns:a14="http://schemas.microsoft.com/office/drawing/2010/main">
+                <a:solidFill>
+                  <a:srgbClr val="FFFFFF"/>
+                </a:solidFill>
+              </a14:hiddenFill>
+            </a:ext>
+          </a:extLst>
+        </p:spPr>
+      </p:pic>
+      <p:sp>
+        <p:nvSpPr>
+          <p:cNvPr id="7" name="Subtitle 6"/>
+          <p:cNvSpPr>
+            <a:spLocks noGrp="1"/>
+          </p:cNvSpPr>
+          <p:nvPr>
+            <p:ph type="subTitle" idx="1"/>
+          </p:nvPr>
+        </p:nvSpPr>
+        <p:spPr/>
+        <p:txBody>
+          <a:bodyPr/>
+          <a:lstStyle/>
+          <a:p>
+            <a:endParaRPr lang="en-GB" dirty="0"/>
+          </a:p>
+        </p:txBody>
+      </p:sp>
+    </p:spTree>
+    <p:extLst>
+      <p:ext uri="{BB962C8B-B14F-4D97-AF65-F5344CB8AC3E}">
+        <p14:creationId xmlns:p14="http://schemas.microsoft.com/office/powerpoint/2010/main" val="4283455388"/>
+      </p:ext>
+    </p:extLst>
+  </p:cSld>
+  <p:clrMapOvr>
+    <a:masterClrMapping/>
+  </p:clrMapOvr>
+  <p:timing>
+    <p:tnLst>
+      <p:par>
+        <p:cTn id="1" dur="indefinite" restart="never" nodeType="tmRoot"/>
+      </p:par>
+    </p:tnLst>
+  </p:timing>
+</p:sld>
+</file>
+
+<file path=ppt/slides/slide15.xml><?xml version="1.0" encoding="utf-8"?>
+<p:sld xmlns:a="http://schemas.openxmlformats.org/drawingml/2006/main" xmlns:r="http://schemas.openxmlformats.org/officeDocument/2006/relationships" xmlns:p="http://schemas.openxmlformats.org/presentationml/2006/main">
+  <p:cSld>
+    <p:bg>
+      <p:bgPr>
+        <a:solidFill>
+          <a:srgbClr val="0072C6"/>
+        </a:solidFill>
+        <a:effectLst/>
+      </p:bgPr>
+    </p:bg>
+    <p:spTree>
+      <p:nvGrpSpPr>
+        <p:cNvPr id="1" name=""/>
+        <p:cNvGrpSpPr/>
+        <p:nvPr/>
+      </p:nvGrpSpPr>
+      <p:grpSpPr>
+        <a:xfrm>
+          <a:off x="0" y="0"/>
+          <a:ext cx="0" cy="0"/>
+          <a:chOff x="0" y="0"/>
+          <a:chExt cx="0" cy="0"/>
+        </a:xfrm>
+      </p:grpSpPr>
+      <p:sp>
+        <p:nvSpPr>
+          <p:cNvPr id="2" name="Title 1"/>
+          <p:cNvSpPr>
+            <a:spLocks noGrp="1"/>
+          </p:cNvSpPr>
+          <p:nvPr>
+            <p:ph type="title"/>
+          </p:nvPr>
+        </p:nvSpPr>
+        <p:spPr>
+          <a:xfrm>
+            <a:off x="2043953" y="284176"/>
+            <a:ext cx="8943046" cy="1508760"/>
+          </a:xfrm>
+        </p:spPr>
+        <p:txBody>
+          <a:bodyPr/>
+          <a:lstStyle/>
+          <a:p>
+            <a:r>
+              <a:rPr lang="en-GB" dirty="0" smtClean="0"/>
+              <a:t>Name your things</a:t>
+            </a:r>
+            <a:endParaRPr lang="en-GB" dirty="0"/>
+          </a:p>
+        </p:txBody>
+      </p:sp>
+      <p:sp>
+        <p:nvSpPr>
+          <p:cNvPr id="3" name="Content Placeholder 2"/>
+          <p:cNvSpPr>
+            <a:spLocks noGrp="1"/>
+          </p:cNvSpPr>
+          <p:nvPr>
+            <p:ph idx="1"/>
+          </p:nvPr>
+        </p:nvSpPr>
+        <p:spPr>
+          <a:xfrm>
+            <a:off x="346841" y="2011679"/>
+            <a:ext cx="11582400" cy="4483713"/>
+          </a:xfrm>
+        </p:spPr>
+        <p:txBody>
+          <a:bodyPr>
+            <a:normAutofit/>
+          </a:bodyPr>
+          <a:lstStyle/>
+          <a:p>
+            <a:pPr>
+              <a:buFont typeface="Arial" panose="020B0604020202020204" pitchFamily="34" charset="0"/>
+              <a:buChar char="•"/>
+            </a:pPr>
+            <a:r>
+              <a:rPr lang="en-GB" sz="3600" dirty="0"/>
+              <a:t>Users expect your PowerShell to taste like </a:t>
+            </a:r>
+            <a:r>
+              <a:rPr lang="en-GB" sz="3600" dirty="0" smtClean="0"/>
+              <a:t>real PowerShell</a:t>
+            </a:r>
+            <a:endParaRPr lang="en-GB" sz="3600" dirty="0"/>
+          </a:p>
+          <a:p>
+            <a:pPr>
+              <a:buFont typeface="Arial" panose="020B0604020202020204" pitchFamily="34" charset="0"/>
+              <a:buChar char="•"/>
+            </a:pPr>
+            <a:r>
+              <a:rPr lang="en-GB" sz="3600" dirty="0"/>
+              <a:t>Use common parameter names</a:t>
+            </a:r>
+          </a:p>
+          <a:p>
+            <a:pPr lvl="1">
+              <a:buFont typeface="Arial" panose="020B0604020202020204" pitchFamily="34" charset="0"/>
+              <a:buChar char="•"/>
+            </a:pPr>
+            <a:r>
+              <a:rPr lang="en-GB" sz="3400" b="1" dirty="0">
+                <a:latin typeface="Consolas" panose="020B0609020204030204" pitchFamily="49" charset="0"/>
+              </a:rPr>
+              <a:t>-Path</a:t>
+            </a:r>
+            <a:r>
+              <a:rPr lang="en-GB" sz="3400" dirty="0"/>
+              <a:t>, </a:t>
+            </a:r>
+            <a:r>
+              <a:rPr lang="en-GB" sz="3400" b="1" dirty="0">
+                <a:latin typeface="Consolas" panose="020B0609020204030204" pitchFamily="49" charset="0"/>
+              </a:rPr>
+              <a:t>-</a:t>
+            </a:r>
+            <a:r>
+              <a:rPr lang="en-GB" sz="3400" b="1" dirty="0" err="1">
+                <a:latin typeface="Consolas" panose="020B0609020204030204" pitchFamily="49" charset="0"/>
+              </a:rPr>
+              <a:t>Computername</a:t>
+            </a:r>
+            <a:r>
+              <a:rPr lang="en-GB" sz="3400" dirty="0"/>
+              <a:t>, </a:t>
+            </a:r>
+            <a:r>
+              <a:rPr lang="en-GB" sz="3400" b="1" dirty="0">
+                <a:latin typeface="Consolas" panose="020B0609020204030204" pitchFamily="49" charset="0"/>
+              </a:rPr>
+              <a:t>-Destination</a:t>
+            </a:r>
+          </a:p>
+          <a:p>
+            <a:pPr>
+              <a:buFont typeface="Arial" panose="020B0604020202020204" pitchFamily="34" charset="0"/>
+              <a:buChar char="•"/>
+            </a:pPr>
+            <a:r>
+              <a:rPr lang="en-GB" sz="3600" dirty="0"/>
+              <a:t>Use singular </a:t>
+            </a:r>
+            <a:r>
+              <a:rPr lang="en-GB" sz="3600" dirty="0" smtClean="0"/>
+              <a:t>naming</a:t>
+            </a:r>
+            <a:endParaRPr lang="en-GB" sz="3600" dirty="0"/>
+          </a:p>
+          <a:p>
+            <a:pPr lvl="1">
+              <a:buFont typeface="Arial" panose="020B0604020202020204" pitchFamily="34" charset="0"/>
+              <a:buChar char="•"/>
+            </a:pPr>
+            <a:r>
+              <a:rPr lang="en-GB" sz="3400" b="1" dirty="0">
+                <a:latin typeface="Consolas" panose="020B0609020204030204" pitchFamily="49" charset="0"/>
+              </a:rPr>
+              <a:t>Get-Item</a:t>
+            </a:r>
+            <a:r>
+              <a:rPr lang="en-GB" sz="3400" dirty="0"/>
+              <a:t>, </a:t>
+            </a:r>
+            <a:r>
+              <a:rPr lang="en-GB" sz="3400" b="1" dirty="0">
+                <a:latin typeface="Consolas" panose="020B0609020204030204" pitchFamily="49" charset="0"/>
+              </a:rPr>
+              <a:t>Get-</a:t>
+            </a:r>
+            <a:r>
+              <a:rPr lang="en-GB" sz="3400" b="1" dirty="0" err="1">
+                <a:latin typeface="Consolas" panose="020B0609020204030204" pitchFamily="49" charset="0"/>
+              </a:rPr>
+              <a:t>ADUser</a:t>
+            </a:r>
+            <a:r>
+              <a:rPr lang="en-GB" sz="3400" dirty="0"/>
+              <a:t>, </a:t>
+            </a:r>
+            <a:r>
+              <a:rPr lang="en-GB" sz="3400" b="1" dirty="0" smtClean="0">
+                <a:latin typeface="Consolas" panose="020B0609020204030204" pitchFamily="49" charset="0"/>
+              </a:rPr>
+              <a:t>Add-</a:t>
+            </a:r>
+            <a:r>
+              <a:rPr lang="en-GB" sz="3400" b="1" dirty="0" err="1" smtClean="0">
+                <a:latin typeface="Consolas" panose="020B0609020204030204" pitchFamily="49" charset="0"/>
+              </a:rPr>
+              <a:t>AppxPackage</a:t>
+            </a:r>
+            <a:endParaRPr lang="en-GB" sz="3400" b="1" dirty="0" smtClean="0">
+              <a:latin typeface="Consolas" panose="020B0609020204030204" pitchFamily="49" charset="0"/>
+            </a:endParaRPr>
+          </a:p>
+          <a:p>
+            <a:pPr marL="228600" lvl="1" indent="0">
+              <a:buNone/>
+            </a:pPr>
+            <a:endParaRPr lang="en-GB" sz="3400" dirty="0"/>
+          </a:p>
+        </p:txBody>
+      </p:sp>
+      <p:pic>
+        <p:nvPicPr>
+          <p:cNvPr id="4" name="Picture 2" descr="https://www.powershellgallery.com/Content/Images/packageDefaultIcon.png"/>
+          <p:cNvPicPr>
+            <a:picLocks noChangeAspect="1" noChangeArrowheads="1"/>
+          </p:cNvPicPr>
+          <p:nvPr/>
+        </p:nvPicPr>
+        <p:blipFill>
+          <a:blip r:embed="rId2">
+            <a:extLst>
+              <a:ext uri="{28A0092B-C50C-407E-A947-70E740481C1C}">
+                <a14:useLocalDpi xmlns:a14="http://schemas.microsoft.com/office/drawing/2010/main" val="0"/>
+              </a:ext>
+            </a:extLst>
+          </a:blip>
+          <a:srcRect/>
+          <a:stretch>
+            <a:fillRect/>
+          </a:stretch>
+        </p:blipFill>
+        <p:spPr bwMode="auto">
+          <a:xfrm>
+            <a:off x="83856" y="61397"/>
+            <a:ext cx="1731538" cy="1731539"/>
+          </a:xfrm>
+          <a:prstGeom prst="rect">
+            <a:avLst/>
+          </a:prstGeom>
+          <a:noFill/>
+          <a:extLst>
+            <a:ext uri="{909E8E84-426E-40DD-AFC4-6F175D3DCCD1}">
+              <a14:hiddenFill xmlns:a14="http://schemas.microsoft.com/office/drawing/2010/main">
+                <a:solidFill>
+                  <a:srgbClr val="FFFFFF"/>
+                </a:solidFill>
+              </a14:hiddenFill>
+            </a:ext>
+          </a:extLst>
+        </p:spPr>
+      </p:pic>
+    </p:spTree>
+    <p:extLst>
+      <p:ext uri="{BB962C8B-B14F-4D97-AF65-F5344CB8AC3E}">
+        <p14:creationId xmlns:p14="http://schemas.microsoft.com/office/powerpoint/2010/main" val="2430712700"/>
+      </p:ext>
+    </p:extLst>
+  </p:cSld>
+  <p:clrMapOvr>
+    <a:masterClrMapping/>
+  </p:clrMapOvr>
+  <p:timing>
+    <p:tnLst>
+      <p:par>
+        <p:cTn id="1" dur="indefinite" restart="never" nodeType="tmRoot"/>
+      </p:par>
+    </p:tnLst>
+  </p:timing>
+</p:sld>
+</file>
+
+<file path=ppt/slides/slide16.xml><?xml version="1.0" encoding="utf-8"?>
+<p:sld xmlns:a="http://schemas.openxmlformats.org/drawingml/2006/main" xmlns:r="http://schemas.openxmlformats.org/officeDocument/2006/relationships" xmlns:p="http://schemas.openxmlformats.org/presentationml/2006/main">
+  <p:cSld>
+    <p:bg>
+      <p:bgPr>
+        <a:solidFill>
+          <a:srgbClr val="0072C6"/>
+        </a:solidFill>
+        <a:effectLst/>
+      </p:bgPr>
+    </p:bg>
+    <p:spTree>
+      <p:nvGrpSpPr>
+        <p:cNvPr id="1" name=""/>
+        <p:cNvGrpSpPr/>
+        <p:nvPr/>
+      </p:nvGrpSpPr>
+      <p:grpSpPr>
+        <a:xfrm>
+          <a:off x="0" y="0"/>
+          <a:ext cx="0" cy="0"/>
+          <a:chOff x="0" y="0"/>
+          <a:chExt cx="0" cy="0"/>
+        </a:xfrm>
+      </p:grpSpPr>
+      <p:sp>
+        <p:nvSpPr>
+          <p:cNvPr id="2" name="Title 1"/>
+          <p:cNvSpPr>
+            <a:spLocks noGrp="1"/>
+          </p:cNvSpPr>
+          <p:nvPr>
+            <p:ph type="title"/>
+          </p:nvPr>
+        </p:nvSpPr>
+        <p:spPr>
+          <a:xfrm>
+            <a:off x="2043953" y="284176"/>
+            <a:ext cx="8943046" cy="1508760"/>
+          </a:xfrm>
+        </p:spPr>
+        <p:txBody>
+          <a:bodyPr/>
+          <a:lstStyle/>
+          <a:p>
+            <a:r>
+              <a:rPr lang="en-GB" dirty="0" smtClean="0"/>
+              <a:t>Name your things</a:t>
+            </a:r>
+            <a:endParaRPr lang="en-GB" dirty="0"/>
+          </a:p>
+        </p:txBody>
+      </p:sp>
+      <p:sp>
+        <p:nvSpPr>
+          <p:cNvPr id="3" name="Content Placeholder 2"/>
+          <p:cNvSpPr>
+            <a:spLocks noGrp="1"/>
+          </p:cNvSpPr>
+          <p:nvPr>
+            <p:ph idx="1"/>
+          </p:nvPr>
+        </p:nvSpPr>
+        <p:spPr>
+          <a:xfrm>
+            <a:off x="346841" y="2011679"/>
+            <a:ext cx="11582400" cy="4483713"/>
+          </a:xfrm>
+        </p:spPr>
+        <p:txBody>
+          <a:bodyPr>
+            <a:normAutofit/>
+          </a:bodyPr>
+          <a:lstStyle/>
+          <a:p>
+            <a:pPr>
+              <a:buFont typeface="Arial" panose="020B0604020202020204" pitchFamily="34" charset="0"/>
+              <a:buChar char="•"/>
+            </a:pPr>
+            <a:r>
+              <a:rPr lang="en-GB" sz="3600" dirty="0">
+                <a:sym typeface="Wingdings" panose="05000000000000000000" pitchFamily="2" charset="2"/>
+              </a:rPr>
+              <a:t>Use descriptive names for variables, parameters and </a:t>
+            </a:r>
+            <a:r>
+              <a:rPr lang="en-GB" sz="3600" dirty="0" smtClean="0">
+                <a:sym typeface="Wingdings" panose="05000000000000000000" pitchFamily="2" charset="2"/>
+              </a:rPr>
+              <a:t>functions:</a:t>
+            </a:r>
+          </a:p>
+          <a:p>
+            <a:pPr lvl="1">
+              <a:buFont typeface="Arial" panose="020B0604020202020204" pitchFamily="34" charset="0"/>
+              <a:buChar char="•"/>
+            </a:pPr>
+            <a:r>
+              <a:rPr lang="en-GB" sz="3400">
+                <a:sym typeface="Wingdings" panose="05000000000000000000" pitchFamily="2" charset="2"/>
+              </a:rPr>
+              <a:t>$</a:t>
+            </a:r>
+            <a:endParaRPr lang="en-GB" sz="3400" dirty="0">
+              <a:sym typeface="Wingdings" panose="05000000000000000000" pitchFamily="2" charset="2"/>
+            </a:endParaRPr>
+          </a:p>
+        </p:txBody>
+      </p:sp>
+      <p:pic>
+        <p:nvPicPr>
+          <p:cNvPr id="4" name="Picture 2" descr="https://www.powershellgallery.com/Content/Images/packageDefaultIcon.png"/>
+          <p:cNvPicPr>
+            <a:picLocks noChangeAspect="1" noChangeArrowheads="1"/>
+          </p:cNvPicPr>
+          <p:nvPr/>
+        </p:nvPicPr>
+        <p:blipFill>
+          <a:blip r:embed="rId2">
+            <a:extLst>
+              <a:ext uri="{28A0092B-C50C-407E-A947-70E740481C1C}">
+                <a14:useLocalDpi xmlns:a14="http://schemas.microsoft.com/office/drawing/2010/main" val="0"/>
+              </a:ext>
+            </a:extLst>
+          </a:blip>
+          <a:srcRect/>
+          <a:stretch>
+            <a:fillRect/>
+          </a:stretch>
+        </p:blipFill>
+        <p:spPr bwMode="auto">
+          <a:xfrm>
+            <a:off x="83856" y="61397"/>
+            <a:ext cx="1731538" cy="1731539"/>
+          </a:xfrm>
+          <a:prstGeom prst="rect">
+            <a:avLst/>
+          </a:prstGeom>
+          <a:noFill/>
+          <a:extLst>
+            <a:ext uri="{909E8E84-426E-40DD-AFC4-6F175D3DCCD1}">
+              <a14:hiddenFill xmlns:a14="http://schemas.microsoft.com/office/drawing/2010/main">
+                <a:solidFill>
+                  <a:srgbClr val="FFFFFF"/>
+                </a:solidFill>
+              </a14:hiddenFill>
+            </a:ext>
+          </a:extLst>
+        </p:spPr>
+      </p:pic>
+      <p:sp>
+        <p:nvSpPr>
+          <p:cNvPr id="9" name="Cloud Callout 8"/>
+          <p:cNvSpPr/>
+          <p:nvPr/>
+        </p:nvSpPr>
+        <p:spPr>
+          <a:xfrm>
+            <a:off x="6030619" y="2011679"/>
+            <a:ext cx="4445031" cy="2799371"/>
+          </a:xfrm>
+          <a:prstGeom prst="cloudCallout">
+            <a:avLst/>
+          </a:prstGeom>
+          <a:solidFill>
+            <a:schemeClr val="tx1"/>
+          </a:solidFill>
+          <a:ln>
+            <a:solidFill>
+              <a:schemeClr val="tx1">
+                <a:lumMod val="85000"/>
+              </a:schemeClr>
+            </a:solidFill>
+          </a:ln>
+        </p:spPr>
+        <p:style>
+          <a:lnRef idx="2">
+            <a:schemeClr val="accent1">
+              <a:shade val="50000"/>
+            </a:schemeClr>
+          </a:lnRef>
+          <a:fillRef idx="1">
+            <a:schemeClr val="accent1"/>
+          </a:fillRef>
+          <a:effectRef idx="0">
+            <a:schemeClr val="accent1"/>
+          </a:effectRef>
+          <a:fontRef idx="minor">
+            <a:schemeClr val="lt1"/>
+          </a:fontRef>
+        </p:style>
+        <p:txBody>
+          <a:bodyPr rtlCol="0" anchor="ctr"/>
+          <a:lstStyle/>
+          <a:p>
+            <a:pPr algn="ctr"/>
+            <a:endParaRPr lang="en-GB"/>
+          </a:p>
+        </p:txBody>
+      </p:sp>
+      <p:sp>
+        <p:nvSpPr>
+          <p:cNvPr id="10" name="TextBox 9"/>
+          <p:cNvSpPr txBox="1"/>
+          <p:nvPr/>
+        </p:nvSpPr>
+        <p:spPr>
+          <a:xfrm>
+            <a:off x="6816151" y="2945923"/>
+            <a:ext cx="3061583" cy="923330"/>
+          </a:xfrm>
+          <a:prstGeom prst="rect">
+            <a:avLst/>
+          </a:prstGeom>
+          <a:noFill/>
+        </p:spPr>
+        <p:txBody>
+          <a:bodyPr wrap="square" rtlCol="0">
+            <a:spAutoFit/>
+          </a:bodyPr>
+          <a:lstStyle/>
+          <a:p>
+            <a:pPr algn="ctr"/>
+            <a:r>
+              <a:rPr lang="en-GB" dirty="0" smtClean="0">
+                <a:solidFill>
+                  <a:schemeClr val="bg1"/>
+                </a:solidFill>
+              </a:rPr>
+              <a:t>Avoid Hungarian Notation – PowerShell is a dynamically typed language!</a:t>
+            </a:r>
+          </a:p>
+        </p:txBody>
+      </p:sp>
+      <p:sp>
+        <p:nvSpPr>
+          <p:cNvPr id="11" name="TextBox 10"/>
+          <p:cNvSpPr txBox="1"/>
+          <p:nvPr/>
+        </p:nvSpPr>
+        <p:spPr>
+          <a:xfrm>
+            <a:off x="6539778" y="4031178"/>
+            <a:ext cx="3223959" cy="646331"/>
+          </a:xfrm>
+          <a:prstGeom prst="rect">
+            <a:avLst/>
+          </a:prstGeom>
+          <a:noFill/>
+        </p:spPr>
+        <p:txBody>
+          <a:bodyPr wrap="none" rtlCol="0">
+            <a:spAutoFit/>
+          </a:bodyPr>
+          <a:lstStyle/>
+          <a:p>
+            <a:r>
+              <a:rPr lang="en-GB" dirty="0" smtClean="0">
+                <a:solidFill>
+                  <a:srgbClr val="FF0000"/>
+                </a:solidFill>
+                <a:latin typeface="Consolas" panose="020B0609020204030204" pitchFamily="49" charset="0"/>
+              </a:rPr>
+              <a:t>function </a:t>
+            </a:r>
+            <a:r>
+              <a:rPr lang="en-GB" dirty="0" err="1" smtClean="0">
+                <a:solidFill>
+                  <a:srgbClr val="FF0000"/>
+                </a:solidFill>
+                <a:latin typeface="Consolas" panose="020B0609020204030204" pitchFamily="49" charset="0"/>
+              </a:rPr>
+              <a:t>intGet</a:t>
+            </a:r>
+            <a:r>
+              <a:rPr lang="en-GB" dirty="0" smtClean="0">
+                <a:solidFill>
+                  <a:srgbClr val="FF0000"/>
+                </a:solidFill>
+                <a:latin typeface="Consolas" panose="020B0609020204030204" pitchFamily="49" charset="0"/>
+              </a:rPr>
+              <a:t>-Number{}</a:t>
+            </a:r>
+            <a:endParaRPr lang="en-GB" dirty="0">
+              <a:solidFill>
+                <a:srgbClr val="FF0000"/>
+              </a:solidFill>
+              <a:latin typeface="Consolas" panose="020B0609020204030204" pitchFamily="49" charset="0"/>
+            </a:endParaRPr>
+          </a:p>
+          <a:p>
+            <a:endParaRPr lang="en-GB" dirty="0">
+              <a:solidFill>
+                <a:srgbClr val="FF0000"/>
+              </a:solidFill>
+              <a:latin typeface="Consolas" panose="020B0609020204030204" pitchFamily="49" charset="0"/>
+            </a:endParaRPr>
+          </a:p>
+        </p:txBody>
+      </p:sp>
+      <p:sp>
+        <p:nvSpPr>
+          <p:cNvPr id="12" name="TextBox 11"/>
+          <p:cNvSpPr txBox="1"/>
+          <p:nvPr/>
+        </p:nvSpPr>
+        <p:spPr>
+          <a:xfrm>
+            <a:off x="8847114" y="2323996"/>
+            <a:ext cx="1071127" cy="369332"/>
+          </a:xfrm>
+          <a:prstGeom prst="rect">
+            <a:avLst/>
+          </a:prstGeom>
+          <a:noFill/>
+        </p:spPr>
+        <p:txBody>
+          <a:bodyPr wrap="none" rtlCol="0">
+            <a:spAutoFit/>
+          </a:bodyPr>
+          <a:lstStyle/>
+          <a:p>
+            <a:r>
+              <a:rPr lang="en-GB" dirty="0">
+                <a:solidFill>
+                  <a:srgbClr val="FF0000"/>
+                </a:solidFill>
+                <a:latin typeface="Consolas" panose="020B0609020204030204" pitchFamily="49" charset="0"/>
+              </a:rPr>
+              <a:t>$</a:t>
+            </a:r>
+            <a:r>
+              <a:rPr lang="en-GB" dirty="0" err="1">
+                <a:solidFill>
+                  <a:srgbClr val="FF0000"/>
+                </a:solidFill>
+                <a:latin typeface="Consolas" panose="020B0609020204030204" pitchFamily="49" charset="0"/>
+              </a:rPr>
+              <a:t>strVar</a:t>
+            </a:r>
+            <a:endParaRPr lang="en-GB" dirty="0">
+              <a:solidFill>
+                <a:srgbClr val="FF0000"/>
+              </a:solidFill>
+              <a:latin typeface="Consolas" panose="020B0609020204030204" pitchFamily="49" charset="0"/>
+            </a:endParaRPr>
+          </a:p>
+        </p:txBody>
+      </p:sp>
+    </p:spTree>
+    <p:extLst>
+      <p:ext uri="{BB962C8B-B14F-4D97-AF65-F5344CB8AC3E}">
+        <p14:creationId xmlns:p14="http://schemas.microsoft.com/office/powerpoint/2010/main" val="3687386557"/>
+      </p:ext>
+    </p:extLst>
+  </p:cSld>
+  <p:clrMapOvr>
+    <a:masterClrMapping/>
+  </p:clrMapOvr>
+  <p:timing>
+    <p:tnLst>
+      <p:par>
+        <p:cTn id="1" dur="indefinite" restart="never" nodeType="tmRoot">
+          <p:childTnLst>
+            <p:seq concurrent="1" nextAc="seek">
+              <p:cTn id="2" dur="indefinite" nodeType="mainSeq">
+                <p:childTnLst>
+                  <p:par>
+                    <p:cTn id="3" fill="hold">
+                      <p:stCondLst>
+                        <p:cond delay="indefinite"/>
+                      </p:stCondLst>
+                      <p:childTnLst>
+                        <p:par>
+                          <p:cTn id="4" fill="hold">
+                            <p:stCondLst>
+                              <p:cond delay="0"/>
+                            </p:stCondLst>
+                            <p:childTnLst>
+                              <p:par>
+                                <p:cTn id="5" presetID="42" presetClass="entr" presetSubtype="0" fill="hold" grpId="0" nodeType="clickEffect">
+                                  <p:stCondLst>
+                                    <p:cond delay="0"/>
+                                  </p:stCondLst>
+                                  <p:childTnLst>
+                                    <p:set>
+                                      <p:cBhvr>
+                                        <p:cTn id="6" dur="1" fill="hold">
+                                          <p:stCondLst>
+                                            <p:cond delay="0"/>
+                                          </p:stCondLst>
+                                        </p:cTn>
+                                        <p:tgtEl>
+                                          <p:spTgt spid="9"/>
+                                        </p:tgtEl>
+                                        <p:attrNameLst>
+                                          <p:attrName>style.visibility</p:attrName>
+                                        </p:attrNameLst>
+                                      </p:cBhvr>
+                                      <p:to>
+                                        <p:strVal val="visible"/>
+                                      </p:to>
+                                    </p:set>
+                                    <p:animEffect transition="in" filter="fade">
+                                      <p:cBhvr>
+                                        <p:cTn id="7" dur="1000"/>
+                                        <p:tgtEl>
+                                          <p:spTgt spid="9"/>
+                                        </p:tgtEl>
+                                      </p:cBhvr>
+                                    </p:animEffect>
+                                    <p:anim calcmode="lin" valueType="num">
+                                      <p:cBhvr>
+                                        <p:cTn id="8" dur="1000" fill="hold"/>
+                                        <p:tgtEl>
+                                          <p:spTgt spid="9"/>
+                                        </p:tgtEl>
+                                        <p:attrNameLst>
+                                          <p:attrName>ppt_x</p:attrName>
+                                        </p:attrNameLst>
+                                      </p:cBhvr>
+                                      <p:tavLst>
+                                        <p:tav tm="0">
+                                          <p:val>
+                                            <p:strVal val="#ppt_x"/>
+                                          </p:val>
+                                        </p:tav>
+                                        <p:tav tm="100000">
+                                          <p:val>
+                                            <p:strVal val="#ppt_x"/>
+                                          </p:val>
+                                        </p:tav>
+                                      </p:tavLst>
+                                    </p:anim>
+                                    <p:anim calcmode="lin" valueType="num">
+                                      <p:cBhvr>
+                                        <p:cTn id="9" dur="1000" fill="hold"/>
+                                        <p:tgtEl>
+                                          <p:spTgt spid="9"/>
+                                        </p:tgtEl>
+                                        <p:attrNameLst>
+                                          <p:attrName>ppt_y</p:attrName>
+                                        </p:attrNameLst>
+                                      </p:cBhvr>
+                                      <p:tavLst>
+                                        <p:tav tm="0">
+                                          <p:val>
+                                            <p:strVal val="#ppt_y+.1"/>
+                                          </p:val>
+                                        </p:tav>
+                                        <p:tav tm="100000">
+                                          <p:val>
+                                            <p:strVal val="#ppt_y"/>
+                                          </p:val>
+                                        </p:tav>
+                                      </p:tavLst>
+                                    </p:anim>
+                                  </p:childTnLst>
+                                </p:cTn>
+                              </p:par>
+                              <p:par>
+                                <p:cTn id="10" presetID="42" presetClass="entr" presetSubtype="0" fill="hold" grpId="0" nodeType="withEffect">
+                                  <p:stCondLst>
+                                    <p:cond delay="0"/>
+                                  </p:stCondLst>
+                                  <p:childTnLst>
+                                    <p:set>
+                                      <p:cBhvr>
+                                        <p:cTn id="11" dur="1" fill="hold">
+                                          <p:stCondLst>
+                                            <p:cond delay="0"/>
+                                          </p:stCondLst>
+                                        </p:cTn>
+                                        <p:tgtEl>
+                                          <p:spTgt spid="12"/>
+                                        </p:tgtEl>
+                                        <p:attrNameLst>
+                                          <p:attrName>style.visibility</p:attrName>
+                                        </p:attrNameLst>
+                                      </p:cBhvr>
+                                      <p:to>
+                                        <p:strVal val="visible"/>
+                                      </p:to>
+                                    </p:set>
+                                    <p:animEffect transition="in" filter="fade">
+                                      <p:cBhvr>
+                                        <p:cTn id="12" dur="1000"/>
+                                        <p:tgtEl>
+                                          <p:spTgt spid="12"/>
+                                        </p:tgtEl>
+                                      </p:cBhvr>
+                                    </p:animEffect>
+                                    <p:anim calcmode="lin" valueType="num">
+                                      <p:cBhvr>
+                                        <p:cTn id="13" dur="1000" fill="hold"/>
+                                        <p:tgtEl>
+                                          <p:spTgt spid="12"/>
+                                        </p:tgtEl>
+                                        <p:attrNameLst>
+                                          <p:attrName>ppt_x</p:attrName>
+                                        </p:attrNameLst>
+                                      </p:cBhvr>
+                                      <p:tavLst>
+                                        <p:tav tm="0">
+                                          <p:val>
+                                            <p:strVal val="#ppt_x"/>
+                                          </p:val>
+                                        </p:tav>
+                                        <p:tav tm="100000">
+                                          <p:val>
+                                            <p:strVal val="#ppt_x"/>
+                                          </p:val>
+                                        </p:tav>
+                                      </p:tavLst>
+                                    </p:anim>
+                                    <p:anim calcmode="lin" valueType="num">
+                                      <p:cBhvr>
+                                        <p:cTn id="14" dur="1000" fill="hold"/>
+                                        <p:tgtEl>
+                                          <p:spTgt spid="12"/>
+                                        </p:tgtEl>
+                                        <p:attrNameLst>
+                                          <p:attrName>ppt_y</p:attrName>
+                                        </p:attrNameLst>
+                                      </p:cBhvr>
+                                      <p:tavLst>
+                                        <p:tav tm="0">
+                                          <p:val>
+                                            <p:strVal val="#ppt_y+.1"/>
+                                          </p:val>
+                                        </p:tav>
+                                        <p:tav tm="100000">
+                                          <p:val>
+                                            <p:strVal val="#ppt_y"/>
+                                          </p:val>
+                                        </p:tav>
+                                      </p:tavLst>
+                                    </p:anim>
+                                  </p:childTnLst>
+                                </p:cTn>
+                              </p:par>
+                              <p:par>
+                                <p:cTn id="15" presetID="42" presetClass="entr" presetSubtype="0" fill="hold" grpId="0" nodeType="withEffect">
+                                  <p:stCondLst>
+                                    <p:cond delay="0"/>
+                                  </p:stCondLst>
+                                  <p:childTnLst>
+                                    <p:set>
+                                      <p:cBhvr>
+                                        <p:cTn id="16" dur="1" fill="hold">
+                                          <p:stCondLst>
+                                            <p:cond delay="0"/>
+                                          </p:stCondLst>
+                                        </p:cTn>
+                                        <p:tgtEl>
+                                          <p:spTgt spid="11"/>
+                                        </p:tgtEl>
+                                        <p:attrNameLst>
+                                          <p:attrName>style.visibility</p:attrName>
+                                        </p:attrNameLst>
+                                      </p:cBhvr>
+                                      <p:to>
+                                        <p:strVal val="visible"/>
+                                      </p:to>
+                                    </p:set>
+                                    <p:animEffect transition="in" filter="fade">
+                                      <p:cBhvr>
+                                        <p:cTn id="17" dur="1000"/>
+                                        <p:tgtEl>
+                                          <p:spTgt spid="11"/>
+                                        </p:tgtEl>
+                                      </p:cBhvr>
+                                    </p:animEffect>
+                                    <p:anim calcmode="lin" valueType="num">
+                                      <p:cBhvr>
+                                        <p:cTn id="18" dur="1000" fill="hold"/>
+                                        <p:tgtEl>
+                                          <p:spTgt spid="11"/>
+                                        </p:tgtEl>
+                                        <p:attrNameLst>
+                                          <p:attrName>ppt_x</p:attrName>
+                                        </p:attrNameLst>
+                                      </p:cBhvr>
+                                      <p:tavLst>
+                                        <p:tav tm="0">
+                                          <p:val>
+                                            <p:strVal val="#ppt_x"/>
+                                          </p:val>
+                                        </p:tav>
+                                        <p:tav tm="100000">
+                                          <p:val>
+                                            <p:strVal val="#ppt_x"/>
+                                          </p:val>
+                                        </p:tav>
+                                      </p:tavLst>
+                                    </p:anim>
+                                    <p:anim calcmode="lin" valueType="num">
+                                      <p:cBhvr>
+                                        <p:cTn id="19" dur="1000" fill="hold"/>
+                                        <p:tgtEl>
+                                          <p:spTgt spid="11"/>
+                                        </p:tgtEl>
+                                        <p:attrNameLst>
+                                          <p:attrName>ppt_y</p:attrName>
+                                        </p:attrNameLst>
+                                      </p:cBhvr>
+                                      <p:tavLst>
+                                        <p:tav tm="0">
+                                          <p:val>
+                                            <p:strVal val="#ppt_y+.1"/>
+                                          </p:val>
+                                        </p:tav>
+                                        <p:tav tm="100000">
+                                          <p:val>
+                                            <p:strVal val="#ppt_y"/>
+                                          </p:val>
+                                        </p:tav>
+                                      </p:tavLst>
+                                    </p:anim>
+                                  </p:childTnLst>
+                                </p:cTn>
+                              </p:par>
+                              <p:par>
+                                <p:cTn id="20" presetID="42" presetClass="entr" presetSubtype="0" fill="hold" grpId="0" nodeType="withEffect">
+                                  <p:stCondLst>
+                                    <p:cond delay="0"/>
+                                  </p:stCondLst>
+                                  <p:childTnLst>
+                                    <p:set>
+                                      <p:cBhvr>
+                                        <p:cTn id="21" dur="1" fill="hold">
+                                          <p:stCondLst>
+                                            <p:cond delay="0"/>
+                                          </p:stCondLst>
+                                        </p:cTn>
+                                        <p:tgtEl>
+                                          <p:spTgt spid="10"/>
+                                        </p:tgtEl>
+                                        <p:attrNameLst>
+                                          <p:attrName>style.visibility</p:attrName>
+                                        </p:attrNameLst>
+                                      </p:cBhvr>
+                                      <p:to>
+                                        <p:strVal val="visible"/>
+                                      </p:to>
+                                    </p:set>
+                                    <p:animEffect transition="in" filter="fade">
+                                      <p:cBhvr>
+                                        <p:cTn id="22" dur="1000"/>
+                                        <p:tgtEl>
+                                          <p:spTgt spid="10"/>
+                                        </p:tgtEl>
+                                      </p:cBhvr>
+                                    </p:animEffect>
+                                    <p:anim calcmode="lin" valueType="num">
+                                      <p:cBhvr>
+                                        <p:cTn id="23" dur="1000" fill="hold"/>
+                                        <p:tgtEl>
+                                          <p:spTgt spid="10"/>
+                                        </p:tgtEl>
+                                        <p:attrNameLst>
+                                          <p:attrName>ppt_x</p:attrName>
+                                        </p:attrNameLst>
+                                      </p:cBhvr>
+                                      <p:tavLst>
+                                        <p:tav tm="0">
+                                          <p:val>
+                                            <p:strVal val="#ppt_x"/>
+                                          </p:val>
+                                        </p:tav>
+                                        <p:tav tm="100000">
+                                          <p:val>
+                                            <p:strVal val="#ppt_x"/>
+                                          </p:val>
+                                        </p:tav>
+                                      </p:tavLst>
+                                    </p:anim>
+                                    <p:anim calcmode="lin" valueType="num">
+                                      <p:cBhvr>
+                                        <p:cTn id="24" dur="1000" fill="hold"/>
+                                        <p:tgtEl>
+                                          <p:spTgt spid="10"/>
+                                        </p:tgtEl>
+                                        <p:attrNameLst>
+                                          <p:attrName>ppt_y</p:attrName>
+                                        </p:attrNameLst>
+                                      </p:cBhvr>
+                                      <p:tavLst>
+                                        <p:tav tm="0">
+                                          <p:val>
+                                            <p:strVal val="#ppt_y+.1"/>
+                                          </p:val>
+                                        </p:tav>
+                                        <p:tav tm="100000">
+                                          <p:val>
+                                            <p:strVal val="#ppt_y"/>
+                                          </p:val>
+                                        </p:tav>
+                                      </p:tavLst>
+                                    </p:anim>
+                                  </p:childTnLst>
+                                </p:cTn>
+                              </p:par>
+                            </p:childTnLst>
+                          </p:cTn>
+                        </p:par>
+                      </p:childTnLst>
+                    </p:cTn>
+                  </p:par>
+                </p:childTnLst>
+              </p:cTn>
+              <p:prevCondLst>
+                <p:cond evt="onPrev" delay="0">
+                  <p:tgtEl>
+                    <p:sldTgt/>
+                  </p:tgtEl>
+                </p:cond>
+              </p:prevCondLst>
+              <p:nextCondLst>
+                <p:cond evt="onNext" delay="0">
+                  <p:tgtEl>
+                    <p:sldTgt/>
+                  </p:tgtEl>
+                </p:cond>
+              </p:nextCondLst>
+            </p:seq>
+          </p:childTnLst>
+        </p:cTn>
+      </p:par>
+    </p:tnLst>
+    <p:bldLst>
+      <p:bldP spid="9" grpId="0" animBg="1"/>
+      <p:bldP spid="10" grpId="0"/>
+      <p:bldP spid="11" grpId="0"/>
+      <p:bldP spid="12" grpId="0"/>
+    </p:bldLst>
+  </p:timing>
+</p:sld>
+</file>
+
+<file path=ppt/slides/slide17.xml><?xml version="1.0" encoding="utf-8"?>
+<p:sld xmlns:a="http://schemas.openxmlformats.org/drawingml/2006/main" xmlns:r="http://schemas.openxmlformats.org/officeDocument/2006/relationships" xmlns:p="http://schemas.openxmlformats.org/presentationml/2006/main">
+  <p:cSld>
+    <p:bg>
+      <p:bgPr>
+        <a:solidFill>
+          <a:srgbClr val="0072C6"/>
+        </a:solidFill>
+        <a:effectLst/>
+      </p:bgPr>
+    </p:bg>
+    <p:spTree>
+      <p:nvGrpSpPr>
+        <p:cNvPr id="1" name=""/>
+        <p:cNvGrpSpPr/>
+        <p:nvPr/>
+      </p:nvGrpSpPr>
+      <p:grpSpPr>
+        <a:xfrm>
+          <a:off x="0" y="0"/>
+          <a:ext cx="0" cy="0"/>
+          <a:chOff x="0" y="0"/>
+          <a:chExt cx="0" cy="0"/>
+        </a:xfrm>
+      </p:grpSpPr>
+      <p:sp>
+        <p:nvSpPr>
+          <p:cNvPr id="2" name="Title 1"/>
+          <p:cNvSpPr>
+            <a:spLocks noGrp="1"/>
+          </p:cNvSpPr>
+          <p:nvPr>
+            <p:ph type="title"/>
+          </p:nvPr>
+        </p:nvSpPr>
+        <p:spPr>
+          <a:xfrm>
+            <a:off x="2043953" y="284176"/>
+            <a:ext cx="8943046" cy="1508760"/>
+          </a:xfrm>
+        </p:spPr>
+        <p:txBody>
+          <a:bodyPr/>
+          <a:lstStyle/>
+          <a:p>
+            <a:r>
+              <a:rPr lang="en-GB" dirty="0"/>
+              <a:t>Commenting your code</a:t>
+            </a:r>
+          </a:p>
+        </p:txBody>
+      </p:sp>
+      <p:sp>
+        <p:nvSpPr>
+          <p:cNvPr id="3" name="Content Placeholder 2"/>
+          <p:cNvSpPr>
+            <a:spLocks noGrp="1"/>
+          </p:cNvSpPr>
+          <p:nvPr>
+            <p:ph idx="1"/>
+          </p:nvPr>
+        </p:nvSpPr>
+        <p:spPr>
+          <a:xfrm>
+            <a:off x="346841" y="2011679"/>
+            <a:ext cx="11582400" cy="4483713"/>
+          </a:xfrm>
+        </p:spPr>
+        <p:txBody>
+          <a:bodyPr>
+            <a:normAutofit/>
+          </a:bodyPr>
+          <a:lstStyle/>
+          <a:p>
+            <a:r>
+              <a:rPr lang="en-GB" sz="3600" dirty="0"/>
               <a:t>Code should almost comment itself</a:t>
             </a:r>
           </a:p>
@@ -18357,7 +20766,7 @@
               <a:rPr lang="en-GB" sz="3400" dirty="0"/>
             </a:br>
             <a:r>
-              <a:rPr lang="en-GB" sz="3400" dirty="0">
+              <a:rPr lang="en-GB" sz="3400" b="1" dirty="0">
                 <a:latin typeface="Consolas" panose="020B0609020204030204" pitchFamily="49" charset="0"/>
               </a:rPr>
               <a:t>–Verbose </a:t>
@@ -18469,17 +20878,24 @@
     </p:spTree>
     <p:extLst>
       <p:ext uri="{BB962C8B-B14F-4D97-AF65-F5344CB8AC3E}">
-        <p14:creationId xmlns:p14="http://schemas.microsoft.com/office/powerpoint/2010/main" val="1337322172"/>
+        <p14:creationId xmlns:p14="http://schemas.microsoft.com/office/powerpoint/2010/main" val="1665366437"/>
       </p:ext>
     </p:extLst>
   </p:cSld>
   <p:clrMapOvr>
     <a:masterClrMapping/>
   </p:clrMapOvr>
+  <p:timing>
+    <p:tnLst>
+      <p:par>
+        <p:cTn id="1" dur="indefinite" restart="never" nodeType="tmRoot"/>
+      </p:par>
+    </p:tnLst>
+  </p:timing>
 </p:sld>
 </file>
 
-<file path=ppt/slides/slide11.xml><?xml version="1.0" encoding="utf-8"?>
+<file path=ppt/slides/slide18.xml><?xml version="1.0" encoding="utf-8"?>
 <p:sld xmlns:a="http://schemas.openxmlformats.org/drawingml/2006/main" xmlns:r="http://schemas.openxmlformats.org/officeDocument/2006/relationships" xmlns:p="http://schemas.openxmlformats.org/presentationml/2006/main">
   <p:cSld>
     <p:bg>
@@ -18795,10 +21211,17 @@
   <p:clrMapOvr>
     <a:masterClrMapping/>
   </p:clrMapOvr>
+  <p:timing>
+    <p:tnLst>
+      <p:par>
+        <p:cTn id="1" dur="indefinite" restart="never" nodeType="tmRoot"/>
+      </p:par>
+    </p:tnLst>
+  </p:timing>
 </p:sld>
 </file>
 
-<file path=ppt/slides/slide12.xml><?xml version="1.0" encoding="utf-8"?>
+<file path=ppt/slides/slide19.xml><?xml version="1.0" encoding="utf-8"?>
 <p:sld xmlns:a="http://schemas.openxmlformats.org/drawingml/2006/main" xmlns:r="http://schemas.openxmlformats.org/officeDocument/2006/relationships" xmlns:p="http://schemas.openxmlformats.org/presentationml/2006/main">
   <p:cSld>
     <p:bg>
@@ -18992,10 +21415,17 @@
   <p:clrMapOvr>
     <a:masterClrMapping/>
   </p:clrMapOvr>
+  <p:timing>
+    <p:tnLst>
+      <p:par>
+        <p:cTn id="1" dur="indefinite" restart="never" nodeType="tmRoot"/>
+      </p:par>
+    </p:tnLst>
+  </p:timing>
 </p:sld>
 </file>
 
-<file path=ppt/slides/slide13.xml><?xml version="1.0" encoding="utf-8"?>
+<file path=ppt/slides/slide2.xml><?xml version="1.0" encoding="utf-8"?>
 <p:sld xmlns:a="http://schemas.openxmlformats.org/drawingml/2006/main" xmlns:r="http://schemas.openxmlformats.org/officeDocument/2006/relationships" xmlns:p="http://schemas.openxmlformats.org/presentationml/2006/main">
   <p:cSld>
     <p:bg>
@@ -19041,9 +21471,14 @@
           <a:lstStyle/>
           <a:p>
             <a:r>
-              <a:rPr lang="en-GB" dirty="0"/>
-              <a:t>WRITING help</a:t>
-            </a:r>
+              <a:rPr lang="en-GB" dirty="0" smtClean="0"/>
+              <a:t>Four ways to use </a:t>
+            </a:r>
+            <a:r>
+              <a:rPr lang="en-GB" dirty="0" err="1" smtClean="0"/>
+              <a:t>powershell</a:t>
+            </a:r>
+            <a:endParaRPr lang="en-GB" dirty="0"/>
           </a:p>
         </p:txBody>
       </p:sp>
@@ -19065,81 +21500,35 @@
         </p:spPr>
         <p:txBody>
           <a:bodyPr>
-            <a:normAutofit lnSpcReduction="10000"/>
+            <a:normAutofit/>
           </a:bodyPr>
           <a:lstStyle/>
           <a:p>
             <a:r>
-              <a:rPr lang="en-GB" sz="3600" dirty="0"/>
-              <a:t>As a minimum add:</a:t>
-            </a:r>
-          </a:p>
-          <a:p>
-            <a:pPr lvl="1"/>
-            <a:r>
-              <a:rPr lang="en-GB" sz="3200" dirty="0">
-                <a:solidFill>
-                  <a:schemeClr val="accent1"/>
-                </a:solidFill>
-              </a:rPr>
-              <a:t>.SYNOPSIS</a:t>
-            </a:r>
-          </a:p>
-          <a:p>
-            <a:pPr lvl="2"/>
-            <a:r>
-              <a:rPr lang="en-GB" sz="3000" dirty="0"/>
-              <a:t>Tweet length description of your code</a:t>
-            </a:r>
-          </a:p>
-          <a:p>
-            <a:pPr lvl="1"/>
-            <a:r>
-              <a:rPr lang="en-GB" sz="3200" dirty="0">
-                <a:solidFill>
-                  <a:schemeClr val="accent1"/>
-                </a:solidFill>
-              </a:rPr>
-              <a:t>.PARAMETER</a:t>
-            </a:r>
-          </a:p>
-          <a:p>
-            <a:pPr lvl="2"/>
-            <a:r>
-              <a:rPr lang="en-GB" sz="3000" dirty="0"/>
-              <a:t>One for each parameter</a:t>
-            </a:r>
-          </a:p>
-          <a:p>
-            <a:pPr lvl="2"/>
-            <a:r>
-              <a:rPr lang="en-GB" sz="3000" dirty="0"/>
-              <a:t>Say what it’s used for</a:t>
-            </a:r>
-          </a:p>
-          <a:p>
-            <a:pPr lvl="1"/>
-            <a:r>
-              <a:rPr lang="en-GB" sz="3200" dirty="0">
-                <a:solidFill>
-                  <a:schemeClr val="accent1"/>
-                </a:solidFill>
-              </a:rPr>
-              <a:t>.EXAMPLE</a:t>
-            </a:r>
-          </a:p>
-          <a:p>
-            <a:pPr lvl="2"/>
-            <a:r>
-              <a:rPr lang="en-GB" sz="3000" dirty="0"/>
-              <a:t>One or two examples of using your code</a:t>
-            </a:r>
-          </a:p>
-          <a:p>
-            <a:pPr lvl="2"/>
-            <a:r>
-              <a:rPr lang="en-GB" sz="3000" dirty="0"/>
-              <a:t>Used as a basis for unit testing (with Pester)</a:t>
+              <a:rPr lang="en-GB" sz="3400" b="1" dirty="0"/>
+              <a:t>Console</a:t>
+            </a:r>
+          </a:p>
+          <a:p>
+            <a:pPr marL="228600" lvl="1" indent="0">
+              <a:buNone/>
+            </a:pPr>
+            <a:endParaRPr lang="en-GB" sz="3200" b="1" dirty="0"/>
+          </a:p>
+          <a:p>
+            <a:r>
+              <a:rPr lang="en-GB" sz="3400" b="1" dirty="0"/>
+              <a:t>Script</a:t>
+            </a:r>
+            <a:endParaRPr lang="en-GB" sz="2800" b="1" dirty="0"/>
+          </a:p>
+          <a:p>
+            <a:endParaRPr lang="en-GB" sz="3400" b="1" dirty="0"/>
+          </a:p>
+          <a:p>
+            <a:r>
+              <a:rPr lang="en-GB" sz="3400" b="1" dirty="0"/>
+              <a:t>Module</a:t>
             </a:r>
           </a:p>
         </p:txBody>
@@ -19185,28 +21574,214 @@
           </a:extLst>
         </p:spPr>
       </p:pic>
+    </p:spTree>
+    <p:extLst>
+      <p:ext uri="{BB962C8B-B14F-4D97-AF65-F5344CB8AC3E}">
+        <p14:creationId xmlns:p14="http://schemas.microsoft.com/office/powerpoint/2010/main" val="990842732"/>
+      </p:ext>
+    </p:extLst>
+  </p:cSld>
+  <p:clrMapOvr>
+    <a:masterClrMapping/>
+  </p:clrMapOvr>
+  <p:timing>
+    <p:tnLst>
+      <p:par>
+        <p:cTn id="1" dur="indefinite" restart="never" nodeType="tmRoot"/>
+      </p:par>
+    </p:tnLst>
+  </p:timing>
+</p:sld>
+</file>
+
+<file path=ppt/slides/slide20.xml><?xml version="1.0" encoding="utf-8"?>
+<p:sld xmlns:a="http://schemas.openxmlformats.org/drawingml/2006/main" xmlns:r="http://schemas.openxmlformats.org/officeDocument/2006/relationships" xmlns:p="http://schemas.openxmlformats.org/presentationml/2006/main">
+  <p:cSld>
+    <p:bg>
+      <p:bgPr>
+        <a:solidFill>
+          <a:srgbClr val="0072C6"/>
+        </a:solidFill>
+        <a:effectLst/>
+      </p:bgPr>
+    </p:bg>
+    <p:spTree>
+      <p:nvGrpSpPr>
+        <p:cNvPr id="1" name=""/>
+        <p:cNvGrpSpPr/>
+        <p:nvPr/>
+      </p:nvGrpSpPr>
+      <p:grpSpPr>
+        <a:xfrm>
+          <a:off x="0" y="0"/>
+          <a:ext cx="0" cy="0"/>
+          <a:chOff x="0" y="0"/>
+          <a:chExt cx="0" cy="0"/>
+        </a:xfrm>
+      </p:grpSpPr>
+      <p:sp>
+        <p:nvSpPr>
+          <p:cNvPr id="2" name="Title 1"/>
+          <p:cNvSpPr>
+            <a:spLocks noGrp="1"/>
+          </p:cNvSpPr>
+          <p:nvPr>
+            <p:ph type="title"/>
+          </p:nvPr>
+        </p:nvSpPr>
+        <p:spPr>
+          <a:xfrm>
+            <a:off x="2043953" y="284176"/>
+            <a:ext cx="8943046" cy="1508760"/>
+          </a:xfrm>
+        </p:spPr>
+        <p:txBody>
+          <a:bodyPr/>
+          <a:lstStyle/>
+          <a:p>
+            <a:r>
+              <a:rPr lang="en-GB" dirty="0"/>
+              <a:t>WRITING help</a:t>
+            </a:r>
+          </a:p>
+        </p:txBody>
+      </p:sp>
+      <p:sp>
+        <p:nvSpPr>
+          <p:cNvPr id="3" name="Content Placeholder 2"/>
+          <p:cNvSpPr>
+            <a:spLocks noGrp="1"/>
+          </p:cNvSpPr>
+          <p:nvPr>
+            <p:ph idx="1"/>
+          </p:nvPr>
+        </p:nvSpPr>
+        <p:spPr>
+          <a:xfrm>
+            <a:off x="346841" y="2011679"/>
+            <a:ext cx="11582400" cy="4483713"/>
+          </a:xfrm>
+        </p:spPr>
+        <p:txBody>
+          <a:bodyPr>
+            <a:normAutofit lnSpcReduction="10000"/>
+          </a:bodyPr>
+          <a:lstStyle/>
+          <a:p>
+            <a:r>
+              <a:rPr lang="en-GB" sz="3600" dirty="0"/>
+              <a:t>As a minimum add:</a:t>
+            </a:r>
+          </a:p>
+          <a:p>
+            <a:pPr lvl="1"/>
+            <a:r>
+              <a:rPr lang="en-GB" sz="3200" dirty="0">
+                <a:solidFill>
+                  <a:schemeClr val="accent1"/>
+                </a:solidFill>
+              </a:rPr>
+              <a:t>.SYNOPSIS</a:t>
+            </a:r>
+          </a:p>
+          <a:p>
+            <a:pPr lvl="2"/>
+            <a:r>
+              <a:rPr lang="en-GB" sz="3000" dirty="0"/>
+              <a:t>Tweet length description of your code</a:t>
+            </a:r>
+          </a:p>
+          <a:p>
+            <a:pPr lvl="1"/>
+            <a:r>
+              <a:rPr lang="en-GB" sz="3200" dirty="0">
+                <a:solidFill>
+                  <a:schemeClr val="accent1"/>
+                </a:solidFill>
+              </a:rPr>
+              <a:t>.PARAMETER</a:t>
+            </a:r>
+          </a:p>
+          <a:p>
+            <a:pPr lvl="2"/>
+            <a:r>
+              <a:rPr lang="en-GB" sz="3000" dirty="0"/>
+              <a:t>One for each parameter</a:t>
+            </a:r>
+          </a:p>
+          <a:p>
+            <a:pPr lvl="2"/>
+            <a:r>
+              <a:rPr lang="en-GB" sz="3000" dirty="0"/>
+              <a:t>Say what it’s used for</a:t>
+            </a:r>
+          </a:p>
+          <a:p>
+            <a:pPr lvl="1"/>
+            <a:r>
+              <a:rPr lang="en-GB" sz="3200" dirty="0">
+                <a:solidFill>
+                  <a:schemeClr val="accent1"/>
+                </a:solidFill>
+              </a:rPr>
+              <a:t>.EXAMPLE</a:t>
+            </a:r>
+          </a:p>
+          <a:p>
+            <a:pPr lvl="2"/>
+            <a:r>
+              <a:rPr lang="en-GB" sz="3000" dirty="0"/>
+              <a:t>One or two examples of using your code</a:t>
+            </a:r>
+          </a:p>
+          <a:p>
+            <a:pPr lvl="2"/>
+            <a:r>
+              <a:rPr lang="en-GB" sz="3000" dirty="0"/>
+              <a:t>Used as a basis for unit testing (with Pester)</a:t>
+            </a:r>
+          </a:p>
+        </p:txBody>
+      </p:sp>
       <p:pic>
         <p:nvPicPr>
-          <p:cNvPr id="5" name="Picture 4"/>
+          <p:cNvPr id="4" name="Picture 2" descr="https://www.powershellgallery.com/Content/Images/packageDefaultIcon.png"/>
           <p:cNvPicPr>
-            <a:picLocks noChangeAspect="1"/>
+            <a:picLocks noChangeAspect="1" noChangeArrowheads="1"/>
           </p:cNvPicPr>
           <p:nvPr/>
         </p:nvPicPr>
         <p:blipFill>
-          <a:blip r:embed="rId3"/>
+          <a:blip r:embed="rId2">
+            <a:extLst>
+              <a:ext uri="{28A0092B-C50C-407E-A947-70E740481C1C}">
+                <a14:useLocalDpi xmlns:a14="http://schemas.microsoft.com/office/drawing/2010/main" val="0"/>
+              </a:ext>
+            </a:extLst>
+          </a:blip>
+          <a:srcRect/>
           <a:stretch>
             <a:fillRect/>
           </a:stretch>
         </p:blipFill>
-        <p:spPr>
+        <p:spPr bwMode="auto">
           <a:xfrm>
-            <a:off x="9043166" y="2100885"/>
-            <a:ext cx="2886075" cy="4305300"/>
+            <a:off x="83856" y="61397"/>
+            <a:ext cx="1731538" cy="1731539"/>
           </a:xfrm>
           <a:prstGeom prst="rect">
             <a:avLst/>
           </a:prstGeom>
+          <a:noFill/>
+          <a:extLst>
+            <a:ext uri="{909E8E84-426E-40DD-AFC4-6F175D3DCCD1}">
+              <a14:hiddenFill xmlns:a14="http://schemas.microsoft.com/office/drawing/2010/main">
+                <a:solidFill>
+                  <a:srgbClr val="FFFFFF"/>
+                </a:solidFill>
+              </a14:hiddenFill>
+            </a:ext>
+          </a:extLst>
         </p:spPr>
       </p:pic>
       <p:sp>
@@ -19371,7 +21946,7 @@
           <p:nvPr/>
         </p:nvPicPr>
         <p:blipFill>
-          <a:blip r:embed="rId4"/>
+          <a:blip r:embed="rId3"/>
           <a:stretch>
             <a:fillRect/>
           </a:stretch>
@@ -19395,7 +21970,7 @@
           <p:nvPr/>
         </p:nvPicPr>
         <p:blipFill>
-          <a:blip r:embed="rId5"/>
+          <a:blip r:embed="rId4"/>
           <a:stretch>
             <a:fillRect/>
           </a:stretch>
@@ -19444,6 +22019,30 @@
           </a:p>
         </p:txBody>
       </p:sp>
+      <p:pic>
+        <p:nvPicPr>
+          <p:cNvPr id="14" name="Picture 13"/>
+          <p:cNvPicPr>
+            <a:picLocks noChangeAspect="1"/>
+          </p:cNvPicPr>
+          <p:nvPr/>
+        </p:nvPicPr>
+        <p:blipFill>
+          <a:blip r:embed="rId5"/>
+          <a:stretch>
+            <a:fillRect/>
+          </a:stretch>
+        </p:blipFill>
+        <p:spPr>
+          <a:xfrm>
+            <a:off x="8573078" y="1949297"/>
+            <a:ext cx="3356164" cy="4563755"/>
+          </a:xfrm>
+          <a:prstGeom prst="rect">
+            <a:avLst/>
+          </a:prstGeom>
+        </p:spPr>
+      </p:pic>
     </p:spTree>
     <p:extLst>
       <p:ext uri="{BB962C8B-B14F-4D97-AF65-F5344CB8AC3E}">
@@ -19997,7 +22596,7 @@
 </p:sld>
 </file>
 
-<file path=ppt/slides/slide14.xml><?xml version="1.0" encoding="utf-8"?>
+<file path=ppt/slides/slide21.xml><?xml version="1.0" encoding="utf-8"?>
 <p:sld xmlns:a="http://schemas.openxmlformats.org/drawingml/2006/main" xmlns:r="http://schemas.openxmlformats.org/officeDocument/2006/relationships" xmlns:p="http://schemas.openxmlformats.org/presentationml/2006/main">
   <p:cSld>
     <p:bg>
@@ -20133,10 +22732,17 @@
   <p:clrMapOvr>
     <a:masterClrMapping/>
   </p:clrMapOvr>
+  <p:timing>
+    <p:tnLst>
+      <p:par>
+        <p:cTn id="1" dur="indefinite" restart="never" nodeType="tmRoot"/>
+      </p:par>
+    </p:tnLst>
+  </p:timing>
 </p:sld>
 </file>
 
-<file path=ppt/slides/slide15.xml><?xml version="1.0" encoding="utf-8"?>
+<file path=ppt/slides/slide22.xml><?xml version="1.0" encoding="utf-8"?>
 <p:sld xmlns:a="http://schemas.openxmlformats.org/drawingml/2006/main" xmlns:r="http://schemas.openxmlformats.org/officeDocument/2006/relationships" xmlns:p="http://schemas.openxmlformats.org/presentationml/2006/main">
   <p:cSld>
     <p:bg>
@@ -20268,10 +22874,17 @@
   <p:clrMapOvr>
     <a:masterClrMapping/>
   </p:clrMapOvr>
+  <p:timing>
+    <p:tnLst>
+      <p:par>
+        <p:cTn id="1" dur="indefinite" restart="never" nodeType="tmRoot"/>
+      </p:par>
+    </p:tnLst>
+  </p:timing>
 </p:sld>
 </file>
 
-<file path=ppt/slides/slide16.xml><?xml version="1.0" encoding="utf-8"?>
+<file path=ppt/slides/slide23.xml><?xml version="1.0" encoding="utf-8"?>
 <p:sld xmlns:a="http://schemas.openxmlformats.org/drawingml/2006/main" xmlns:r="http://schemas.openxmlformats.org/officeDocument/2006/relationships" xmlns:p="http://schemas.openxmlformats.org/presentationml/2006/main">
   <p:cSld>
     <p:spTree>
@@ -20390,10 +23003,17 @@
   <p:clrMapOvr>
     <a:masterClrMapping/>
   </p:clrMapOvr>
+  <p:timing>
+    <p:tnLst>
+      <p:par>
+        <p:cTn id="1" dur="indefinite" restart="never" nodeType="tmRoot"/>
+      </p:par>
+    </p:tnLst>
+  </p:timing>
 </p:sld>
 </file>
 
-<file path=ppt/slides/slide17.xml><?xml version="1.0" encoding="utf-8"?>
+<file path=ppt/slides/slide24.xml><?xml version="1.0" encoding="utf-8"?>
 <p:sld xmlns:a="http://schemas.openxmlformats.org/drawingml/2006/main" xmlns:r="http://schemas.openxmlformats.org/officeDocument/2006/relationships" xmlns:p="http://schemas.openxmlformats.org/presentationml/2006/main">
   <p:cSld>
     <p:bg>
@@ -20656,10 +23276,17 @@
   <p:clrMapOvr>
     <a:masterClrMapping/>
   </p:clrMapOvr>
+  <p:timing>
+    <p:tnLst>
+      <p:par>
+        <p:cTn id="1" dur="indefinite" restart="never" nodeType="tmRoot"/>
+      </p:par>
+    </p:tnLst>
+  </p:timing>
 </p:sld>
 </file>
 
-<file path=ppt/slides/slide18.xml><?xml version="1.0" encoding="utf-8"?>
+<file path=ppt/slides/slide25.xml><?xml version="1.0" encoding="utf-8"?>
 <p:sld xmlns:a="http://schemas.openxmlformats.org/drawingml/2006/main" xmlns:r="http://schemas.openxmlformats.org/officeDocument/2006/relationships" xmlns:p="http://schemas.openxmlformats.org/presentationml/2006/main">
   <p:cSld>
     <p:bg>
@@ -20840,10 +23467,17 @@
   <p:clrMapOvr>
     <a:masterClrMapping/>
   </p:clrMapOvr>
+  <p:timing>
+    <p:tnLst>
+      <p:par>
+        <p:cTn id="1" dur="indefinite" restart="never" nodeType="tmRoot"/>
+      </p:par>
+    </p:tnLst>
+  </p:timing>
 </p:sld>
 </file>
 
-<file path=ppt/slides/slide19.xml><?xml version="1.0" encoding="utf-8"?>
+<file path=ppt/slides/slide26.xml><?xml version="1.0" encoding="utf-8"?>
 <p:sld xmlns:a="http://schemas.openxmlformats.org/drawingml/2006/main" xmlns:r="http://schemas.openxmlformats.org/officeDocument/2006/relationships" xmlns:p="http://schemas.openxmlformats.org/presentationml/2006/main">
   <p:cSld>
     <p:bg>
@@ -21058,172 +23692,17 @@
   <p:clrMapOvr>
     <a:masterClrMapping/>
   </p:clrMapOvr>
+  <p:timing>
+    <p:tnLst>
+      <p:par>
+        <p:cTn id="1" dur="indefinite" restart="never" nodeType="tmRoot"/>
+      </p:par>
+    </p:tnLst>
+  </p:timing>
 </p:sld>
 </file>
 
-<file path=ppt/slides/slide2.xml><?xml version="1.0" encoding="utf-8"?>
-<p:sld xmlns:a="http://schemas.openxmlformats.org/drawingml/2006/main" xmlns:r="http://schemas.openxmlformats.org/officeDocument/2006/relationships" xmlns:p="http://schemas.openxmlformats.org/presentationml/2006/main">
-  <p:cSld>
-    <p:bg>
-      <p:bgPr>
-        <a:solidFill>
-          <a:srgbClr val="0072C6"/>
-        </a:solidFill>
-        <a:effectLst/>
-      </p:bgPr>
-    </p:bg>
-    <p:spTree>
-      <p:nvGrpSpPr>
-        <p:cNvPr id="1" name=""/>
-        <p:cNvGrpSpPr/>
-        <p:nvPr/>
-      </p:nvGrpSpPr>
-      <p:grpSpPr>
-        <a:xfrm>
-          <a:off x="0" y="0"/>
-          <a:ext cx="0" cy="0"/>
-          <a:chOff x="0" y="0"/>
-          <a:chExt cx="0" cy="0"/>
-        </a:xfrm>
-      </p:grpSpPr>
-      <p:sp>
-        <p:nvSpPr>
-          <p:cNvPr id="2" name="Title 1"/>
-          <p:cNvSpPr>
-            <a:spLocks noGrp="1"/>
-          </p:cNvSpPr>
-          <p:nvPr>
-            <p:ph type="title"/>
-          </p:nvPr>
-        </p:nvSpPr>
-        <p:spPr>
-          <a:xfrm>
-            <a:off x="2043953" y="284176"/>
-            <a:ext cx="8943046" cy="1508760"/>
-          </a:xfrm>
-        </p:spPr>
-        <p:txBody>
-          <a:bodyPr/>
-          <a:lstStyle/>
-          <a:p>
-            <a:r>
-              <a:rPr lang="en-GB" dirty="0"/>
-              <a:t>Four ways to use </a:t>
-            </a:r>
-            <a:r>
-              <a:rPr lang="en-GB" dirty="0" err="1"/>
-              <a:t>powershell</a:t>
-            </a:r>
-            <a:endParaRPr lang="en-GB" dirty="0"/>
-          </a:p>
-        </p:txBody>
-      </p:sp>
-      <p:sp>
-        <p:nvSpPr>
-          <p:cNvPr id="3" name="Content Placeholder 2"/>
-          <p:cNvSpPr>
-            <a:spLocks noGrp="1"/>
-          </p:cNvSpPr>
-          <p:nvPr>
-            <p:ph idx="1"/>
-          </p:nvPr>
-        </p:nvSpPr>
-        <p:spPr>
-          <a:xfrm>
-            <a:off x="346841" y="2011679"/>
-            <a:ext cx="11582400" cy="4483713"/>
-          </a:xfrm>
-        </p:spPr>
-        <p:txBody>
-          <a:bodyPr>
-            <a:normAutofit/>
-          </a:bodyPr>
-          <a:lstStyle/>
-          <a:p>
-            <a:r>
-              <a:rPr lang="en-GB" sz="3400" b="1" dirty="0"/>
-              <a:t>Console</a:t>
-            </a:r>
-          </a:p>
-          <a:p>
-            <a:pPr marL="228600" lvl="1" indent="0">
-              <a:buNone/>
-            </a:pPr>
-            <a:endParaRPr lang="en-GB" sz="3200" b="1" dirty="0"/>
-          </a:p>
-          <a:p>
-            <a:r>
-              <a:rPr lang="en-GB" sz="3400" b="1" dirty="0"/>
-              <a:t>Script</a:t>
-            </a:r>
-            <a:endParaRPr lang="en-GB" sz="2800" b="1" dirty="0"/>
-          </a:p>
-          <a:p>
-            <a:endParaRPr lang="en-GB" sz="3400" b="1" dirty="0"/>
-          </a:p>
-          <a:p>
-            <a:r>
-              <a:rPr lang="en-GB" sz="3400" b="1" dirty="0"/>
-              <a:t>Module</a:t>
-            </a:r>
-          </a:p>
-        </p:txBody>
-      </p:sp>
-      <p:pic>
-        <p:nvPicPr>
-          <p:cNvPr id="4" name="Picture 2" descr="https://www.powershellgallery.com/Content/Images/packageDefaultIcon.png"/>
-          <p:cNvPicPr>
-            <a:picLocks noChangeAspect="1" noChangeArrowheads="1"/>
-          </p:cNvPicPr>
-          <p:nvPr/>
-        </p:nvPicPr>
-        <p:blipFill>
-          <a:blip r:embed="rId2">
-            <a:extLst>
-              <a:ext uri="{28A0092B-C50C-407E-A947-70E740481C1C}">
-                <a14:useLocalDpi xmlns:a14="http://schemas.microsoft.com/office/drawing/2010/main" val="0"/>
-              </a:ext>
-            </a:extLst>
-          </a:blip>
-          <a:srcRect/>
-          <a:stretch>
-            <a:fillRect/>
-          </a:stretch>
-        </p:blipFill>
-        <p:spPr bwMode="auto">
-          <a:xfrm>
-            <a:off x="83856" y="61397"/>
-            <a:ext cx="1731538" cy="1731539"/>
-          </a:xfrm>
-          <a:prstGeom prst="rect">
-            <a:avLst/>
-          </a:prstGeom>
-          <a:noFill/>
-          <a:extLst>
-            <a:ext uri="{909E8E84-426E-40DD-AFC4-6F175D3DCCD1}">
-              <a14:hiddenFill xmlns:a14="http://schemas.microsoft.com/office/drawing/2010/main">
-                <a:solidFill>
-                  <a:srgbClr val="FFFFFF"/>
-                </a:solidFill>
-              </a14:hiddenFill>
-            </a:ext>
-          </a:extLst>
-        </p:spPr>
-      </p:pic>
-    </p:spTree>
-    <p:extLst>
-      <p:ext uri="{BB962C8B-B14F-4D97-AF65-F5344CB8AC3E}">
-        <p14:creationId xmlns:p14="http://schemas.microsoft.com/office/powerpoint/2010/main" val="990842732"/>
-      </p:ext>
-    </p:extLst>
-  </p:cSld>
-  <p:clrMapOvr>
-    <a:masterClrMapping/>
-  </p:clrMapOvr>
-</p:sld>
-</file>
-
-<file path=ppt/slides/slide20.xml><?xml version="1.0" encoding="utf-8"?>
+<file path=ppt/slides/slide27.xml><?xml version="1.0" encoding="utf-8"?>
 <p:sld xmlns:a="http://schemas.openxmlformats.org/drawingml/2006/main" xmlns:r="http://schemas.openxmlformats.org/officeDocument/2006/relationships" xmlns:p="http://schemas.openxmlformats.org/presentationml/2006/main">
   <p:cSld>
     <p:bg>
@@ -21403,10 +23882,17 @@
   <p:clrMapOvr>
     <a:masterClrMapping/>
   </p:clrMapOvr>
+  <p:timing>
+    <p:tnLst>
+      <p:par>
+        <p:cTn id="1" dur="indefinite" restart="never" nodeType="tmRoot"/>
+      </p:par>
+    </p:tnLst>
+  </p:timing>
 </p:sld>
 </file>
 
-<file path=ppt/slides/slide21.xml><?xml version="1.0" encoding="utf-8"?>
+<file path=ppt/slides/slide28.xml><?xml version="1.0" encoding="utf-8"?>
 <p:sld xmlns:a="http://schemas.openxmlformats.org/drawingml/2006/main" xmlns:r="http://schemas.openxmlformats.org/officeDocument/2006/relationships" xmlns:p="http://schemas.openxmlformats.org/presentationml/2006/main">
   <p:cSld>
     <p:bg>
@@ -21576,215 +24062,7 @@
 </p:sld>
 </file>
 
-<file path=ppt/slides/slide22.xml><?xml version="1.0" encoding="utf-8"?>
-<p:sld xmlns:a="http://schemas.openxmlformats.org/drawingml/2006/main" xmlns:r="http://schemas.openxmlformats.org/officeDocument/2006/relationships" xmlns:p="http://schemas.openxmlformats.org/presentationml/2006/main">
-  <p:cSld>
-    <p:bg>
-      <p:bgPr>
-        <a:solidFill>
-          <a:srgbClr val="0072C6"/>
-        </a:solidFill>
-        <a:effectLst/>
-      </p:bgPr>
-    </p:bg>
-    <p:spTree>
-      <p:nvGrpSpPr>
-        <p:cNvPr id="1" name=""/>
-        <p:cNvGrpSpPr/>
-        <p:nvPr/>
-      </p:nvGrpSpPr>
-      <p:grpSpPr>
-        <a:xfrm>
-          <a:off x="0" y="0"/>
-          <a:ext cx="0" cy="0"/>
-          <a:chOff x="0" y="0"/>
-          <a:chExt cx="0" cy="0"/>
-        </a:xfrm>
-      </p:grpSpPr>
-      <p:sp>
-        <p:nvSpPr>
-          <p:cNvPr id="2" name="Title 1"/>
-          <p:cNvSpPr>
-            <a:spLocks noGrp="1"/>
-          </p:cNvSpPr>
-          <p:nvPr>
-            <p:ph type="title"/>
-          </p:nvPr>
-        </p:nvSpPr>
-        <p:spPr>
-          <a:xfrm>
-            <a:off x="2043953" y="284176"/>
-            <a:ext cx="8943046" cy="1508760"/>
-          </a:xfrm>
-        </p:spPr>
-        <p:txBody>
-          <a:bodyPr/>
-          <a:lstStyle/>
-          <a:p>
-            <a:r>
-              <a:rPr lang="en-GB" dirty="0"/>
-              <a:t>The </a:t>
-            </a:r>
-            <a:r>
-              <a:rPr lang="en-GB" dirty="0" err="1"/>
-              <a:t>powershell</a:t>
-            </a:r>
-            <a:r>
-              <a:rPr lang="en-GB" dirty="0"/>
-              <a:t> taste experience</a:t>
-            </a:r>
-          </a:p>
-        </p:txBody>
-      </p:sp>
-      <p:sp>
-        <p:nvSpPr>
-          <p:cNvPr id="3" name="Content Placeholder 2"/>
-          <p:cNvSpPr>
-            <a:spLocks noGrp="1"/>
-          </p:cNvSpPr>
-          <p:nvPr>
-            <p:ph idx="1"/>
-          </p:nvPr>
-        </p:nvSpPr>
-        <p:spPr>
-          <a:xfrm>
-            <a:off x="346841" y="2011679"/>
-            <a:ext cx="11582400" cy="4483713"/>
-          </a:xfrm>
-        </p:spPr>
-        <p:txBody>
-          <a:bodyPr>
-            <a:normAutofit/>
-          </a:bodyPr>
-          <a:lstStyle/>
-          <a:p>
-            <a:pPr>
-              <a:buFont typeface="Arial" panose="020B0604020202020204" pitchFamily="34" charset="0"/>
-              <a:buChar char="•"/>
-            </a:pPr>
-            <a:r>
-              <a:rPr lang="en-GB" sz="3600" dirty="0"/>
-              <a:t>Users expect your PowerShell to taste like PowerShell</a:t>
-            </a:r>
-          </a:p>
-          <a:p>
-            <a:pPr>
-              <a:buFont typeface="Arial" panose="020B0604020202020204" pitchFamily="34" charset="0"/>
-              <a:buChar char="•"/>
-            </a:pPr>
-            <a:r>
-              <a:rPr lang="en-GB" sz="3600" dirty="0"/>
-              <a:t>Use common parameter names</a:t>
-            </a:r>
-          </a:p>
-          <a:p>
-            <a:pPr lvl="1">
-              <a:buFont typeface="Arial" panose="020B0604020202020204" pitchFamily="34" charset="0"/>
-              <a:buChar char="•"/>
-            </a:pPr>
-            <a:r>
-              <a:rPr lang="en-GB" sz="3400" dirty="0"/>
-              <a:t>-Path, -</a:t>
-            </a:r>
-            <a:r>
-              <a:rPr lang="en-GB" sz="3400" dirty="0" err="1"/>
-              <a:t>Computername</a:t>
-            </a:r>
-            <a:r>
-              <a:rPr lang="en-GB" sz="3400" dirty="0"/>
-              <a:t>, -Destination</a:t>
-            </a:r>
-          </a:p>
-          <a:p>
-            <a:pPr>
-              <a:buFont typeface="Arial" panose="020B0604020202020204" pitchFamily="34" charset="0"/>
-              <a:buChar char="•"/>
-            </a:pPr>
-            <a:r>
-              <a:rPr lang="en-GB" sz="3600" dirty="0"/>
-              <a:t>Use singular and not plural naming</a:t>
-            </a:r>
-          </a:p>
-          <a:p>
-            <a:pPr lvl="1">
-              <a:buFont typeface="Arial" panose="020B0604020202020204" pitchFamily="34" charset="0"/>
-              <a:buChar char="•"/>
-            </a:pPr>
-            <a:r>
-              <a:rPr lang="en-GB" sz="3400" dirty="0"/>
-              <a:t>Get-Item, Get-</a:t>
-            </a:r>
-            <a:r>
-              <a:rPr lang="en-GB" sz="3400" dirty="0" err="1"/>
-              <a:t>ADUser</a:t>
-            </a:r>
-            <a:r>
-              <a:rPr lang="en-GB" sz="3400" dirty="0"/>
-              <a:t>, Add-</a:t>
-            </a:r>
-            <a:r>
-              <a:rPr lang="en-GB" sz="3400" dirty="0" err="1"/>
-              <a:t>AppxPackage</a:t>
-            </a:r>
-            <a:endParaRPr lang="en-GB" sz="3400" dirty="0"/>
-          </a:p>
-        </p:txBody>
-      </p:sp>
-      <p:pic>
-        <p:nvPicPr>
-          <p:cNvPr id="4" name="Picture 2" descr="https://www.powershellgallery.com/Content/Images/packageDefaultIcon.png"/>
-          <p:cNvPicPr>
-            <a:picLocks noChangeAspect="1" noChangeArrowheads="1"/>
-          </p:cNvPicPr>
-          <p:nvPr/>
-        </p:nvPicPr>
-        <p:blipFill>
-          <a:blip r:embed="rId2">
-            <a:extLst>
-              <a:ext uri="{28A0092B-C50C-407E-A947-70E740481C1C}">
-                <a14:useLocalDpi xmlns:a14="http://schemas.microsoft.com/office/drawing/2010/main" val="0"/>
-              </a:ext>
-            </a:extLst>
-          </a:blip>
-          <a:srcRect/>
-          <a:stretch>
-            <a:fillRect/>
-          </a:stretch>
-        </p:blipFill>
-        <p:spPr bwMode="auto">
-          <a:xfrm>
-            <a:off x="83856" y="61397"/>
-            <a:ext cx="1731538" cy="1731539"/>
-          </a:xfrm>
-          <a:prstGeom prst="rect">
-            <a:avLst/>
-          </a:prstGeom>
-          <a:noFill/>
-          <a:extLst>
-            <a:ext uri="{909E8E84-426E-40DD-AFC4-6F175D3DCCD1}">
-              <a14:hiddenFill xmlns:a14="http://schemas.microsoft.com/office/drawing/2010/main">
-                <a:solidFill>
-                  <a:srgbClr val="FFFFFF"/>
-                </a:solidFill>
-              </a14:hiddenFill>
-            </a:ext>
-          </a:extLst>
-        </p:spPr>
-      </p:pic>
-    </p:spTree>
-    <p:extLst>
-      <p:ext uri="{BB962C8B-B14F-4D97-AF65-F5344CB8AC3E}">
-        <p14:creationId xmlns:p14="http://schemas.microsoft.com/office/powerpoint/2010/main" val="2430712700"/>
-      </p:ext>
-    </p:extLst>
-  </p:cSld>
-  <p:clrMapOvr>
-    <a:masterClrMapping/>
-  </p:clrMapOvr>
-</p:sld>
-</file>
-
-<file path=ppt/slides/slide23.xml><?xml version="1.0" encoding="utf-8"?>
+<file path=ppt/slides/slide29.xml><?xml version="1.0" encoding="utf-8"?>
 <p:sld xmlns:a="http://schemas.openxmlformats.org/drawingml/2006/main" xmlns:r="http://schemas.openxmlformats.org/officeDocument/2006/relationships" xmlns:p="http://schemas.openxmlformats.org/presentationml/2006/main">
   <p:cSld>
     <p:bg>
@@ -21941,7 +24219,295 @@
 </p:sld>
 </file>
 
-<file path=ppt/slides/slide24.xml><?xml version="1.0" encoding="utf-8"?>
+<file path=ppt/slides/slide3.xml><?xml version="1.0" encoding="utf-8"?>
+<p:sld xmlns:a="http://schemas.openxmlformats.org/drawingml/2006/main" xmlns:r="http://schemas.openxmlformats.org/officeDocument/2006/relationships" xmlns:p="http://schemas.openxmlformats.org/presentationml/2006/main">
+  <p:cSld>
+    <p:bg>
+      <p:bgPr>
+        <a:solidFill>
+          <a:srgbClr val="0072C6"/>
+        </a:solidFill>
+        <a:effectLst/>
+      </p:bgPr>
+    </p:bg>
+    <p:spTree>
+      <p:nvGrpSpPr>
+        <p:cNvPr id="1" name=""/>
+        <p:cNvGrpSpPr/>
+        <p:nvPr/>
+      </p:nvGrpSpPr>
+      <p:grpSpPr>
+        <a:xfrm>
+          <a:off x="0" y="0"/>
+          <a:ext cx="0" cy="0"/>
+          <a:chOff x="0" y="0"/>
+          <a:chExt cx="0" cy="0"/>
+        </a:xfrm>
+      </p:grpSpPr>
+      <p:sp>
+        <p:nvSpPr>
+          <p:cNvPr id="2" name="Title 1"/>
+          <p:cNvSpPr>
+            <a:spLocks noGrp="1"/>
+          </p:cNvSpPr>
+          <p:nvPr>
+            <p:ph type="title"/>
+          </p:nvPr>
+        </p:nvSpPr>
+        <p:spPr>
+          <a:xfrm>
+            <a:off x="2043953" y="284176"/>
+            <a:ext cx="8943046" cy="1508760"/>
+          </a:xfrm>
+        </p:spPr>
+        <p:txBody>
+          <a:bodyPr/>
+          <a:lstStyle/>
+          <a:p>
+            <a:r>
+              <a:rPr lang="en-GB" dirty="0"/>
+              <a:t>10 do’s and don’t of </a:t>
+            </a:r>
+            <a:r>
+              <a:rPr lang="en-GB" dirty="0" err="1"/>
+              <a:t>powershell</a:t>
+            </a:r>
+            <a:endParaRPr lang="en-GB" dirty="0"/>
+          </a:p>
+        </p:txBody>
+      </p:sp>
+      <p:sp>
+        <p:nvSpPr>
+          <p:cNvPr id="3" name="Content Placeholder 2"/>
+          <p:cNvSpPr>
+            <a:spLocks noGrp="1"/>
+          </p:cNvSpPr>
+          <p:nvPr>
+            <p:ph idx="1"/>
+          </p:nvPr>
+        </p:nvSpPr>
+        <p:spPr>
+          <a:xfrm>
+            <a:off x="346841" y="2011679"/>
+            <a:ext cx="11582400" cy="4727449"/>
+          </a:xfrm>
+        </p:spPr>
+        <p:txBody>
+          <a:bodyPr>
+            <a:normAutofit fontScale="77500" lnSpcReduction="20000"/>
+          </a:bodyPr>
+          <a:lstStyle/>
+          <a:p>
+            <a:pPr marL="514350" indent="-514350">
+              <a:buAutoNum type="arabicPeriod"/>
+            </a:pPr>
+            <a:r>
+              <a:rPr lang="en-GB" sz="3200" b="1" dirty="0">
+                <a:sym typeface="Wingdings" panose="05000000000000000000" pitchFamily="2" charset="2"/>
+              </a:rPr>
+              <a:t>Develop a style and stick to it</a:t>
+            </a:r>
+          </a:p>
+          <a:p>
+            <a:pPr marL="514350" indent="-514350">
+              <a:buAutoNum type="arabicPeriod"/>
+            </a:pPr>
+            <a:r>
+              <a:rPr lang="en-GB" sz="3200" b="1" dirty="0">
+                <a:sym typeface="Wingdings" panose="05000000000000000000" pitchFamily="2" charset="2"/>
+              </a:rPr>
+              <a:t>Use Advanced Functions</a:t>
+            </a:r>
+          </a:p>
+          <a:p>
+            <a:pPr marL="514350" indent="-514350">
+              <a:buFont typeface="Wingdings" pitchFamily="2" charset="2"/>
+              <a:buAutoNum type="arabicPeriod"/>
+            </a:pPr>
+            <a:r>
+              <a:rPr lang="en-GB" sz="3200" b="1" dirty="0">
+                <a:sym typeface="Wingdings" panose="05000000000000000000" pitchFamily="2" charset="2"/>
+              </a:rPr>
+              <a:t>Leverage built-in </a:t>
+            </a:r>
+            <a:r>
+              <a:rPr lang="en-GB" sz="3200" b="1" dirty="0" smtClean="0">
+                <a:sym typeface="Wingdings" panose="05000000000000000000" pitchFamily="2" charset="2"/>
+              </a:rPr>
+              <a:t>validation </a:t>
+            </a:r>
+          </a:p>
+          <a:p>
+            <a:pPr marL="514350" indent="-514350">
+              <a:buFont typeface="Wingdings" pitchFamily="2" charset="2"/>
+              <a:buAutoNum type="arabicPeriod"/>
+            </a:pPr>
+            <a:r>
+              <a:rPr lang="en-GB" sz="3200" b="1" dirty="0" smtClean="0">
+                <a:sym typeface="Wingdings" panose="05000000000000000000" pitchFamily="2" charset="2"/>
+              </a:rPr>
+              <a:t>Name your things </a:t>
+            </a:r>
+            <a:r>
+              <a:rPr lang="en-GB" sz="3200" dirty="0">
+                <a:sym typeface="Wingdings" panose="05000000000000000000" pitchFamily="2" charset="2"/>
+              </a:rPr>
+              <a:t>Use full cmdlet and parameter names – not aliases or positions </a:t>
+            </a:r>
+            <a:endParaRPr lang="en-GB" sz="3200" b="1" dirty="0" smtClean="0">
+              <a:sym typeface="Wingdings" panose="05000000000000000000" pitchFamily="2" charset="2"/>
+            </a:endParaRPr>
+          </a:p>
+          <a:p>
+            <a:pPr marL="514350" indent="-514350">
+              <a:buFont typeface="Wingdings" pitchFamily="2" charset="2"/>
+              <a:buAutoNum type="arabicPeriod"/>
+            </a:pPr>
+            <a:r>
+              <a:rPr lang="en-GB" sz="3200" b="1" dirty="0" smtClean="0">
+                <a:sym typeface="Wingdings" panose="05000000000000000000" pitchFamily="2" charset="2"/>
+              </a:rPr>
+              <a:t>Filter </a:t>
+            </a:r>
+            <a:r>
+              <a:rPr lang="en-GB" sz="3200" b="1" dirty="0">
+                <a:sym typeface="Wingdings" panose="05000000000000000000" pitchFamily="2" charset="2"/>
+              </a:rPr>
+              <a:t>left, format right</a:t>
+            </a:r>
+          </a:p>
+          <a:p>
+            <a:pPr marL="514350" indent="-514350">
+              <a:buAutoNum type="arabicPeriod"/>
+            </a:pPr>
+            <a:r>
+              <a:rPr lang="en-GB" sz="3200" b="1" dirty="0">
+                <a:sym typeface="Wingdings" panose="05000000000000000000" pitchFamily="2" charset="2"/>
+              </a:rPr>
+              <a:t>Go green with your code – Reduce, Reuse and Recycle</a:t>
+            </a:r>
+          </a:p>
+          <a:p>
+            <a:pPr marL="514350" indent="-514350">
+              <a:buAutoNum type="arabicPeriod"/>
+            </a:pPr>
+            <a:r>
+              <a:rPr lang="en-GB" sz="3200" b="1" dirty="0">
+                <a:sym typeface="Wingdings" panose="05000000000000000000" pitchFamily="2" charset="2"/>
+              </a:rPr>
+              <a:t>Use Write-Verbose to comment</a:t>
+            </a:r>
+          </a:p>
+          <a:p>
+            <a:pPr marL="514350" indent="-514350">
+              <a:buAutoNum type="arabicPeriod"/>
+            </a:pPr>
+            <a:r>
+              <a:rPr lang="en-GB" sz="3200" b="1" dirty="0">
+                <a:sym typeface="Wingdings" panose="05000000000000000000" pitchFamily="2" charset="2"/>
+              </a:rPr>
+              <a:t>Save the world by writing help</a:t>
+            </a:r>
+          </a:p>
+          <a:p>
+            <a:pPr marL="514350" indent="-514350">
+              <a:buAutoNum type="arabicPeriod"/>
+            </a:pPr>
+            <a:r>
+              <a:rPr lang="en-GB" sz="3200" b="1" dirty="0">
+                <a:sym typeface="Wingdings" panose="05000000000000000000" pitchFamily="2" charset="2"/>
+              </a:rPr>
+              <a:t>Use the pipeline and objects</a:t>
+            </a:r>
+          </a:p>
+          <a:p>
+            <a:pPr marL="514350" indent="-514350">
+              <a:buFont typeface="Wingdings" pitchFamily="2" charset="2"/>
+              <a:buAutoNum type="arabicPeriod"/>
+            </a:pPr>
+            <a:r>
+              <a:rPr lang="en-GB" sz="3200" b="1" dirty="0">
+                <a:sym typeface="Wingdings" panose="05000000000000000000" pitchFamily="2" charset="2"/>
+              </a:rPr>
+              <a:t>Don’t pollute the users session (don’t use $</a:t>
+            </a:r>
+            <a:r>
+              <a:rPr lang="en-GB" sz="3200" b="1" dirty="0" err="1">
+                <a:sym typeface="Wingdings" panose="05000000000000000000" pitchFamily="2" charset="2"/>
+              </a:rPr>
+              <a:t>ErrorActionPreference</a:t>
+            </a:r>
+            <a:r>
+              <a:rPr lang="en-GB" sz="3200" b="1" dirty="0">
+                <a:sym typeface="Wingdings" panose="05000000000000000000" pitchFamily="2" charset="2"/>
+              </a:rPr>
+              <a:t> or global stuff / Be aware of Scope / don’t use CLS)</a:t>
+            </a:r>
+          </a:p>
+        </p:txBody>
+      </p:sp>
+      <p:pic>
+        <p:nvPicPr>
+          <p:cNvPr id="4" name="Picture 2" descr="https://www.powershellgallery.com/Content/Images/packageDefaultIcon.png"/>
+          <p:cNvPicPr>
+            <a:picLocks noChangeAspect="1" noChangeArrowheads="1"/>
+          </p:cNvPicPr>
+          <p:nvPr/>
+        </p:nvPicPr>
+        <p:blipFill>
+          <a:blip r:embed="rId2">
+            <a:extLst>
+              <a:ext uri="{28A0092B-C50C-407E-A947-70E740481C1C}">
+                <a14:useLocalDpi xmlns:a14="http://schemas.microsoft.com/office/drawing/2010/main" val="0"/>
+              </a:ext>
+            </a:extLst>
+          </a:blip>
+          <a:srcRect/>
+          <a:stretch>
+            <a:fillRect/>
+          </a:stretch>
+        </p:blipFill>
+        <p:spPr bwMode="auto">
+          <a:xfrm>
+            <a:off x="83856" y="61397"/>
+            <a:ext cx="1731538" cy="1731539"/>
+          </a:xfrm>
+          <a:prstGeom prst="rect">
+            <a:avLst/>
+          </a:prstGeom>
+          <a:noFill/>
+          <a:extLst>
+            <a:ext uri="{909E8E84-426E-40DD-AFC4-6F175D3DCCD1}">
+              <a14:hiddenFill xmlns:a14="http://schemas.microsoft.com/office/drawing/2010/main">
+                <a:solidFill>
+                  <a:srgbClr val="FFFFFF"/>
+                </a:solidFill>
+              </a14:hiddenFill>
+            </a:ext>
+          </a:extLst>
+        </p:spPr>
+      </p:pic>
+    </p:spTree>
+    <p:extLst>
+      <p:ext uri="{BB962C8B-B14F-4D97-AF65-F5344CB8AC3E}">
+        <p14:creationId xmlns:p14="http://schemas.microsoft.com/office/powerpoint/2010/main" val="3525721270"/>
+      </p:ext>
+    </p:extLst>
+  </p:cSld>
+  <p:clrMapOvr>
+    <a:masterClrMapping/>
+  </p:clrMapOvr>
+  <p:timing>
+    <p:tnLst>
+      <p:par>
+        <p:cTn id="1" dur="indefinite" restart="never" nodeType="tmRoot"/>
+      </p:par>
+    </p:tnLst>
+  </p:timing>
+</p:sld>
+</file>
+
+<file path=ppt/slides/slide30.xml><?xml version="1.0" encoding="utf-8"?>
 <p:sld xmlns:a="http://schemas.openxmlformats.org/drawingml/2006/main" xmlns:r="http://schemas.openxmlformats.org/officeDocument/2006/relationships" xmlns:p="http://schemas.openxmlformats.org/presentationml/2006/main">
   <p:cSld>
     <p:bg>
@@ -22076,7 +24642,7 @@
 </p:sld>
 </file>
 
-<file path=ppt/slides/slide25.xml><?xml version="1.0" encoding="utf-8"?>
+<file path=ppt/slides/slide31.xml><?xml version="1.0" encoding="utf-8"?>
 <p:sld xmlns:a="http://schemas.openxmlformats.org/drawingml/2006/main" xmlns:r="http://schemas.openxmlformats.org/officeDocument/2006/relationships" xmlns:p="http://schemas.openxmlformats.org/presentationml/2006/main">
   <p:cSld>
     <p:bg>
@@ -22222,6 +24788,10 @@
             <a:br>
               <a:rPr lang="en-GB" b="1" dirty="0"/>
             </a:br>
+            <a:r>
+              <a:rPr lang="en-GB" b="1" dirty="0"/>
+              <a:t/>
+            </a:r>
             <a:br>
               <a:rPr lang="en-GB" b="1" dirty="0"/>
             </a:br>
@@ -22269,7 +24839,7 @@
 </p:sld>
 </file>
 
-<file path=ppt/slides/slide26.xml><?xml version="1.0" encoding="utf-8"?>
+<file path=ppt/slides/slide32.xml><?xml version="1.0" encoding="utf-8"?>
 <p:sld xmlns:a="http://schemas.openxmlformats.org/drawingml/2006/main" xmlns:r="http://schemas.openxmlformats.org/officeDocument/2006/relationships" xmlns:p="http://schemas.openxmlformats.org/presentationml/2006/main">
   <p:cSld>
     <p:bg>
@@ -22429,7 +24999,7 @@
           <p:cNvPr id="5" name="Picture 4">
             <a:extLst>
               <a:ext uri="{FF2B5EF4-FFF2-40B4-BE49-F238E27FC236}">
-                <a16:creationId xmlns:a16="http://schemas.microsoft.com/office/drawing/2014/main" id="{24A4B0F2-0703-48C6-A037-60D1B533A7E7}"/>
+                <a16:creationId xmlns:a16="http://schemas.microsoft.com/office/drawing/2014/main" xmlns="" id="{24A4B0F2-0703-48C6-A037-60D1B533A7E7}"/>
               </a:ext>
             </a:extLst>
           </p:cNvPr>
@@ -22467,7 +25037,7 @@
 </p:sld>
 </file>
 
-<file path=ppt/slides/slide27.xml><?xml version="1.0" encoding="utf-8"?>
+<file path=ppt/slides/slide33.xml><?xml version="1.0" encoding="utf-8"?>
 <p:sld xmlns:a="http://schemas.openxmlformats.org/drawingml/2006/main" xmlns:r="http://schemas.openxmlformats.org/officeDocument/2006/relationships" xmlns:p="http://schemas.openxmlformats.org/presentationml/2006/main">
   <p:cSld>
     <p:bg>
@@ -22619,7 +25189,7 @@
             <a:hlinkClick r:id="rId3"/>
             <a:extLst>
               <a:ext uri="{FF2B5EF4-FFF2-40B4-BE49-F238E27FC236}">
-                <a16:creationId xmlns:a16="http://schemas.microsoft.com/office/drawing/2014/main" id="{F228D882-4E7F-48EC-9CCF-184A3183A47D}"/>
+                <a16:creationId xmlns:a16="http://schemas.microsoft.com/office/drawing/2014/main" xmlns="" id="{F228D882-4E7F-48EC-9CCF-184A3183A47D}"/>
               </a:ext>
             </a:extLst>
           </p:cNvPr>
@@ -22649,7 +25219,7 @@
           <p:cNvPr id="7" name="Picture 6">
             <a:extLst>
               <a:ext uri="{FF2B5EF4-FFF2-40B4-BE49-F238E27FC236}">
-                <a16:creationId xmlns:a16="http://schemas.microsoft.com/office/drawing/2014/main" id="{51CE29B8-AFBC-46F8-8960-A26C35516186}"/>
+                <a16:creationId xmlns:a16="http://schemas.microsoft.com/office/drawing/2014/main" xmlns="" id="{51CE29B8-AFBC-46F8-8960-A26C35516186}"/>
               </a:ext>
             </a:extLst>
           </p:cNvPr>
@@ -22687,1041 +25257,7 @@
 </p:sld>
 </file>
 
-<file path=ppt/slides/slide28.xml><?xml version="1.0" encoding="utf-8"?>
-<p:sld xmlns:a="http://schemas.openxmlformats.org/drawingml/2006/main" xmlns:r="http://schemas.openxmlformats.org/officeDocument/2006/relationships" xmlns:p="http://schemas.openxmlformats.org/presentationml/2006/main">
-  <p:cSld>
-    <p:bg>
-      <p:bgPr>
-        <a:solidFill>
-          <a:srgbClr val="0072C6"/>
-        </a:solidFill>
-        <a:effectLst/>
-      </p:bgPr>
-    </p:bg>
-    <p:spTree>
-      <p:nvGrpSpPr>
-        <p:cNvPr id="1" name=""/>
-        <p:cNvGrpSpPr/>
-        <p:nvPr/>
-      </p:nvGrpSpPr>
-      <p:grpSpPr>
-        <a:xfrm>
-          <a:off x="0" y="0"/>
-          <a:ext cx="0" cy="0"/>
-          <a:chOff x="0" y="0"/>
-          <a:chExt cx="0" cy="0"/>
-        </a:xfrm>
-      </p:grpSpPr>
-      <p:sp>
-        <p:nvSpPr>
-          <p:cNvPr id="2" name="Title 1"/>
-          <p:cNvSpPr>
-            <a:spLocks noGrp="1"/>
-          </p:cNvSpPr>
-          <p:nvPr>
-            <p:ph type="title"/>
-          </p:nvPr>
-        </p:nvSpPr>
-        <p:spPr>
-          <a:xfrm>
-            <a:off x="2043953" y="284176"/>
-            <a:ext cx="8943046" cy="1508760"/>
-          </a:xfrm>
-        </p:spPr>
-        <p:txBody>
-          <a:bodyPr/>
-          <a:lstStyle/>
-          <a:p>
-            <a:r>
-              <a:rPr lang="en-GB" dirty="0"/>
-              <a:t>resources</a:t>
-            </a:r>
-          </a:p>
-        </p:txBody>
-      </p:sp>
-      <p:sp>
-        <p:nvSpPr>
-          <p:cNvPr id="3" name="Content Placeholder 2"/>
-          <p:cNvSpPr>
-            <a:spLocks noGrp="1"/>
-          </p:cNvSpPr>
-          <p:nvPr>
-            <p:ph idx="1"/>
-          </p:nvPr>
-        </p:nvSpPr>
-        <p:spPr>
-          <a:xfrm>
-            <a:off x="346841" y="2011679"/>
-            <a:ext cx="11582400" cy="4483713"/>
-          </a:xfrm>
-        </p:spPr>
-        <p:txBody>
-          <a:bodyPr>
-            <a:normAutofit/>
-          </a:bodyPr>
-          <a:lstStyle/>
-          <a:p>
-            <a:r>
-              <a:rPr lang="en-GB" sz="3600" dirty="0"/>
-              <a:t>PowerShell Practice &amp; Style Guide</a:t>
-            </a:r>
-          </a:p>
-          <a:p>
-            <a:pPr lvl="1"/>
-            <a:r>
-              <a:rPr lang="en-GB" sz="3400" dirty="0"/>
-              <a:t>https://github.com/PoshCode/PowerShellPracticeAndStyle</a:t>
-            </a:r>
-          </a:p>
-          <a:p>
-            <a:r>
-              <a:rPr lang="en-GB" sz="3600" dirty="0">
-                <a:hlinkClick r:id="rId2"/>
-              </a:rPr>
-              <a:t>PowerShell + DevOps Global Summit 2017</a:t>
-            </a:r>
-            <a:endParaRPr lang="en-GB" sz="3600" dirty="0"/>
-          </a:p>
-          <a:p>
-            <a:r>
-              <a:rPr lang="en-GB" sz="3600" dirty="0">
-                <a:hlinkClick r:id="rId3"/>
-              </a:rPr>
-              <a:t>PowerShell Conference EU</a:t>
-            </a:r>
-            <a:endParaRPr lang="en-GB" sz="3600" dirty="0"/>
-          </a:p>
-          <a:p>
-            <a:r>
-              <a:rPr lang="en-GB" sz="3600" dirty="0"/>
-              <a:t>Azure Cloud Shell – PowerShell version in preview</a:t>
-            </a:r>
-          </a:p>
-          <a:p>
-            <a:pPr lvl="1"/>
-            <a:r>
-              <a:rPr lang="en-GB" dirty="0">
-                <a:hlinkClick r:id="rId4"/>
-              </a:rPr>
-              <a:t>http://aka.ms/pscloudsignup</a:t>
-            </a:r>
-            <a:endParaRPr lang="en-GB" sz="3400" dirty="0"/>
-          </a:p>
-        </p:txBody>
-      </p:sp>
-      <p:pic>
-        <p:nvPicPr>
-          <p:cNvPr id="4" name="Picture 2" descr="https://www.powershellgallery.com/Content/Images/packageDefaultIcon.png"/>
-          <p:cNvPicPr>
-            <a:picLocks noChangeAspect="1" noChangeArrowheads="1"/>
-          </p:cNvPicPr>
-          <p:nvPr/>
-        </p:nvPicPr>
-        <p:blipFill>
-          <a:blip r:embed="rId5">
-            <a:extLst>
-              <a:ext uri="{28A0092B-C50C-407E-A947-70E740481C1C}">
-                <a14:useLocalDpi xmlns:a14="http://schemas.microsoft.com/office/drawing/2010/main" val="0"/>
-              </a:ext>
-            </a:extLst>
-          </a:blip>
-          <a:srcRect/>
-          <a:stretch>
-            <a:fillRect/>
-          </a:stretch>
-        </p:blipFill>
-        <p:spPr bwMode="auto">
-          <a:xfrm>
-            <a:off x="83856" y="61397"/>
-            <a:ext cx="1731538" cy="1731539"/>
-          </a:xfrm>
-          <a:prstGeom prst="rect">
-            <a:avLst/>
-          </a:prstGeom>
-          <a:noFill/>
-          <a:extLst>
-            <a:ext uri="{909E8E84-426E-40DD-AFC4-6F175D3DCCD1}">
-              <a14:hiddenFill xmlns:a14="http://schemas.microsoft.com/office/drawing/2010/main">
-                <a:solidFill>
-                  <a:srgbClr val="FFFFFF"/>
-                </a:solidFill>
-              </a14:hiddenFill>
-            </a:ext>
-          </a:extLst>
-        </p:spPr>
-      </p:pic>
-      <p:pic>
-        <p:nvPicPr>
-          <p:cNvPr id="7" name="Picture 6">
-            <a:extLst>
-              <a:ext uri="{FF2B5EF4-FFF2-40B4-BE49-F238E27FC236}">
-                <a16:creationId xmlns:a16="http://schemas.microsoft.com/office/drawing/2014/main" id="{D13F7B96-78F1-4C1D-8CDB-784F58B69610}"/>
-              </a:ext>
-            </a:extLst>
-          </p:cNvPr>
-          <p:cNvPicPr>
-            <a:picLocks noChangeAspect="1"/>
-          </p:cNvPicPr>
-          <p:nvPr/>
-        </p:nvPicPr>
-        <p:blipFill>
-          <a:blip r:embed="rId6"/>
-          <a:stretch>
-            <a:fillRect/>
-          </a:stretch>
-        </p:blipFill>
-        <p:spPr>
-          <a:xfrm>
-            <a:off x="3050437" y="5295900"/>
-            <a:ext cx="7600950" cy="838200"/>
-          </a:xfrm>
-          <a:prstGeom prst="rect">
-            <a:avLst/>
-          </a:prstGeom>
-        </p:spPr>
-      </p:pic>
-    </p:spTree>
-    <p:extLst>
-      <p:ext uri="{BB962C8B-B14F-4D97-AF65-F5344CB8AC3E}">
-        <p14:creationId xmlns:p14="http://schemas.microsoft.com/office/powerpoint/2010/main" val="3988503742"/>
-      </p:ext>
-    </p:extLst>
-  </p:cSld>
-  <p:clrMapOvr>
-    <a:masterClrMapping/>
-  </p:clrMapOvr>
-</p:sld>
-</file>
-
-<file path=ppt/slides/slide29.xml><?xml version="1.0" encoding="utf-8"?>
-<p:sld xmlns:a="http://schemas.openxmlformats.org/drawingml/2006/main" xmlns:r="http://schemas.openxmlformats.org/officeDocument/2006/relationships" xmlns:p="http://schemas.openxmlformats.org/presentationml/2006/main">
-  <p:cSld>
-    <p:bg>
-      <p:bgPr>
-        <a:solidFill>
-          <a:srgbClr val="0072C6"/>
-        </a:solidFill>
-        <a:effectLst/>
-      </p:bgPr>
-    </p:bg>
-    <p:spTree>
-      <p:nvGrpSpPr>
-        <p:cNvPr id="1" name=""/>
-        <p:cNvGrpSpPr/>
-        <p:nvPr/>
-      </p:nvGrpSpPr>
-      <p:grpSpPr>
-        <a:xfrm>
-          <a:off x="0" y="0"/>
-          <a:ext cx="0" cy="0"/>
-          <a:chOff x="0" y="0"/>
-          <a:chExt cx="0" cy="0"/>
-        </a:xfrm>
-      </p:grpSpPr>
-      <p:sp>
-        <p:nvSpPr>
-          <p:cNvPr id="2" name="Title 1"/>
-          <p:cNvSpPr>
-            <a:spLocks noGrp="1"/>
-          </p:cNvSpPr>
-          <p:nvPr>
-            <p:ph type="title"/>
-          </p:nvPr>
-        </p:nvSpPr>
-        <p:spPr>
-          <a:xfrm>
-            <a:off x="2043953" y="284176"/>
-            <a:ext cx="8943046" cy="1508760"/>
-          </a:xfrm>
-        </p:spPr>
-        <p:txBody>
-          <a:bodyPr/>
-          <a:lstStyle/>
-          <a:p>
-            <a:r>
-              <a:rPr lang="en-GB" dirty="0"/>
-              <a:t>Hurry up and move on!</a:t>
-            </a:r>
-          </a:p>
-        </p:txBody>
-      </p:sp>
-      <p:sp>
-        <p:nvSpPr>
-          <p:cNvPr id="3" name="Content Placeholder 2"/>
-          <p:cNvSpPr>
-            <a:spLocks noGrp="1"/>
-          </p:cNvSpPr>
-          <p:nvPr>
-            <p:ph idx="1"/>
-          </p:nvPr>
-        </p:nvSpPr>
-        <p:spPr>
-          <a:xfrm>
-            <a:off x="346841" y="2011679"/>
-            <a:ext cx="11582400" cy="4483713"/>
-          </a:xfrm>
-        </p:spPr>
-        <p:txBody>
-          <a:bodyPr>
-            <a:normAutofit/>
-          </a:bodyPr>
-          <a:lstStyle/>
-          <a:p>
-            <a:endParaRPr lang="en-GB" sz="3400" b="1" dirty="0"/>
-          </a:p>
-        </p:txBody>
-      </p:sp>
-      <p:pic>
-        <p:nvPicPr>
-          <p:cNvPr id="4" name="Picture 2" descr="https://www.powershellgallery.com/Content/Images/packageDefaultIcon.png"/>
-          <p:cNvPicPr>
-            <a:picLocks noChangeAspect="1" noChangeArrowheads="1"/>
-          </p:cNvPicPr>
-          <p:nvPr/>
-        </p:nvPicPr>
-        <p:blipFill>
-          <a:blip r:embed="rId2">
-            <a:extLst>
-              <a:ext uri="{28A0092B-C50C-407E-A947-70E740481C1C}">
-                <a14:useLocalDpi xmlns:a14="http://schemas.microsoft.com/office/drawing/2010/main" val="0"/>
-              </a:ext>
-            </a:extLst>
-          </a:blip>
-          <a:srcRect/>
-          <a:stretch>
-            <a:fillRect/>
-          </a:stretch>
-        </p:blipFill>
-        <p:spPr bwMode="auto">
-          <a:xfrm>
-            <a:off x="83856" y="61397"/>
-            <a:ext cx="1731538" cy="1731539"/>
-          </a:xfrm>
-          <a:prstGeom prst="rect">
-            <a:avLst/>
-          </a:prstGeom>
-          <a:noFill/>
-          <a:extLst>
-            <a:ext uri="{909E8E84-426E-40DD-AFC4-6F175D3DCCD1}">
-              <a14:hiddenFill xmlns:a14="http://schemas.microsoft.com/office/drawing/2010/main">
-                <a:solidFill>
-                  <a:srgbClr val="FFFFFF"/>
-                </a:solidFill>
-              </a14:hiddenFill>
-            </a:ext>
-          </a:extLst>
-        </p:spPr>
-      </p:pic>
-    </p:spTree>
-    <p:extLst>
-      <p:ext uri="{BB962C8B-B14F-4D97-AF65-F5344CB8AC3E}">
-        <p14:creationId xmlns:p14="http://schemas.microsoft.com/office/powerpoint/2010/main" val="2450188640"/>
-      </p:ext>
-    </p:extLst>
-  </p:cSld>
-  <p:clrMapOvr>
-    <a:masterClrMapping/>
-  </p:clrMapOvr>
-</p:sld>
-</file>
-
-<file path=ppt/slides/slide3.xml><?xml version="1.0" encoding="utf-8"?>
-<p:sld xmlns:a="http://schemas.openxmlformats.org/drawingml/2006/main" xmlns:r="http://schemas.openxmlformats.org/officeDocument/2006/relationships" xmlns:p="http://schemas.openxmlformats.org/presentationml/2006/main">
-  <p:cSld>
-    <p:bg>
-      <p:bgPr>
-        <a:solidFill>
-          <a:srgbClr val="0072C6"/>
-        </a:solidFill>
-        <a:effectLst/>
-      </p:bgPr>
-    </p:bg>
-    <p:spTree>
-      <p:nvGrpSpPr>
-        <p:cNvPr id="1" name=""/>
-        <p:cNvGrpSpPr/>
-        <p:nvPr/>
-      </p:nvGrpSpPr>
-      <p:grpSpPr>
-        <a:xfrm>
-          <a:off x="0" y="0"/>
-          <a:ext cx="0" cy="0"/>
-          <a:chOff x="0" y="0"/>
-          <a:chExt cx="0" cy="0"/>
-        </a:xfrm>
-      </p:grpSpPr>
-      <p:sp>
-        <p:nvSpPr>
-          <p:cNvPr id="2" name="Title 1"/>
-          <p:cNvSpPr>
-            <a:spLocks noGrp="1"/>
-          </p:cNvSpPr>
-          <p:nvPr>
-            <p:ph type="title"/>
-          </p:nvPr>
-        </p:nvSpPr>
-        <p:spPr>
-          <a:xfrm>
-            <a:off x="2043953" y="284176"/>
-            <a:ext cx="8943046" cy="1508760"/>
-          </a:xfrm>
-        </p:spPr>
-        <p:txBody>
-          <a:bodyPr/>
-          <a:lstStyle/>
-          <a:p>
-            <a:r>
-              <a:rPr lang="en-GB" dirty="0"/>
-              <a:t>console</a:t>
-            </a:r>
-          </a:p>
-        </p:txBody>
-      </p:sp>
-      <p:sp>
-        <p:nvSpPr>
-          <p:cNvPr id="3" name="Content Placeholder 2"/>
-          <p:cNvSpPr>
-            <a:spLocks noGrp="1"/>
-          </p:cNvSpPr>
-          <p:nvPr>
-            <p:ph idx="1"/>
-          </p:nvPr>
-        </p:nvSpPr>
-        <p:spPr>
-          <a:xfrm>
-            <a:off x="346841" y="2011679"/>
-            <a:ext cx="11582400" cy="4727449"/>
-          </a:xfrm>
-        </p:spPr>
-        <p:txBody>
-          <a:bodyPr>
-            <a:normAutofit/>
-          </a:bodyPr>
-          <a:lstStyle/>
-          <a:p>
-            <a:pPr>
-              <a:buFont typeface="Arial" panose="020B0604020202020204" pitchFamily="34" charset="0"/>
-              <a:buChar char="•"/>
-            </a:pPr>
-            <a:r>
-              <a:rPr lang="en-GB" sz="3200" b="1" dirty="0">
-                <a:sym typeface="Wingdings" panose="05000000000000000000" pitchFamily="2" charset="2"/>
-              </a:rPr>
-              <a:t>Interactive</a:t>
-            </a:r>
-          </a:p>
-          <a:p>
-            <a:pPr>
-              <a:buFont typeface="Arial" panose="020B0604020202020204" pitchFamily="34" charset="0"/>
-              <a:buChar char="•"/>
-            </a:pPr>
-            <a:r>
-              <a:rPr lang="en-GB" sz="3200" b="1" dirty="0">
-                <a:sym typeface="Wingdings" panose="05000000000000000000" pitchFamily="2" charset="2"/>
-              </a:rPr>
-              <a:t>Ideal for testing </a:t>
-            </a:r>
-          </a:p>
-        </p:txBody>
-      </p:sp>
-      <p:pic>
-        <p:nvPicPr>
-          <p:cNvPr id="4" name="Picture 2" descr="https://www.powershellgallery.com/Content/Images/packageDefaultIcon.png"/>
-          <p:cNvPicPr>
-            <a:picLocks noChangeAspect="1" noChangeArrowheads="1"/>
-          </p:cNvPicPr>
-          <p:nvPr/>
-        </p:nvPicPr>
-        <p:blipFill>
-          <a:blip r:embed="rId2">
-            <a:extLst>
-              <a:ext uri="{28A0092B-C50C-407E-A947-70E740481C1C}">
-                <a14:useLocalDpi xmlns:a14="http://schemas.microsoft.com/office/drawing/2010/main" val="0"/>
-              </a:ext>
-            </a:extLst>
-          </a:blip>
-          <a:srcRect/>
-          <a:stretch>
-            <a:fillRect/>
-          </a:stretch>
-        </p:blipFill>
-        <p:spPr bwMode="auto">
-          <a:xfrm>
-            <a:off x="83856" y="61397"/>
-            <a:ext cx="1731538" cy="1731539"/>
-          </a:xfrm>
-          <a:prstGeom prst="rect">
-            <a:avLst/>
-          </a:prstGeom>
-          <a:noFill/>
-          <a:extLst>
-            <a:ext uri="{909E8E84-426E-40DD-AFC4-6F175D3DCCD1}">
-              <a14:hiddenFill xmlns:a14="http://schemas.microsoft.com/office/drawing/2010/main">
-                <a:solidFill>
-                  <a:srgbClr val="FFFFFF"/>
-                </a:solidFill>
-              </a14:hiddenFill>
-            </a:ext>
-          </a:extLst>
-        </p:spPr>
-      </p:pic>
-    </p:spTree>
-    <p:extLst>
-      <p:ext uri="{BB962C8B-B14F-4D97-AF65-F5344CB8AC3E}">
-        <p14:creationId xmlns:p14="http://schemas.microsoft.com/office/powerpoint/2010/main" val="3525721270"/>
-      </p:ext>
-    </p:extLst>
-  </p:cSld>
-  <p:clrMapOvr>
-    <a:masterClrMapping/>
-  </p:clrMapOvr>
-</p:sld>
-</file>
-
-<file path=ppt/slides/slide4.xml><?xml version="1.0" encoding="utf-8"?>
-<p:sld xmlns:a="http://schemas.openxmlformats.org/drawingml/2006/main" xmlns:r="http://schemas.openxmlformats.org/officeDocument/2006/relationships" xmlns:p="http://schemas.openxmlformats.org/presentationml/2006/main">
-  <p:cSld>
-    <p:bg>
-      <p:bgPr>
-        <a:solidFill>
-          <a:srgbClr val="0072C6"/>
-        </a:solidFill>
-        <a:effectLst/>
-      </p:bgPr>
-    </p:bg>
-    <p:spTree>
-      <p:nvGrpSpPr>
-        <p:cNvPr id="1" name=""/>
-        <p:cNvGrpSpPr/>
-        <p:nvPr/>
-      </p:nvGrpSpPr>
-      <p:grpSpPr>
-        <a:xfrm>
-          <a:off x="0" y="0"/>
-          <a:ext cx="0" cy="0"/>
-          <a:chOff x="0" y="0"/>
-          <a:chExt cx="0" cy="0"/>
-        </a:xfrm>
-      </p:grpSpPr>
-      <p:sp>
-        <p:nvSpPr>
-          <p:cNvPr id="2" name="Title 1"/>
-          <p:cNvSpPr>
-            <a:spLocks noGrp="1"/>
-          </p:cNvSpPr>
-          <p:nvPr>
-            <p:ph type="title"/>
-          </p:nvPr>
-        </p:nvSpPr>
-        <p:spPr>
-          <a:xfrm>
-            <a:off x="2043953" y="284176"/>
-            <a:ext cx="8943046" cy="1508760"/>
-          </a:xfrm>
-        </p:spPr>
-        <p:txBody>
-          <a:bodyPr/>
-          <a:lstStyle/>
-          <a:p>
-            <a:r>
-              <a:rPr lang="en-GB" dirty="0"/>
-              <a:t>script</a:t>
-            </a:r>
-          </a:p>
-        </p:txBody>
-      </p:sp>
-      <p:sp>
-        <p:nvSpPr>
-          <p:cNvPr id="3" name="Content Placeholder 2"/>
-          <p:cNvSpPr>
-            <a:spLocks noGrp="1"/>
-          </p:cNvSpPr>
-          <p:nvPr>
-            <p:ph idx="1"/>
-          </p:nvPr>
-        </p:nvSpPr>
-        <p:spPr>
-          <a:xfrm>
-            <a:off x="346841" y="2011679"/>
-            <a:ext cx="11582400" cy="4483713"/>
-          </a:xfrm>
-        </p:spPr>
-        <p:txBody>
-          <a:bodyPr>
-            <a:normAutofit/>
-          </a:bodyPr>
-          <a:lstStyle/>
-          <a:p>
-            <a:r>
-              <a:rPr lang="en-GB" sz="3400" b="1" dirty="0"/>
-              <a:t>Complex tasks</a:t>
-            </a:r>
-          </a:p>
-          <a:p>
-            <a:endParaRPr lang="en-GB" sz="3400" b="1" dirty="0"/>
-          </a:p>
-        </p:txBody>
-      </p:sp>
-      <p:pic>
-        <p:nvPicPr>
-          <p:cNvPr id="4" name="Picture 2" descr="https://www.powershellgallery.com/Content/Images/packageDefaultIcon.png"/>
-          <p:cNvPicPr>
-            <a:picLocks noChangeAspect="1" noChangeArrowheads="1"/>
-          </p:cNvPicPr>
-          <p:nvPr/>
-        </p:nvPicPr>
-        <p:blipFill>
-          <a:blip r:embed="rId2">
-            <a:extLst>
-              <a:ext uri="{28A0092B-C50C-407E-A947-70E740481C1C}">
-                <a14:useLocalDpi xmlns:a14="http://schemas.microsoft.com/office/drawing/2010/main" val="0"/>
-              </a:ext>
-            </a:extLst>
-          </a:blip>
-          <a:srcRect/>
-          <a:stretch>
-            <a:fillRect/>
-          </a:stretch>
-        </p:blipFill>
-        <p:spPr bwMode="auto">
-          <a:xfrm>
-            <a:off x="83856" y="61397"/>
-            <a:ext cx="1731538" cy="1731539"/>
-          </a:xfrm>
-          <a:prstGeom prst="rect">
-            <a:avLst/>
-          </a:prstGeom>
-          <a:noFill/>
-          <a:extLst>
-            <a:ext uri="{909E8E84-426E-40DD-AFC4-6F175D3DCCD1}">
-              <a14:hiddenFill xmlns:a14="http://schemas.microsoft.com/office/drawing/2010/main">
-                <a:solidFill>
-                  <a:srgbClr val="FFFFFF"/>
-                </a:solidFill>
-              </a14:hiddenFill>
-            </a:ext>
-          </a:extLst>
-        </p:spPr>
-      </p:pic>
-    </p:spTree>
-    <p:extLst>
-      <p:ext uri="{BB962C8B-B14F-4D97-AF65-F5344CB8AC3E}">
-        <p14:creationId xmlns:p14="http://schemas.microsoft.com/office/powerpoint/2010/main" val="2875537167"/>
-      </p:ext>
-    </p:extLst>
-  </p:cSld>
-  <p:clrMapOvr>
-    <a:masterClrMapping/>
-  </p:clrMapOvr>
-</p:sld>
-</file>
-
-<file path=ppt/slides/slide5.xml><?xml version="1.0" encoding="utf-8"?>
-<p:sld xmlns:a="http://schemas.openxmlformats.org/drawingml/2006/main" xmlns:r="http://schemas.openxmlformats.org/officeDocument/2006/relationships" xmlns:p="http://schemas.openxmlformats.org/presentationml/2006/main">
-  <p:cSld>
-    <p:bg>
-      <p:bgPr>
-        <a:solidFill>
-          <a:srgbClr val="0072C6"/>
-        </a:solidFill>
-        <a:effectLst/>
-      </p:bgPr>
-    </p:bg>
-    <p:spTree>
-      <p:nvGrpSpPr>
-        <p:cNvPr id="1" name=""/>
-        <p:cNvGrpSpPr/>
-        <p:nvPr/>
-      </p:nvGrpSpPr>
-      <p:grpSpPr>
-        <a:xfrm>
-          <a:off x="0" y="0"/>
-          <a:ext cx="0" cy="0"/>
-          <a:chOff x="0" y="0"/>
-          <a:chExt cx="0" cy="0"/>
-        </a:xfrm>
-      </p:grpSpPr>
-      <p:sp>
-        <p:nvSpPr>
-          <p:cNvPr id="2" name="Title 1"/>
-          <p:cNvSpPr>
-            <a:spLocks noGrp="1"/>
-          </p:cNvSpPr>
-          <p:nvPr>
-            <p:ph type="title"/>
-          </p:nvPr>
-        </p:nvSpPr>
-        <p:spPr>
-          <a:xfrm>
-            <a:off x="2043953" y="284176"/>
-            <a:ext cx="8943046" cy="1508760"/>
-          </a:xfrm>
-        </p:spPr>
-        <p:txBody>
-          <a:bodyPr/>
-          <a:lstStyle/>
-          <a:p>
-            <a:r>
-              <a:rPr lang="en-GB" dirty="0"/>
-              <a:t>modules</a:t>
-            </a:r>
-          </a:p>
-        </p:txBody>
-      </p:sp>
-      <p:sp>
-        <p:nvSpPr>
-          <p:cNvPr id="3" name="Content Placeholder 2"/>
-          <p:cNvSpPr>
-            <a:spLocks noGrp="1"/>
-          </p:cNvSpPr>
-          <p:nvPr>
-            <p:ph idx="1"/>
-          </p:nvPr>
-        </p:nvSpPr>
-        <p:spPr>
-          <a:xfrm>
-            <a:off x="346841" y="2011679"/>
-            <a:ext cx="11582400" cy="4483713"/>
-          </a:xfrm>
-        </p:spPr>
-        <p:txBody>
-          <a:bodyPr>
-            <a:normAutofit/>
-          </a:bodyPr>
-          <a:lstStyle/>
-          <a:p>
-            <a:r>
-              <a:rPr lang="en-GB" sz="3400" b="1" strike="sngStrike" dirty="0"/>
-              <a:t>Sponsor</a:t>
-            </a:r>
-            <a:r>
-              <a:rPr lang="en-GB" sz="3400" b="1" dirty="0"/>
-              <a:t> – we have one!</a:t>
-            </a:r>
-          </a:p>
-          <a:p>
-            <a:pPr lvl="1"/>
-            <a:r>
-              <a:rPr lang="en-GB" sz="3200" b="1" dirty="0"/>
-              <a:t>Without one it will cost around £150 to host each meetup</a:t>
-            </a:r>
-          </a:p>
-          <a:p>
-            <a:r>
-              <a:rPr lang="en-GB" sz="3400" b="1" dirty="0"/>
-              <a:t>Speakers</a:t>
-            </a:r>
-          </a:p>
-          <a:p>
-            <a:pPr lvl="1"/>
-            <a:r>
-              <a:rPr lang="en-GB" sz="3200" b="1" dirty="0"/>
-              <a:t>Some lined up, discussions ongoing</a:t>
-            </a:r>
-          </a:p>
-          <a:p>
-            <a:r>
-              <a:rPr lang="en-GB" sz="3400" b="1" dirty="0"/>
-              <a:t>At least one person, ideally two, to help me run the group</a:t>
-            </a:r>
-          </a:p>
-        </p:txBody>
-      </p:sp>
-      <p:pic>
-        <p:nvPicPr>
-          <p:cNvPr id="4" name="Picture 2" descr="https://www.powershellgallery.com/Content/Images/packageDefaultIcon.png"/>
-          <p:cNvPicPr>
-            <a:picLocks noChangeAspect="1" noChangeArrowheads="1"/>
-          </p:cNvPicPr>
-          <p:nvPr/>
-        </p:nvPicPr>
-        <p:blipFill>
-          <a:blip r:embed="rId2">
-            <a:extLst>
-              <a:ext uri="{28A0092B-C50C-407E-A947-70E740481C1C}">
-                <a14:useLocalDpi xmlns:a14="http://schemas.microsoft.com/office/drawing/2010/main" val="0"/>
-              </a:ext>
-            </a:extLst>
-          </a:blip>
-          <a:srcRect/>
-          <a:stretch>
-            <a:fillRect/>
-          </a:stretch>
-        </p:blipFill>
-        <p:spPr bwMode="auto">
-          <a:xfrm>
-            <a:off x="83856" y="61397"/>
-            <a:ext cx="1731538" cy="1731539"/>
-          </a:xfrm>
-          <a:prstGeom prst="rect">
-            <a:avLst/>
-          </a:prstGeom>
-          <a:noFill/>
-          <a:extLst>
-            <a:ext uri="{909E8E84-426E-40DD-AFC4-6F175D3DCCD1}">
-              <a14:hiddenFill xmlns:a14="http://schemas.microsoft.com/office/drawing/2010/main">
-                <a:solidFill>
-                  <a:srgbClr val="FFFFFF"/>
-                </a:solidFill>
-              </a14:hiddenFill>
-            </a:ext>
-          </a:extLst>
-        </p:spPr>
-      </p:pic>
-    </p:spTree>
-    <p:extLst>
-      <p:ext uri="{BB962C8B-B14F-4D97-AF65-F5344CB8AC3E}">
-        <p14:creationId xmlns:p14="http://schemas.microsoft.com/office/powerpoint/2010/main" val="3074647097"/>
-      </p:ext>
-    </p:extLst>
-  </p:cSld>
-  <p:clrMapOvr>
-    <a:masterClrMapping/>
-  </p:clrMapOvr>
-</p:sld>
-</file>
-
-<file path=ppt/slides/slide6.xml><?xml version="1.0" encoding="utf-8"?>
-<p:sld xmlns:a="http://schemas.openxmlformats.org/drawingml/2006/main" xmlns:r="http://schemas.openxmlformats.org/officeDocument/2006/relationships" xmlns:p="http://schemas.openxmlformats.org/presentationml/2006/main">
-  <p:cSld>
-    <p:bg>
-      <p:bgPr>
-        <a:solidFill>
-          <a:srgbClr val="0072C6"/>
-        </a:solidFill>
-        <a:effectLst/>
-      </p:bgPr>
-    </p:bg>
-    <p:spTree>
-      <p:nvGrpSpPr>
-        <p:cNvPr id="1" name=""/>
-        <p:cNvGrpSpPr/>
-        <p:nvPr/>
-      </p:nvGrpSpPr>
-      <p:grpSpPr>
-        <a:xfrm>
-          <a:off x="0" y="0"/>
-          <a:ext cx="0" cy="0"/>
-          <a:chOff x="0" y="0"/>
-          <a:chExt cx="0" cy="0"/>
-        </a:xfrm>
-      </p:grpSpPr>
-      <p:sp>
-        <p:nvSpPr>
-          <p:cNvPr id="2" name="Title 1"/>
-          <p:cNvSpPr>
-            <a:spLocks noGrp="1"/>
-          </p:cNvSpPr>
-          <p:nvPr>
-            <p:ph type="title"/>
-          </p:nvPr>
-        </p:nvSpPr>
-        <p:spPr>
-          <a:xfrm>
-            <a:off x="2043953" y="284176"/>
-            <a:ext cx="8943046" cy="1508760"/>
-          </a:xfrm>
-        </p:spPr>
-        <p:txBody>
-          <a:bodyPr/>
-          <a:lstStyle/>
-          <a:p>
-            <a:r>
-              <a:rPr lang="en-GB" dirty="0"/>
-              <a:t>functions</a:t>
-            </a:r>
-          </a:p>
-        </p:txBody>
-      </p:sp>
-      <p:sp>
-        <p:nvSpPr>
-          <p:cNvPr id="3" name="Content Placeholder 2"/>
-          <p:cNvSpPr>
-            <a:spLocks noGrp="1"/>
-          </p:cNvSpPr>
-          <p:nvPr>
-            <p:ph idx="1"/>
-          </p:nvPr>
-        </p:nvSpPr>
-        <p:spPr>
-          <a:xfrm>
-            <a:off x="346841" y="2011679"/>
-            <a:ext cx="11582400" cy="4483713"/>
-          </a:xfrm>
-        </p:spPr>
-        <p:txBody>
-          <a:bodyPr>
-            <a:normAutofit/>
-          </a:bodyPr>
-          <a:lstStyle/>
-          <a:p>
-            <a:r>
-              <a:rPr lang="en-GB" sz="3600" dirty="0"/>
-              <a:t>Define advanced function using:</a:t>
-            </a:r>
-          </a:p>
-          <a:p>
-            <a:endParaRPr lang="en-GB" sz="3600" dirty="0"/>
-          </a:p>
-          <a:p>
-            <a:endParaRPr lang="en-GB" sz="3600" dirty="0"/>
-          </a:p>
-          <a:p>
-            <a:endParaRPr lang="en-GB" sz="3600" dirty="0"/>
-          </a:p>
-          <a:p>
-            <a:r>
-              <a:rPr lang="en-GB" sz="3600" dirty="0"/>
-              <a:t>Allows your function to accept </a:t>
-            </a:r>
-            <a:r>
-              <a:rPr lang="en-GB" sz="3600" dirty="0">
-                <a:latin typeface="Consolas" panose="020B0609020204030204" pitchFamily="49" charset="0"/>
-              </a:rPr>
-              <a:t>-Verbose, -Debug, </a:t>
-            </a:r>
-            <a:br>
-              <a:rPr lang="en-GB" sz="3600" dirty="0">
-                <a:latin typeface="Consolas" panose="020B0609020204030204" pitchFamily="49" charset="0"/>
-              </a:rPr>
-            </a:br>
-            <a:r>
-              <a:rPr lang="en-GB" sz="3600" dirty="0">
-                <a:latin typeface="Consolas" panose="020B0609020204030204" pitchFamily="49" charset="0"/>
-              </a:rPr>
-              <a:t>-</a:t>
-            </a:r>
-            <a:r>
-              <a:rPr lang="en-GB" sz="3600" dirty="0" err="1">
-                <a:latin typeface="Consolas" panose="020B0609020204030204" pitchFamily="49" charset="0"/>
-              </a:rPr>
-              <a:t>WhatIf</a:t>
-            </a:r>
-            <a:r>
-              <a:rPr lang="en-GB" sz="3600" dirty="0">
-                <a:latin typeface="Consolas" panose="020B0609020204030204" pitchFamily="49" charset="0"/>
-              </a:rPr>
-              <a:t>, -</a:t>
-            </a:r>
-            <a:r>
-              <a:rPr lang="en-GB" sz="3600" dirty="0" err="1">
-                <a:latin typeface="Consolas" panose="020B0609020204030204" pitchFamily="49" charset="0"/>
-              </a:rPr>
-              <a:t>ErrorAction</a:t>
-            </a:r>
-            <a:r>
-              <a:rPr lang="en-GB" sz="3600" dirty="0">
-                <a:latin typeface="Consolas" panose="020B0609020204030204" pitchFamily="49" charset="0"/>
-              </a:rPr>
-              <a:t> </a:t>
-            </a:r>
-            <a:r>
-              <a:rPr lang="en-GB" sz="3600" dirty="0"/>
-              <a:t>and others. </a:t>
-            </a:r>
-          </a:p>
-          <a:p>
-            <a:r>
-              <a:rPr lang="en-GB" sz="3600" dirty="0"/>
-              <a:t>Use </a:t>
-            </a:r>
-            <a:r>
-              <a:rPr lang="en-GB" sz="3600" dirty="0">
-                <a:latin typeface="Consolas" panose="020B0609020204030204" pitchFamily="49" charset="0"/>
-              </a:rPr>
-              <a:t>get-help </a:t>
-            </a:r>
-            <a:r>
-              <a:rPr lang="en-GB" sz="3600" dirty="0" err="1">
-                <a:latin typeface="Consolas" panose="020B0609020204030204" pitchFamily="49" charset="0"/>
-              </a:rPr>
-              <a:t>about_Functions_Advanced</a:t>
-            </a:r>
-            <a:endParaRPr lang="en-GB" sz="3600" dirty="0">
-              <a:latin typeface="Consolas" panose="020B0609020204030204" pitchFamily="49" charset="0"/>
-            </a:endParaRPr>
-          </a:p>
-        </p:txBody>
-      </p:sp>
-      <p:pic>
-        <p:nvPicPr>
-          <p:cNvPr id="4" name="Picture 2" descr="https://www.powershellgallery.com/Content/Images/packageDefaultIcon.png"/>
-          <p:cNvPicPr>
-            <a:picLocks noChangeAspect="1" noChangeArrowheads="1"/>
-          </p:cNvPicPr>
-          <p:nvPr/>
-        </p:nvPicPr>
-        <p:blipFill>
-          <a:blip r:embed="rId2">
-            <a:extLst>
-              <a:ext uri="{28A0092B-C50C-407E-A947-70E740481C1C}">
-                <a14:useLocalDpi xmlns:a14="http://schemas.microsoft.com/office/drawing/2010/main" val="0"/>
-              </a:ext>
-            </a:extLst>
-          </a:blip>
-          <a:srcRect/>
-          <a:stretch>
-            <a:fillRect/>
-          </a:stretch>
-        </p:blipFill>
-        <p:spPr bwMode="auto">
-          <a:xfrm>
-            <a:off x="83856" y="61397"/>
-            <a:ext cx="1731538" cy="1731539"/>
-          </a:xfrm>
-          <a:prstGeom prst="rect">
-            <a:avLst/>
-          </a:prstGeom>
-          <a:noFill/>
-          <a:extLst>
-            <a:ext uri="{909E8E84-426E-40DD-AFC4-6F175D3DCCD1}">
-              <a14:hiddenFill xmlns:a14="http://schemas.microsoft.com/office/drawing/2010/main">
-                <a:solidFill>
-                  <a:srgbClr val="FFFFFF"/>
-                </a:solidFill>
-              </a14:hiddenFill>
-            </a:ext>
-          </a:extLst>
-        </p:spPr>
-      </p:pic>
-      <p:pic>
-        <p:nvPicPr>
-          <p:cNvPr id="6" name="Picture 5"/>
-          <p:cNvPicPr>
-            <a:picLocks noChangeAspect="1"/>
-          </p:cNvPicPr>
-          <p:nvPr/>
-        </p:nvPicPr>
-        <p:blipFill>
-          <a:blip r:embed="rId3"/>
-          <a:stretch>
-            <a:fillRect/>
-          </a:stretch>
-        </p:blipFill>
-        <p:spPr>
-          <a:xfrm>
-            <a:off x="643549" y="2584421"/>
-            <a:ext cx="7800975" cy="1924050"/>
-          </a:xfrm>
-          <a:prstGeom prst="rect">
-            <a:avLst/>
-          </a:prstGeom>
-        </p:spPr>
-      </p:pic>
-    </p:spTree>
-    <p:extLst>
-      <p:ext uri="{BB962C8B-B14F-4D97-AF65-F5344CB8AC3E}">
-        <p14:creationId xmlns:p14="http://schemas.microsoft.com/office/powerpoint/2010/main" val="3360350230"/>
-      </p:ext>
-    </p:extLst>
-  </p:cSld>
-  <p:clrMapOvr>
-    <a:masterClrMapping/>
-  </p:clrMapOvr>
-</p:sld>
-</file>
-
-<file path=ppt/slides/slide7.xml><?xml version="1.0" encoding="utf-8"?>
+<file path=ppt/slides/slide34.xml><?xml version="1.0" encoding="utf-8"?>
 <p:sld xmlns:a="http://schemas.openxmlformats.org/drawingml/2006/main" xmlns:r="http://schemas.openxmlformats.org/officeDocument/2006/relationships" xmlns:p="http://schemas.openxmlformats.org/presentationml/2006/main">
   <p:cSld>
     <p:bg>
@@ -23939,7 +25475,7 @@
         <p:spPr>
           <a:xfrm>
             <a:off x="4550561" y="5209763"/>
-            <a:ext cx="6110968" cy="1107996"/>
+            <a:ext cx="5514651" cy="1138773"/>
           </a:xfrm>
           <a:prstGeom prst="rect">
             <a:avLst/>
@@ -23957,23 +25493,56 @@
               <a:buChar char="•"/>
             </a:pPr>
             <a:r>
-              <a:rPr lang="en-GB" sz="3600" dirty="0"/>
+              <a:rPr lang="en-GB" sz="3400" dirty="0"/>
               <a:t>Complexity reduces</a:t>
             </a:r>
-            <a:endParaRPr lang="en-GB" sz="3400" dirty="0"/>
-          </a:p>
-          <a:p>
-            <a:pPr lvl="4">
+          </a:p>
+          <a:p>
+            <a:pPr lvl="2">
               <a:buFont typeface="Arial" panose="020B0604020202020204" pitchFamily="34" charset="0"/>
               <a:buChar char="•"/>
             </a:pPr>
             <a:r>
+              <a:rPr lang="en-GB" sz="3400" dirty="0"/>
+              <a:t>Maintainability</a:t>
+            </a:r>
+            <a:r>
               <a:rPr lang="en-GB" sz="3000" dirty="0"/>
-              <a:t>Maintainability increases</a:t>
+              <a:t> increases</a:t>
             </a:r>
           </a:p>
         </p:txBody>
       </p:sp>
+      <p:pic>
+        <p:nvPicPr>
+          <p:cNvPr id="5" name="Picture 4"/>
+          <p:cNvPicPr>
+            <a:picLocks noChangeAspect="1"/>
+          </p:cNvPicPr>
+          <p:nvPr/>
+        </p:nvPicPr>
+        <p:blipFill>
+          <a:blip r:embed="rId13">
+            <a:extLst>
+              <a:ext uri="{28A0092B-C50C-407E-A947-70E740481C1C}">
+                <a14:useLocalDpi xmlns:a14="http://schemas.microsoft.com/office/drawing/2010/main" val="0"/>
+              </a:ext>
+            </a:extLst>
+          </a:blip>
+          <a:stretch>
+            <a:fillRect/>
+          </a:stretch>
+        </p:blipFill>
+        <p:spPr>
+          <a:xfrm>
+            <a:off x="10661529" y="374171"/>
+            <a:ext cx="1131448" cy="1105990"/>
+          </a:xfrm>
+          <a:prstGeom prst="rect">
+            <a:avLst/>
+          </a:prstGeom>
+        </p:spPr>
+      </p:pic>
     </p:spTree>
     <p:extLst>
       <p:ext uri="{BB962C8B-B14F-4D97-AF65-F5344CB8AC3E}">
@@ -23984,10 +25553,17 @@
   <p:clrMapOvr>
     <a:masterClrMapping/>
   </p:clrMapOvr>
+  <p:timing>
+    <p:tnLst>
+      <p:par>
+        <p:cTn id="1" dur="indefinite" restart="never" nodeType="tmRoot"/>
+      </p:par>
+    </p:tnLst>
+  </p:timing>
 </p:sld>
 </file>
 
-<file path=ppt/slides/slide8.xml><?xml version="1.0" encoding="utf-8"?>
+<file path=ppt/slides/slide35.xml><?xml version="1.0" encoding="utf-8"?>
 <p:sld xmlns:a="http://schemas.openxmlformats.org/drawingml/2006/main" xmlns:r="http://schemas.openxmlformats.org/officeDocument/2006/relationships" xmlns:p="http://schemas.openxmlformats.org/presentationml/2006/main">
   <p:cSld>
     <p:bg>
@@ -24098,9 +25674,12 @@
             </a:pPr>
             <a:r>
               <a:rPr lang="en-GB" sz="3000" dirty="0"/>
-              <a:t>Reusability increases</a:t>
-            </a:r>
-            <a:endParaRPr lang="en-GB" sz="3200" dirty="0"/>
+              <a:t>Reusability </a:t>
+            </a:r>
+            <a:r>
+              <a:rPr lang="en-GB" sz="3400" dirty="0"/>
+              <a:t>increases</a:t>
+            </a:r>
           </a:p>
           <a:p>
             <a:pPr lvl="2">
@@ -24224,9 +25803,12 @@
             </a:pPr>
             <a:r>
               <a:rPr lang="en-GB" sz="3600" dirty="0"/>
-              <a:t>Reuse increases</a:t>
-            </a:r>
-            <a:endParaRPr lang="en-GB" sz="3400" dirty="0"/>
+              <a:t>Reuse </a:t>
+            </a:r>
+            <a:r>
+              <a:rPr lang="en-GB" sz="3400" dirty="0"/>
+              <a:t>increases</a:t>
+            </a:r>
           </a:p>
           <a:p>
             <a:pPr lvl="2">
@@ -24247,6 +25829,36 @@
           </a:p>
         </p:txBody>
       </p:sp>
+      <p:pic>
+        <p:nvPicPr>
+          <p:cNvPr id="8" name="Picture 7"/>
+          <p:cNvPicPr>
+            <a:picLocks noChangeAspect="1"/>
+          </p:cNvPicPr>
+          <p:nvPr/>
+        </p:nvPicPr>
+        <p:blipFill>
+          <a:blip r:embed="rId13">
+            <a:extLst>
+              <a:ext uri="{28A0092B-C50C-407E-A947-70E740481C1C}">
+                <a14:useLocalDpi xmlns:a14="http://schemas.microsoft.com/office/drawing/2010/main" val="0"/>
+              </a:ext>
+            </a:extLst>
+          </a:blip>
+          <a:stretch>
+            <a:fillRect/>
+          </a:stretch>
+        </p:blipFill>
+        <p:spPr>
+          <a:xfrm>
+            <a:off x="10661529" y="374171"/>
+            <a:ext cx="1131448" cy="1105990"/>
+          </a:xfrm>
+          <a:prstGeom prst="rect">
+            <a:avLst/>
+          </a:prstGeom>
+        </p:spPr>
+      </p:pic>
     </p:spTree>
     <p:extLst>
       <p:ext uri="{BB962C8B-B14F-4D97-AF65-F5344CB8AC3E}">
@@ -24257,10 +25869,17 @@
   <p:clrMapOvr>
     <a:masterClrMapping/>
   </p:clrMapOvr>
+  <p:timing>
+    <p:tnLst>
+      <p:par>
+        <p:cTn id="1" dur="indefinite" restart="never" nodeType="tmRoot"/>
+      </p:par>
+    </p:tnLst>
+  </p:timing>
 </p:sld>
 </file>
 
-<file path=ppt/slides/slide9.xml><?xml version="1.0" encoding="utf-8"?>
+<file path=ppt/slides/slide36.xml><?xml version="1.0" encoding="utf-8"?>
 <p:sld xmlns:a="http://schemas.openxmlformats.org/drawingml/2006/main" xmlns:r="http://schemas.openxmlformats.org/officeDocument/2006/relationships" xmlns:p="http://schemas.openxmlformats.org/presentationml/2006/main">
   <p:cSld>
     <p:bg>
@@ -24360,9 +25979,10 @@
               <a:buChar char="•"/>
             </a:pPr>
             <a:r>
-              <a:rPr lang="en-GB" sz="3400" dirty="0"/>
-              <a:t>Focus narrows</a:t>
-            </a:r>
+              <a:rPr lang="en-GB" sz="3400" dirty="0" smtClean="0"/>
+              <a:t>Documenting increases</a:t>
+            </a:r>
+            <a:endParaRPr lang="en-GB" sz="3400" dirty="0"/>
           </a:p>
           <a:p>
             <a:pPr lvl="2">
@@ -24370,8 +25990,18 @@
               <a:buChar char="•"/>
             </a:pPr>
             <a:r>
-              <a:rPr lang="en-GB" sz="3000" dirty="0"/>
-              <a:t>Reusability increases</a:t>
+              <a:rPr lang="en-GB" sz="3000" dirty="0" smtClean="0"/>
+              <a:t>Ability to </a:t>
+            </a:r>
+          </a:p>
+          <a:p>
+            <a:pPr lvl="2">
+              <a:buFont typeface="Arial" panose="020B0604020202020204" pitchFamily="34" charset="0"/>
+              <a:buChar char="•"/>
+            </a:pPr>
+            <a:r>
+              <a:rPr lang="en-GB" sz="3000" dirty="0" smtClean="0"/>
+              <a:t>Use modules</a:t>
             </a:r>
             <a:endParaRPr lang="en-GB" sz="3200" dirty="0"/>
           </a:p>
@@ -24520,6 +26150,70 @@
           </a:p>
         </p:txBody>
       </p:sp>
+      <p:pic>
+        <p:nvPicPr>
+          <p:cNvPr id="8" name="Picture 7"/>
+          <p:cNvPicPr>
+            <a:picLocks noChangeAspect="1"/>
+          </p:cNvPicPr>
+          <p:nvPr/>
+        </p:nvPicPr>
+        <p:blipFill>
+          <a:blip r:embed="rId13">
+            <a:extLst>
+              <a:ext uri="{28A0092B-C50C-407E-A947-70E740481C1C}">
+                <a14:useLocalDpi xmlns:a14="http://schemas.microsoft.com/office/drawing/2010/main" val="0"/>
+              </a:ext>
+            </a:extLst>
+          </a:blip>
+          <a:stretch>
+            <a:fillRect/>
+          </a:stretch>
+        </p:blipFill>
+        <p:spPr>
+          <a:xfrm>
+            <a:off x="10661529" y="374171"/>
+            <a:ext cx="1131448" cy="1105990"/>
+          </a:xfrm>
+          <a:prstGeom prst="rect">
+            <a:avLst/>
+          </a:prstGeom>
+        </p:spPr>
+      </p:pic>
+      <p:sp>
+        <p:nvSpPr>
+          <p:cNvPr id="5" name="TextBox 4"/>
+          <p:cNvSpPr txBox="1"/>
+          <p:nvPr/>
+        </p:nvSpPr>
+        <p:spPr>
+          <a:xfrm>
+            <a:off x="3329126" y="2001288"/>
+            <a:ext cx="5859262" cy="646331"/>
+          </a:xfrm>
+          <a:prstGeom prst="rect">
+            <a:avLst/>
+          </a:prstGeom>
+          <a:noFill/>
+        </p:spPr>
+        <p:txBody>
+          <a:bodyPr wrap="square" rtlCol="0">
+            <a:spAutoFit/>
+          </a:bodyPr>
+          <a:lstStyle/>
+          <a:p>
+            <a:r>
+              <a:rPr lang="en-US" dirty="0"/>
+              <a:t>Steal from the best, write the rest</a:t>
+            </a:r>
+            <a:r>
+              <a:rPr lang="en-US" dirty="0" smtClean="0"/>
+              <a:t>. – Ed Wilson, The Scripting Guy</a:t>
+            </a:r>
+            <a:endParaRPr lang="en-GB" dirty="0"/>
+          </a:p>
+        </p:txBody>
+      </p:sp>
     </p:spTree>
     <p:extLst>
       <p:ext uri="{BB962C8B-B14F-4D97-AF65-F5344CB8AC3E}">
@@ -24530,6 +26224,1832 @@
   <p:clrMapOvr>
     <a:masterClrMapping/>
   </p:clrMapOvr>
+  <p:timing>
+    <p:tnLst>
+      <p:par>
+        <p:cTn id="1" dur="indefinite" restart="never" nodeType="tmRoot"/>
+      </p:par>
+    </p:tnLst>
+  </p:timing>
+</p:sld>
+</file>
+
+<file path=ppt/slides/slide37.xml><?xml version="1.0" encoding="utf-8"?>
+<p:sld xmlns:a="http://schemas.openxmlformats.org/drawingml/2006/main" xmlns:r="http://schemas.openxmlformats.org/officeDocument/2006/relationships" xmlns:p="http://schemas.openxmlformats.org/presentationml/2006/main">
+  <p:cSld>
+    <p:bg>
+      <p:bgPr>
+        <a:solidFill>
+          <a:srgbClr val="0072C6"/>
+        </a:solidFill>
+        <a:effectLst/>
+      </p:bgPr>
+    </p:bg>
+    <p:spTree>
+      <p:nvGrpSpPr>
+        <p:cNvPr id="1" name=""/>
+        <p:cNvGrpSpPr/>
+        <p:nvPr/>
+      </p:nvGrpSpPr>
+      <p:grpSpPr>
+        <a:xfrm>
+          <a:off x="0" y="0"/>
+          <a:ext cx="0" cy="0"/>
+          <a:chOff x="0" y="0"/>
+          <a:chExt cx="0" cy="0"/>
+        </a:xfrm>
+      </p:grpSpPr>
+      <p:sp>
+        <p:nvSpPr>
+          <p:cNvPr id="2" name="Title 1"/>
+          <p:cNvSpPr>
+            <a:spLocks noGrp="1"/>
+          </p:cNvSpPr>
+          <p:nvPr>
+            <p:ph type="title"/>
+          </p:nvPr>
+        </p:nvSpPr>
+        <p:spPr>
+          <a:xfrm>
+            <a:off x="2043953" y="284176"/>
+            <a:ext cx="8943046" cy="1508760"/>
+          </a:xfrm>
+        </p:spPr>
+        <p:txBody>
+          <a:bodyPr/>
+          <a:lstStyle/>
+          <a:p>
+            <a:r>
+              <a:rPr lang="en-GB" dirty="0"/>
+              <a:t>resources</a:t>
+            </a:r>
+          </a:p>
+        </p:txBody>
+      </p:sp>
+      <p:sp>
+        <p:nvSpPr>
+          <p:cNvPr id="3" name="Content Placeholder 2"/>
+          <p:cNvSpPr>
+            <a:spLocks noGrp="1"/>
+          </p:cNvSpPr>
+          <p:nvPr>
+            <p:ph idx="1"/>
+          </p:nvPr>
+        </p:nvSpPr>
+        <p:spPr>
+          <a:xfrm>
+            <a:off x="346841" y="2011679"/>
+            <a:ext cx="11582400" cy="4483713"/>
+          </a:xfrm>
+        </p:spPr>
+        <p:txBody>
+          <a:bodyPr>
+            <a:normAutofit/>
+          </a:bodyPr>
+          <a:lstStyle/>
+          <a:p>
+            <a:r>
+              <a:rPr lang="en-GB" sz="3600" dirty="0"/>
+              <a:t>PowerShell Practice &amp; Style Guide</a:t>
+            </a:r>
+          </a:p>
+          <a:p>
+            <a:pPr lvl="1"/>
+            <a:r>
+              <a:rPr lang="en-GB" sz="3400" dirty="0"/>
+              <a:t>https://github.com/PoshCode/PowerShellPracticeAndStyle</a:t>
+            </a:r>
+          </a:p>
+          <a:p>
+            <a:r>
+              <a:rPr lang="en-GB" sz="3600" dirty="0">
+                <a:hlinkClick r:id="rId2"/>
+              </a:rPr>
+              <a:t>PowerShell + DevOps Global Summit 2017</a:t>
+            </a:r>
+            <a:endParaRPr lang="en-GB" sz="3600" dirty="0"/>
+          </a:p>
+          <a:p>
+            <a:r>
+              <a:rPr lang="en-GB" sz="3600" dirty="0">
+                <a:hlinkClick r:id="rId3"/>
+              </a:rPr>
+              <a:t>PowerShell Conference EU</a:t>
+            </a:r>
+            <a:endParaRPr lang="en-GB" sz="3600" dirty="0"/>
+          </a:p>
+          <a:p>
+            <a:r>
+              <a:rPr lang="en-GB" sz="3600" dirty="0"/>
+              <a:t>Azure Cloud Shell – PowerShell version in preview</a:t>
+            </a:r>
+          </a:p>
+          <a:p>
+            <a:pPr lvl="1"/>
+            <a:r>
+              <a:rPr lang="en-GB" dirty="0">
+                <a:hlinkClick r:id="rId4"/>
+              </a:rPr>
+              <a:t>http://aka.ms/pscloudsignup</a:t>
+            </a:r>
+            <a:endParaRPr lang="en-GB" sz="3400" dirty="0"/>
+          </a:p>
+        </p:txBody>
+      </p:sp>
+      <p:pic>
+        <p:nvPicPr>
+          <p:cNvPr id="4" name="Picture 2" descr="https://www.powershellgallery.com/Content/Images/packageDefaultIcon.png"/>
+          <p:cNvPicPr>
+            <a:picLocks noChangeAspect="1" noChangeArrowheads="1"/>
+          </p:cNvPicPr>
+          <p:nvPr/>
+        </p:nvPicPr>
+        <p:blipFill>
+          <a:blip r:embed="rId5">
+            <a:extLst>
+              <a:ext uri="{28A0092B-C50C-407E-A947-70E740481C1C}">
+                <a14:useLocalDpi xmlns:a14="http://schemas.microsoft.com/office/drawing/2010/main" val="0"/>
+              </a:ext>
+            </a:extLst>
+          </a:blip>
+          <a:srcRect/>
+          <a:stretch>
+            <a:fillRect/>
+          </a:stretch>
+        </p:blipFill>
+        <p:spPr bwMode="auto">
+          <a:xfrm>
+            <a:off x="83856" y="61397"/>
+            <a:ext cx="1731538" cy="1731539"/>
+          </a:xfrm>
+          <a:prstGeom prst="rect">
+            <a:avLst/>
+          </a:prstGeom>
+          <a:noFill/>
+          <a:extLst>
+            <a:ext uri="{909E8E84-426E-40DD-AFC4-6F175D3DCCD1}">
+              <a14:hiddenFill xmlns:a14="http://schemas.microsoft.com/office/drawing/2010/main">
+                <a:solidFill>
+                  <a:srgbClr val="FFFFFF"/>
+                </a:solidFill>
+              </a14:hiddenFill>
+            </a:ext>
+          </a:extLst>
+        </p:spPr>
+      </p:pic>
+      <p:pic>
+        <p:nvPicPr>
+          <p:cNvPr id="7" name="Picture 6">
+            <a:extLst>
+              <a:ext uri="{FF2B5EF4-FFF2-40B4-BE49-F238E27FC236}">
+                <a16:creationId xmlns:a16="http://schemas.microsoft.com/office/drawing/2014/main" xmlns="" id="{D13F7B96-78F1-4C1D-8CDB-784F58B69610}"/>
+              </a:ext>
+            </a:extLst>
+          </p:cNvPr>
+          <p:cNvPicPr>
+            <a:picLocks noChangeAspect="1"/>
+          </p:cNvPicPr>
+          <p:nvPr/>
+        </p:nvPicPr>
+        <p:blipFill>
+          <a:blip r:embed="rId6"/>
+          <a:stretch>
+            <a:fillRect/>
+          </a:stretch>
+        </p:blipFill>
+        <p:spPr>
+          <a:xfrm>
+            <a:off x="3050437" y="5295900"/>
+            <a:ext cx="7600950" cy="838200"/>
+          </a:xfrm>
+          <a:prstGeom prst="rect">
+            <a:avLst/>
+          </a:prstGeom>
+        </p:spPr>
+      </p:pic>
+    </p:spTree>
+    <p:extLst>
+      <p:ext uri="{BB962C8B-B14F-4D97-AF65-F5344CB8AC3E}">
+        <p14:creationId xmlns:p14="http://schemas.microsoft.com/office/powerpoint/2010/main" val="3988503742"/>
+      </p:ext>
+    </p:extLst>
+  </p:cSld>
+  <p:clrMapOvr>
+    <a:masterClrMapping/>
+  </p:clrMapOvr>
+  <p:timing>
+    <p:tnLst>
+      <p:par>
+        <p:cTn id="1" dur="indefinite" restart="never" nodeType="tmRoot"/>
+      </p:par>
+    </p:tnLst>
+  </p:timing>
+</p:sld>
+</file>
+
+<file path=ppt/slides/slide38.xml><?xml version="1.0" encoding="utf-8"?>
+<p:sld xmlns:a="http://schemas.openxmlformats.org/drawingml/2006/main" xmlns:r="http://schemas.openxmlformats.org/officeDocument/2006/relationships" xmlns:p="http://schemas.openxmlformats.org/presentationml/2006/main">
+  <p:cSld>
+    <p:bg>
+      <p:bgPr>
+        <a:solidFill>
+          <a:srgbClr val="0072C6"/>
+        </a:solidFill>
+        <a:effectLst/>
+      </p:bgPr>
+    </p:bg>
+    <p:spTree>
+      <p:nvGrpSpPr>
+        <p:cNvPr id="1" name=""/>
+        <p:cNvGrpSpPr/>
+        <p:nvPr/>
+      </p:nvGrpSpPr>
+      <p:grpSpPr>
+        <a:xfrm>
+          <a:off x="0" y="0"/>
+          <a:ext cx="0" cy="0"/>
+          <a:chOff x="0" y="0"/>
+          <a:chExt cx="0" cy="0"/>
+        </a:xfrm>
+      </p:grpSpPr>
+      <p:sp>
+        <p:nvSpPr>
+          <p:cNvPr id="2" name="Title 1"/>
+          <p:cNvSpPr>
+            <a:spLocks noGrp="1"/>
+          </p:cNvSpPr>
+          <p:nvPr>
+            <p:ph type="title"/>
+          </p:nvPr>
+        </p:nvSpPr>
+        <p:spPr>
+          <a:xfrm>
+            <a:off x="2043953" y="284176"/>
+            <a:ext cx="8943046" cy="1508760"/>
+          </a:xfrm>
+        </p:spPr>
+        <p:txBody>
+          <a:bodyPr/>
+          <a:lstStyle/>
+          <a:p>
+            <a:r>
+              <a:rPr lang="en-GB" dirty="0"/>
+              <a:t>Hurry up and move on!</a:t>
+            </a:r>
+          </a:p>
+        </p:txBody>
+      </p:sp>
+      <p:sp>
+        <p:nvSpPr>
+          <p:cNvPr id="3" name="Content Placeholder 2"/>
+          <p:cNvSpPr>
+            <a:spLocks noGrp="1"/>
+          </p:cNvSpPr>
+          <p:nvPr>
+            <p:ph idx="1"/>
+          </p:nvPr>
+        </p:nvSpPr>
+        <p:spPr>
+          <a:xfrm>
+            <a:off x="346841" y="2011679"/>
+            <a:ext cx="11582400" cy="4483713"/>
+          </a:xfrm>
+        </p:spPr>
+        <p:txBody>
+          <a:bodyPr>
+            <a:normAutofit/>
+          </a:bodyPr>
+          <a:lstStyle/>
+          <a:p>
+            <a:endParaRPr lang="en-GB" sz="3400" b="1" dirty="0"/>
+          </a:p>
+        </p:txBody>
+      </p:sp>
+      <p:pic>
+        <p:nvPicPr>
+          <p:cNvPr id="4" name="Picture 2" descr="https://www.powershellgallery.com/Content/Images/packageDefaultIcon.png"/>
+          <p:cNvPicPr>
+            <a:picLocks noChangeAspect="1" noChangeArrowheads="1"/>
+          </p:cNvPicPr>
+          <p:nvPr/>
+        </p:nvPicPr>
+        <p:blipFill>
+          <a:blip r:embed="rId2">
+            <a:extLst>
+              <a:ext uri="{28A0092B-C50C-407E-A947-70E740481C1C}">
+                <a14:useLocalDpi xmlns:a14="http://schemas.microsoft.com/office/drawing/2010/main" val="0"/>
+              </a:ext>
+            </a:extLst>
+          </a:blip>
+          <a:srcRect/>
+          <a:stretch>
+            <a:fillRect/>
+          </a:stretch>
+        </p:blipFill>
+        <p:spPr bwMode="auto">
+          <a:xfrm>
+            <a:off x="83856" y="61397"/>
+            <a:ext cx="1731538" cy="1731539"/>
+          </a:xfrm>
+          <a:prstGeom prst="rect">
+            <a:avLst/>
+          </a:prstGeom>
+          <a:noFill/>
+          <a:extLst>
+            <a:ext uri="{909E8E84-426E-40DD-AFC4-6F175D3DCCD1}">
+              <a14:hiddenFill xmlns:a14="http://schemas.microsoft.com/office/drawing/2010/main">
+                <a:solidFill>
+                  <a:srgbClr val="FFFFFF"/>
+                </a:solidFill>
+              </a14:hiddenFill>
+            </a:ext>
+          </a:extLst>
+        </p:spPr>
+      </p:pic>
+    </p:spTree>
+    <p:extLst>
+      <p:ext uri="{BB962C8B-B14F-4D97-AF65-F5344CB8AC3E}">
+        <p14:creationId xmlns:p14="http://schemas.microsoft.com/office/powerpoint/2010/main" val="2450188640"/>
+      </p:ext>
+    </p:extLst>
+  </p:cSld>
+  <p:clrMapOvr>
+    <a:masterClrMapping/>
+  </p:clrMapOvr>
+</p:sld>
+</file>
+
+<file path=ppt/slides/slide4.xml><?xml version="1.0" encoding="utf-8"?>
+<p:sld xmlns:a="http://schemas.openxmlformats.org/drawingml/2006/main" xmlns:r="http://schemas.openxmlformats.org/officeDocument/2006/relationships" xmlns:p="http://schemas.openxmlformats.org/presentationml/2006/main">
+  <p:cSld>
+    <p:bg>
+      <p:bgPr>
+        <a:solidFill>
+          <a:srgbClr val="0072C6"/>
+        </a:solidFill>
+        <a:effectLst/>
+      </p:bgPr>
+    </p:bg>
+    <p:spTree>
+      <p:nvGrpSpPr>
+        <p:cNvPr id="1" name=""/>
+        <p:cNvGrpSpPr/>
+        <p:nvPr/>
+      </p:nvGrpSpPr>
+      <p:grpSpPr>
+        <a:xfrm>
+          <a:off x="0" y="0"/>
+          <a:ext cx="0" cy="0"/>
+          <a:chOff x="0" y="0"/>
+          <a:chExt cx="0" cy="0"/>
+        </a:xfrm>
+      </p:grpSpPr>
+      <p:sp>
+        <p:nvSpPr>
+          <p:cNvPr id="2" name="Title 1"/>
+          <p:cNvSpPr>
+            <a:spLocks noGrp="1"/>
+          </p:cNvSpPr>
+          <p:nvPr>
+            <p:ph type="title"/>
+          </p:nvPr>
+        </p:nvSpPr>
+        <p:spPr>
+          <a:xfrm>
+            <a:off x="2043953" y="284176"/>
+            <a:ext cx="8943046" cy="1508760"/>
+          </a:xfrm>
+        </p:spPr>
+        <p:txBody>
+          <a:bodyPr/>
+          <a:lstStyle/>
+          <a:p>
+            <a:r>
+              <a:rPr lang="en-GB" dirty="0"/>
+              <a:t>10 do’s and don’t of </a:t>
+            </a:r>
+            <a:r>
+              <a:rPr lang="en-GB" dirty="0" err="1"/>
+              <a:t>powershell</a:t>
+            </a:r>
+            <a:endParaRPr lang="en-GB" dirty="0"/>
+          </a:p>
+        </p:txBody>
+      </p:sp>
+      <p:sp>
+        <p:nvSpPr>
+          <p:cNvPr id="3" name="Content Placeholder 2"/>
+          <p:cNvSpPr>
+            <a:spLocks noGrp="1"/>
+          </p:cNvSpPr>
+          <p:nvPr>
+            <p:ph idx="1"/>
+          </p:nvPr>
+        </p:nvSpPr>
+        <p:spPr>
+          <a:xfrm>
+            <a:off x="346841" y="2011679"/>
+            <a:ext cx="11582400" cy="4727449"/>
+          </a:xfrm>
+        </p:spPr>
+        <p:txBody>
+          <a:bodyPr>
+            <a:normAutofit/>
+          </a:bodyPr>
+          <a:lstStyle/>
+          <a:p>
+            <a:pPr>
+              <a:buFont typeface="Arial" panose="020B0604020202020204" pitchFamily="34" charset="0"/>
+              <a:buChar char="•"/>
+            </a:pPr>
+            <a:r>
+              <a:rPr lang="en-GB" sz="3200" b="1" dirty="0">
+                <a:sym typeface="Wingdings" panose="05000000000000000000" pitchFamily="2" charset="2"/>
+              </a:rPr>
+              <a:t>Why are they important</a:t>
+            </a:r>
+          </a:p>
+          <a:p>
+            <a:pPr lvl="1">
+              <a:buFont typeface="Arial" panose="020B0604020202020204" pitchFamily="34" charset="0"/>
+              <a:buChar char="•"/>
+            </a:pPr>
+            <a:r>
+              <a:rPr lang="en-GB" sz="3000" b="1" dirty="0">
+                <a:sym typeface="Wingdings" panose="05000000000000000000" pitchFamily="2" charset="2"/>
+              </a:rPr>
+              <a:t>If you leave, get sick or get hit by a bus somebody else can pick it up</a:t>
+            </a:r>
+          </a:p>
+          <a:p>
+            <a:pPr lvl="1">
+              <a:buFont typeface="Arial" panose="020B0604020202020204" pitchFamily="34" charset="0"/>
+              <a:buChar char="•"/>
+            </a:pPr>
+            <a:r>
+              <a:rPr lang="en-GB" sz="3000" b="1" dirty="0">
+                <a:sym typeface="Wingdings" panose="05000000000000000000" pitchFamily="2" charset="2"/>
+              </a:rPr>
+              <a:t>Peer review</a:t>
+            </a:r>
+          </a:p>
+          <a:p>
+            <a:pPr lvl="1">
+              <a:buFont typeface="Arial" panose="020B0604020202020204" pitchFamily="34" charset="0"/>
+              <a:buChar char="•"/>
+            </a:pPr>
+            <a:r>
+              <a:rPr lang="en-GB" sz="3000" b="1" dirty="0">
+                <a:sym typeface="Wingdings" panose="05000000000000000000" pitchFamily="2" charset="2"/>
+              </a:rPr>
+              <a:t>Post script online such as PowerShell Gallery, </a:t>
+            </a:r>
+            <a:r>
+              <a:rPr lang="en-GB" sz="3000" b="1" dirty="0" err="1">
+                <a:sym typeface="Wingdings" panose="05000000000000000000" pitchFamily="2" charset="2"/>
+              </a:rPr>
+              <a:t>Github</a:t>
+            </a:r>
+            <a:endParaRPr lang="en-GB" sz="3000" b="1" dirty="0">
+              <a:sym typeface="Wingdings" panose="05000000000000000000" pitchFamily="2" charset="2"/>
+            </a:endParaRPr>
+          </a:p>
+        </p:txBody>
+      </p:sp>
+      <p:pic>
+        <p:nvPicPr>
+          <p:cNvPr id="4" name="Picture 2" descr="https://www.powershellgallery.com/Content/Images/packageDefaultIcon.png"/>
+          <p:cNvPicPr>
+            <a:picLocks noChangeAspect="1" noChangeArrowheads="1"/>
+          </p:cNvPicPr>
+          <p:nvPr/>
+        </p:nvPicPr>
+        <p:blipFill>
+          <a:blip r:embed="rId2">
+            <a:extLst>
+              <a:ext uri="{28A0092B-C50C-407E-A947-70E740481C1C}">
+                <a14:useLocalDpi xmlns:a14="http://schemas.microsoft.com/office/drawing/2010/main" val="0"/>
+              </a:ext>
+            </a:extLst>
+          </a:blip>
+          <a:srcRect/>
+          <a:stretch>
+            <a:fillRect/>
+          </a:stretch>
+        </p:blipFill>
+        <p:spPr bwMode="auto">
+          <a:xfrm>
+            <a:off x="83856" y="61397"/>
+            <a:ext cx="1731538" cy="1731539"/>
+          </a:xfrm>
+          <a:prstGeom prst="rect">
+            <a:avLst/>
+          </a:prstGeom>
+          <a:noFill/>
+          <a:extLst>
+            <a:ext uri="{909E8E84-426E-40DD-AFC4-6F175D3DCCD1}">
+              <a14:hiddenFill xmlns:a14="http://schemas.microsoft.com/office/drawing/2010/main">
+                <a:solidFill>
+                  <a:srgbClr val="FFFFFF"/>
+                </a:solidFill>
+              </a14:hiddenFill>
+            </a:ext>
+          </a:extLst>
+        </p:spPr>
+      </p:pic>
+    </p:spTree>
+    <p:extLst>
+      <p:ext uri="{BB962C8B-B14F-4D97-AF65-F5344CB8AC3E}">
+        <p14:creationId xmlns:p14="http://schemas.microsoft.com/office/powerpoint/2010/main" val="2266632474"/>
+      </p:ext>
+    </p:extLst>
+  </p:cSld>
+  <p:clrMapOvr>
+    <a:masterClrMapping/>
+  </p:clrMapOvr>
+  <p:timing>
+    <p:tnLst>
+      <p:par>
+        <p:cTn id="1" dur="indefinite" restart="never" nodeType="tmRoot"/>
+      </p:par>
+    </p:tnLst>
+  </p:timing>
+</p:sld>
+</file>
+
+<file path=ppt/slides/slide5.xml><?xml version="1.0" encoding="utf-8"?>
+<p:sld xmlns:a="http://schemas.openxmlformats.org/drawingml/2006/main" xmlns:r="http://schemas.openxmlformats.org/officeDocument/2006/relationships" xmlns:p="http://schemas.openxmlformats.org/presentationml/2006/main">
+  <p:cSld>
+    <p:bg>
+      <p:bgPr>
+        <a:solidFill>
+          <a:srgbClr val="0072C6"/>
+        </a:solidFill>
+        <a:effectLst/>
+      </p:bgPr>
+    </p:bg>
+    <p:spTree>
+      <p:nvGrpSpPr>
+        <p:cNvPr id="1" name=""/>
+        <p:cNvGrpSpPr/>
+        <p:nvPr/>
+      </p:nvGrpSpPr>
+      <p:grpSpPr>
+        <a:xfrm>
+          <a:off x="0" y="0"/>
+          <a:ext cx="0" cy="0"/>
+          <a:chOff x="0" y="0"/>
+          <a:chExt cx="0" cy="0"/>
+        </a:xfrm>
+      </p:grpSpPr>
+      <p:sp>
+        <p:nvSpPr>
+          <p:cNvPr id="2" name="Title 1"/>
+          <p:cNvSpPr>
+            <a:spLocks noGrp="1"/>
+          </p:cNvSpPr>
+          <p:nvPr>
+            <p:ph type="ctrTitle"/>
+          </p:nvPr>
+        </p:nvSpPr>
+        <p:spPr>
+          <a:xfrm>
+            <a:off x="2290439" y="2152076"/>
+            <a:ext cx="9725479" cy="1739347"/>
+          </a:xfrm>
+        </p:spPr>
+        <p:txBody>
+          <a:bodyPr/>
+          <a:lstStyle/>
+          <a:p>
+            <a:pPr algn="l"/>
+            <a:r>
+              <a:rPr lang="en-GB" dirty="0" smtClean="0"/>
+              <a:t>Develop a style and stick to it</a:t>
+            </a:r>
+            <a:endParaRPr lang="en-GB" dirty="0"/>
+          </a:p>
+        </p:txBody>
+      </p:sp>
+      <p:pic>
+        <p:nvPicPr>
+          <p:cNvPr id="4" name="Picture 2" descr="https://www.powershellgallery.com/Content/Images/packageDefaultIcon.png"/>
+          <p:cNvPicPr>
+            <a:picLocks noChangeAspect="1" noChangeArrowheads="1"/>
+          </p:cNvPicPr>
+          <p:nvPr/>
+        </p:nvPicPr>
+        <p:blipFill>
+          <a:blip r:embed="rId2">
+            <a:extLst>
+              <a:ext uri="{28A0092B-C50C-407E-A947-70E740481C1C}">
+                <a14:useLocalDpi xmlns:a14="http://schemas.microsoft.com/office/drawing/2010/main" val="0"/>
+              </a:ext>
+            </a:extLst>
+          </a:blip>
+          <a:srcRect/>
+          <a:stretch>
+            <a:fillRect/>
+          </a:stretch>
+        </p:blipFill>
+        <p:spPr bwMode="auto">
+          <a:xfrm>
+            <a:off x="270711" y="1976146"/>
+            <a:ext cx="1915276" cy="1915277"/>
+          </a:xfrm>
+          <a:prstGeom prst="rect">
+            <a:avLst/>
+          </a:prstGeom>
+          <a:noFill/>
+          <a:extLst>
+            <a:ext uri="{909E8E84-426E-40DD-AFC4-6F175D3DCCD1}">
+              <a14:hiddenFill xmlns:a14="http://schemas.microsoft.com/office/drawing/2010/main">
+                <a:solidFill>
+                  <a:srgbClr val="FFFFFF"/>
+                </a:solidFill>
+              </a14:hiddenFill>
+            </a:ext>
+          </a:extLst>
+        </p:spPr>
+      </p:pic>
+      <p:sp>
+        <p:nvSpPr>
+          <p:cNvPr id="7" name="Subtitle 6"/>
+          <p:cNvSpPr>
+            <a:spLocks noGrp="1"/>
+          </p:cNvSpPr>
+          <p:nvPr>
+            <p:ph type="subTitle" idx="1"/>
+          </p:nvPr>
+        </p:nvSpPr>
+        <p:spPr/>
+        <p:txBody>
+          <a:bodyPr/>
+          <a:lstStyle/>
+          <a:p>
+            <a:endParaRPr lang="en-GB" dirty="0"/>
+          </a:p>
+        </p:txBody>
+      </p:sp>
+    </p:spTree>
+    <p:extLst>
+      <p:ext uri="{BB962C8B-B14F-4D97-AF65-F5344CB8AC3E}">
+        <p14:creationId xmlns:p14="http://schemas.microsoft.com/office/powerpoint/2010/main" val="3213305348"/>
+      </p:ext>
+    </p:extLst>
+  </p:cSld>
+  <p:clrMapOvr>
+    <a:masterClrMapping/>
+  </p:clrMapOvr>
+  <p:timing>
+    <p:tnLst>
+      <p:par>
+        <p:cTn id="1" dur="indefinite" restart="never" nodeType="tmRoot"/>
+      </p:par>
+    </p:tnLst>
+  </p:timing>
+</p:sld>
+</file>
+
+<file path=ppt/slides/slide6.xml><?xml version="1.0" encoding="utf-8"?>
+<p:sld xmlns:a="http://schemas.openxmlformats.org/drawingml/2006/main" xmlns:r="http://schemas.openxmlformats.org/officeDocument/2006/relationships" xmlns:p="http://schemas.openxmlformats.org/presentationml/2006/main">
+  <p:cSld>
+    <p:bg>
+      <p:bgPr>
+        <a:solidFill>
+          <a:srgbClr val="0072C6"/>
+        </a:solidFill>
+        <a:effectLst/>
+      </p:bgPr>
+    </p:bg>
+    <p:spTree>
+      <p:nvGrpSpPr>
+        <p:cNvPr id="1" name=""/>
+        <p:cNvGrpSpPr/>
+        <p:nvPr/>
+      </p:nvGrpSpPr>
+      <p:grpSpPr>
+        <a:xfrm>
+          <a:off x="0" y="0"/>
+          <a:ext cx="0" cy="0"/>
+          <a:chOff x="0" y="0"/>
+          <a:chExt cx="0" cy="0"/>
+        </a:xfrm>
+      </p:grpSpPr>
+      <p:sp>
+        <p:nvSpPr>
+          <p:cNvPr id="2" name="Title 1"/>
+          <p:cNvSpPr>
+            <a:spLocks noGrp="1"/>
+          </p:cNvSpPr>
+          <p:nvPr>
+            <p:ph type="title"/>
+          </p:nvPr>
+        </p:nvSpPr>
+        <p:spPr>
+          <a:xfrm>
+            <a:off x="2043953" y="284176"/>
+            <a:ext cx="8943046" cy="1508760"/>
+          </a:xfrm>
+        </p:spPr>
+        <p:txBody>
+          <a:bodyPr/>
+          <a:lstStyle/>
+          <a:p>
+            <a:r>
+              <a:rPr lang="en-GB" dirty="0" smtClean="0"/>
+              <a:t>Develop a</a:t>
+            </a:r>
+            <a:r>
+              <a:rPr lang="en-GB" dirty="0" smtClean="0"/>
+              <a:t> style and stick to it</a:t>
+            </a:r>
+            <a:endParaRPr lang="en-GB" dirty="0"/>
+          </a:p>
+        </p:txBody>
+      </p:sp>
+      <p:sp>
+        <p:nvSpPr>
+          <p:cNvPr id="3" name="Content Placeholder 2"/>
+          <p:cNvSpPr>
+            <a:spLocks noGrp="1"/>
+          </p:cNvSpPr>
+          <p:nvPr>
+            <p:ph idx="1"/>
+          </p:nvPr>
+        </p:nvSpPr>
+        <p:spPr>
+          <a:xfrm>
+            <a:off x="346841" y="2011679"/>
+            <a:ext cx="11582400" cy="4483713"/>
+          </a:xfrm>
+        </p:spPr>
+        <p:txBody>
+          <a:bodyPr>
+            <a:normAutofit/>
+          </a:bodyPr>
+          <a:lstStyle/>
+          <a:p>
+            <a:r>
+              <a:rPr lang="en-GB" sz="3400" b="1" dirty="0" smtClean="0"/>
+              <a:t>Choose a bracing style:</a:t>
+            </a:r>
+          </a:p>
+          <a:p>
+            <a:pPr lvl="1"/>
+            <a:endParaRPr lang="en-GB" sz="3200" b="1" dirty="0" smtClean="0"/>
+          </a:p>
+          <a:p>
+            <a:pPr marL="228600" lvl="1" indent="0">
+              <a:buNone/>
+            </a:pPr>
+            <a:endParaRPr lang="en-GB" sz="3200" b="1" dirty="0" smtClean="0"/>
+          </a:p>
+          <a:p>
+            <a:pPr marL="0" indent="0">
+              <a:buNone/>
+            </a:pPr>
+            <a:endParaRPr lang="en-GB" sz="3400" b="1" dirty="0"/>
+          </a:p>
+          <a:p>
+            <a:r>
+              <a:rPr lang="en-GB" sz="3400" b="1" dirty="0" smtClean="0"/>
+              <a:t>Choose a naming style:</a:t>
+            </a:r>
+          </a:p>
+          <a:p>
+            <a:pPr lvl="1"/>
+            <a:r>
+              <a:rPr lang="en-GB" sz="3200" b="1" dirty="0" smtClean="0"/>
+              <a:t>$</a:t>
+            </a:r>
+            <a:r>
+              <a:rPr lang="en-GB" sz="3200" b="1" dirty="0" err="1" smtClean="0"/>
+              <a:t>myVar</a:t>
+            </a:r>
+            <a:r>
+              <a:rPr lang="en-GB" sz="3200" b="1" dirty="0" smtClean="0"/>
+              <a:t>, $</a:t>
+            </a:r>
+            <a:r>
+              <a:rPr lang="en-GB" sz="3200" b="1" dirty="0" err="1" smtClean="0"/>
+              <a:t>myvar</a:t>
+            </a:r>
+            <a:r>
+              <a:rPr lang="en-GB" sz="3200" b="1" dirty="0" smtClean="0"/>
+              <a:t>, $</a:t>
+            </a:r>
+            <a:r>
+              <a:rPr lang="en-GB" sz="3200" b="1" dirty="0" err="1" smtClean="0"/>
+              <a:t>my_var</a:t>
+            </a:r>
+            <a:r>
+              <a:rPr lang="en-GB" sz="3200" b="1" dirty="0" smtClean="0"/>
+              <a:t> are all valid variable names</a:t>
+            </a:r>
+          </a:p>
+          <a:p>
+            <a:pPr lvl="1"/>
+            <a:r>
+              <a:rPr lang="en-GB" sz="3200" b="1" dirty="0" smtClean="0"/>
+              <a:t>Get-Thing, </a:t>
+            </a:r>
+            <a:r>
+              <a:rPr lang="en-GB" sz="3200" b="1" dirty="0" err="1" smtClean="0"/>
+              <a:t>getthing</a:t>
+            </a:r>
+            <a:r>
+              <a:rPr lang="en-GB" sz="3200" b="1" dirty="0" smtClean="0"/>
+              <a:t> and </a:t>
+            </a:r>
+            <a:r>
+              <a:rPr lang="en-GB" sz="3200" b="1" dirty="0" err="1" smtClean="0"/>
+              <a:t>get_thing</a:t>
+            </a:r>
+            <a:r>
+              <a:rPr lang="en-GB" sz="3200" b="1" dirty="0" smtClean="0"/>
+              <a:t> are all valid function names</a:t>
+            </a:r>
+          </a:p>
+          <a:p>
+            <a:pPr lvl="1"/>
+            <a:endParaRPr lang="en-GB" sz="3200" b="1" dirty="0"/>
+          </a:p>
+          <a:p>
+            <a:pPr lvl="1"/>
+            <a:endParaRPr lang="en-GB" sz="3200" b="1" dirty="0" smtClean="0"/>
+          </a:p>
+          <a:p>
+            <a:pPr lvl="1"/>
+            <a:endParaRPr lang="en-GB" sz="3200" b="1" dirty="0"/>
+          </a:p>
+          <a:p>
+            <a:pPr lvl="1"/>
+            <a:endParaRPr lang="en-GB" sz="3200" b="1" dirty="0" smtClean="0"/>
+          </a:p>
+          <a:p>
+            <a:pPr lvl="1"/>
+            <a:endParaRPr lang="en-GB" sz="3200" b="1" dirty="0"/>
+          </a:p>
+          <a:p>
+            <a:pPr lvl="1"/>
+            <a:endParaRPr lang="en-GB" sz="3200" b="1" dirty="0" smtClean="0"/>
+          </a:p>
+          <a:p>
+            <a:pPr lvl="1"/>
+            <a:endParaRPr lang="en-GB" sz="3200" b="1" dirty="0"/>
+          </a:p>
+          <a:p>
+            <a:pPr lvl="1"/>
+            <a:endParaRPr lang="en-GB" sz="3200" b="1" dirty="0" smtClean="0"/>
+          </a:p>
+          <a:p>
+            <a:endParaRPr lang="en-GB" sz="3400" b="1" dirty="0"/>
+          </a:p>
+        </p:txBody>
+      </p:sp>
+      <p:pic>
+        <p:nvPicPr>
+          <p:cNvPr id="4" name="Picture 2" descr="https://www.powershellgallery.com/Content/Images/packageDefaultIcon.png"/>
+          <p:cNvPicPr>
+            <a:picLocks noChangeAspect="1" noChangeArrowheads="1"/>
+          </p:cNvPicPr>
+          <p:nvPr/>
+        </p:nvPicPr>
+        <p:blipFill>
+          <a:blip r:embed="rId2">
+            <a:extLst>
+              <a:ext uri="{28A0092B-C50C-407E-A947-70E740481C1C}">
+                <a14:useLocalDpi xmlns:a14="http://schemas.microsoft.com/office/drawing/2010/main" val="0"/>
+              </a:ext>
+            </a:extLst>
+          </a:blip>
+          <a:srcRect/>
+          <a:stretch>
+            <a:fillRect/>
+          </a:stretch>
+        </p:blipFill>
+        <p:spPr bwMode="auto">
+          <a:xfrm>
+            <a:off x="83856" y="61397"/>
+            <a:ext cx="1731538" cy="1731539"/>
+          </a:xfrm>
+          <a:prstGeom prst="rect">
+            <a:avLst/>
+          </a:prstGeom>
+          <a:noFill/>
+          <a:extLst>
+            <a:ext uri="{909E8E84-426E-40DD-AFC4-6F175D3DCCD1}">
+              <a14:hiddenFill xmlns:a14="http://schemas.microsoft.com/office/drawing/2010/main">
+                <a:solidFill>
+                  <a:srgbClr val="FFFFFF"/>
+                </a:solidFill>
+              </a14:hiddenFill>
+            </a:ext>
+          </a:extLst>
+        </p:spPr>
+      </p:pic>
+      <p:pic>
+        <p:nvPicPr>
+          <p:cNvPr id="5" name="Picture 4"/>
+          <p:cNvPicPr>
+            <a:picLocks noChangeAspect="1"/>
+          </p:cNvPicPr>
+          <p:nvPr/>
+        </p:nvPicPr>
+        <p:blipFill>
+          <a:blip r:embed="rId3"/>
+          <a:stretch>
+            <a:fillRect/>
+          </a:stretch>
+        </p:blipFill>
+        <p:spPr>
+          <a:xfrm>
+            <a:off x="654866" y="2572305"/>
+            <a:ext cx="1933575" cy="1485900"/>
+          </a:xfrm>
+          <a:prstGeom prst="rect">
+            <a:avLst/>
+          </a:prstGeom>
+        </p:spPr>
+      </p:pic>
+      <p:pic>
+        <p:nvPicPr>
+          <p:cNvPr id="6" name="Picture 5"/>
+          <p:cNvPicPr>
+            <a:picLocks noChangeAspect="1"/>
+          </p:cNvPicPr>
+          <p:nvPr/>
+        </p:nvPicPr>
+        <p:blipFill>
+          <a:blip r:embed="rId4"/>
+          <a:stretch>
+            <a:fillRect/>
+          </a:stretch>
+        </p:blipFill>
+        <p:spPr>
+          <a:xfrm>
+            <a:off x="2896466" y="2572305"/>
+            <a:ext cx="2038350" cy="1162050"/>
+          </a:xfrm>
+          <a:prstGeom prst="rect">
+            <a:avLst/>
+          </a:prstGeom>
+        </p:spPr>
+      </p:pic>
+      <p:pic>
+        <p:nvPicPr>
+          <p:cNvPr id="7" name="Picture 6"/>
+          <p:cNvPicPr>
+            <a:picLocks noChangeAspect="1"/>
+          </p:cNvPicPr>
+          <p:nvPr/>
+        </p:nvPicPr>
+        <p:blipFill>
+          <a:blip r:embed="rId5"/>
+          <a:stretch>
+            <a:fillRect/>
+          </a:stretch>
+        </p:blipFill>
+        <p:spPr>
+          <a:xfrm>
+            <a:off x="5145296" y="2572305"/>
+            <a:ext cx="2124075" cy="1028700"/>
+          </a:xfrm>
+          <a:prstGeom prst="rect">
+            <a:avLst/>
+          </a:prstGeom>
+        </p:spPr>
+      </p:pic>
+      <p:pic>
+        <p:nvPicPr>
+          <p:cNvPr id="8" name="Picture 7"/>
+          <p:cNvPicPr>
+            <a:picLocks noChangeAspect="1"/>
+          </p:cNvPicPr>
+          <p:nvPr/>
+        </p:nvPicPr>
+        <p:blipFill>
+          <a:blip r:embed="rId6"/>
+          <a:stretch>
+            <a:fillRect/>
+          </a:stretch>
+        </p:blipFill>
+        <p:spPr>
+          <a:xfrm>
+            <a:off x="712481" y="5914367"/>
+            <a:ext cx="1990725" cy="742950"/>
+          </a:xfrm>
+          <a:prstGeom prst="rect">
+            <a:avLst/>
+          </a:prstGeom>
+        </p:spPr>
+      </p:pic>
+      <p:pic>
+        <p:nvPicPr>
+          <p:cNvPr id="10" name="Picture 9"/>
+          <p:cNvPicPr>
+            <a:picLocks noChangeAspect="1"/>
+          </p:cNvPicPr>
+          <p:nvPr/>
+        </p:nvPicPr>
+        <p:blipFill>
+          <a:blip r:embed="rId7"/>
+          <a:stretch>
+            <a:fillRect/>
+          </a:stretch>
+        </p:blipFill>
+        <p:spPr>
+          <a:xfrm>
+            <a:off x="3068846" y="5914367"/>
+            <a:ext cx="2076450" cy="771525"/>
+          </a:xfrm>
+          <a:prstGeom prst="rect">
+            <a:avLst/>
+          </a:prstGeom>
+        </p:spPr>
+      </p:pic>
+    </p:spTree>
+    <p:extLst>
+      <p:ext uri="{BB962C8B-B14F-4D97-AF65-F5344CB8AC3E}">
+        <p14:creationId xmlns:p14="http://schemas.microsoft.com/office/powerpoint/2010/main" val="2875537167"/>
+      </p:ext>
+    </p:extLst>
+  </p:cSld>
+  <p:clrMapOvr>
+    <a:masterClrMapping/>
+  </p:clrMapOvr>
+  <p:timing>
+    <p:tnLst>
+      <p:par>
+        <p:cTn id="1" dur="indefinite" restart="never" nodeType="tmRoot"/>
+      </p:par>
+    </p:tnLst>
+  </p:timing>
+</p:sld>
+</file>
+
+<file path=ppt/slides/slide7.xml><?xml version="1.0" encoding="utf-8"?>
+<p:sld xmlns:a="http://schemas.openxmlformats.org/drawingml/2006/main" xmlns:r="http://schemas.openxmlformats.org/officeDocument/2006/relationships" xmlns:p="http://schemas.openxmlformats.org/presentationml/2006/main">
+  <p:cSld>
+    <p:bg>
+      <p:bgPr>
+        <a:solidFill>
+          <a:srgbClr val="0072C6"/>
+        </a:solidFill>
+        <a:effectLst/>
+      </p:bgPr>
+    </p:bg>
+    <p:spTree>
+      <p:nvGrpSpPr>
+        <p:cNvPr id="1" name=""/>
+        <p:cNvGrpSpPr/>
+        <p:nvPr/>
+      </p:nvGrpSpPr>
+      <p:grpSpPr>
+        <a:xfrm>
+          <a:off x="0" y="0"/>
+          <a:ext cx="0" cy="0"/>
+          <a:chOff x="0" y="0"/>
+          <a:chExt cx="0" cy="0"/>
+        </a:xfrm>
+      </p:grpSpPr>
+      <p:sp>
+        <p:nvSpPr>
+          <p:cNvPr id="2" name="Title 1"/>
+          <p:cNvSpPr>
+            <a:spLocks noGrp="1"/>
+          </p:cNvSpPr>
+          <p:nvPr>
+            <p:ph type="title"/>
+          </p:nvPr>
+        </p:nvSpPr>
+        <p:spPr>
+          <a:xfrm>
+            <a:off x="2043953" y="284176"/>
+            <a:ext cx="8943046" cy="1508760"/>
+          </a:xfrm>
+        </p:spPr>
+        <p:txBody>
+          <a:bodyPr/>
+          <a:lstStyle/>
+          <a:p>
+            <a:r>
+              <a:rPr lang="en-GB" dirty="0" smtClean="0"/>
+              <a:t>Develop a</a:t>
+            </a:r>
+            <a:r>
+              <a:rPr lang="en-GB" dirty="0" smtClean="0"/>
+              <a:t> style and stick to it</a:t>
+            </a:r>
+            <a:endParaRPr lang="en-GB" dirty="0"/>
+          </a:p>
+        </p:txBody>
+      </p:sp>
+      <p:sp>
+        <p:nvSpPr>
+          <p:cNvPr id="3" name="Content Placeholder 2"/>
+          <p:cNvSpPr>
+            <a:spLocks noGrp="1"/>
+          </p:cNvSpPr>
+          <p:nvPr>
+            <p:ph idx="1"/>
+          </p:nvPr>
+        </p:nvSpPr>
+        <p:spPr>
+          <a:xfrm>
+            <a:off x="346841" y="2011679"/>
+            <a:ext cx="11582400" cy="4483713"/>
+          </a:xfrm>
+        </p:spPr>
+        <p:txBody>
+          <a:bodyPr>
+            <a:normAutofit/>
+          </a:bodyPr>
+          <a:lstStyle/>
+          <a:p>
+            <a:r>
+              <a:rPr lang="en-GB" sz="3400" b="1" dirty="0" smtClean="0"/>
+              <a:t>Choose a help style:</a:t>
+            </a:r>
+          </a:p>
+          <a:p>
+            <a:endParaRPr lang="en-GB" sz="3400" b="1" dirty="0" smtClean="0"/>
+          </a:p>
+          <a:p>
+            <a:pPr lvl="1"/>
+            <a:endParaRPr lang="en-GB" sz="3200" b="1" dirty="0" smtClean="0"/>
+          </a:p>
+          <a:p>
+            <a:pPr marL="0" indent="0">
+              <a:buNone/>
+            </a:pPr>
+            <a:endParaRPr lang="en-GB" sz="3400" b="1" dirty="0"/>
+          </a:p>
+          <a:p>
+            <a:r>
+              <a:rPr lang="en-GB" sz="3400" b="1" dirty="0" smtClean="0"/>
+              <a:t>Choose a comment style:</a:t>
+            </a:r>
+            <a:endParaRPr lang="en-GB" sz="3400" b="1" dirty="0"/>
+          </a:p>
+          <a:p>
+            <a:pPr marL="228600" lvl="1" indent="0">
+              <a:buNone/>
+            </a:pPr>
+            <a:endParaRPr lang="en-GB" sz="3200" b="1" dirty="0" smtClean="0"/>
+          </a:p>
+          <a:p>
+            <a:r>
+              <a:rPr lang="en-GB" sz="3400" b="1" dirty="0" smtClean="0"/>
+              <a:t>Whatever you choose, BE CONSISTENT!</a:t>
+            </a:r>
+          </a:p>
+          <a:p>
+            <a:pPr lvl="1"/>
+            <a:endParaRPr lang="en-GB" sz="3200" b="1" dirty="0" smtClean="0"/>
+          </a:p>
+          <a:p>
+            <a:pPr lvl="1"/>
+            <a:endParaRPr lang="en-GB" sz="3200" b="1" dirty="0"/>
+          </a:p>
+          <a:p>
+            <a:pPr lvl="1"/>
+            <a:endParaRPr lang="en-GB" sz="3200" b="1" dirty="0" smtClean="0"/>
+          </a:p>
+          <a:p>
+            <a:pPr lvl="1"/>
+            <a:endParaRPr lang="en-GB" sz="3200" b="1" dirty="0"/>
+          </a:p>
+          <a:p>
+            <a:pPr lvl="1"/>
+            <a:endParaRPr lang="en-GB" sz="3200" b="1" dirty="0" smtClean="0"/>
+          </a:p>
+          <a:p>
+            <a:pPr lvl="1"/>
+            <a:endParaRPr lang="en-GB" sz="3200" b="1" dirty="0"/>
+          </a:p>
+          <a:p>
+            <a:pPr lvl="1"/>
+            <a:endParaRPr lang="en-GB" sz="3200" b="1" dirty="0" smtClean="0"/>
+          </a:p>
+          <a:p>
+            <a:pPr lvl="1"/>
+            <a:endParaRPr lang="en-GB" sz="3200" b="1" dirty="0"/>
+          </a:p>
+          <a:p>
+            <a:pPr lvl="1"/>
+            <a:endParaRPr lang="en-GB" sz="3200" b="1" dirty="0" smtClean="0"/>
+          </a:p>
+          <a:p>
+            <a:endParaRPr lang="en-GB" sz="3400" b="1" dirty="0"/>
+          </a:p>
+        </p:txBody>
+      </p:sp>
+      <p:pic>
+        <p:nvPicPr>
+          <p:cNvPr id="4" name="Picture 2" descr="https://www.powershellgallery.com/Content/Images/packageDefaultIcon.png"/>
+          <p:cNvPicPr>
+            <a:picLocks noChangeAspect="1" noChangeArrowheads="1"/>
+          </p:cNvPicPr>
+          <p:nvPr/>
+        </p:nvPicPr>
+        <p:blipFill>
+          <a:blip r:embed="rId2">
+            <a:extLst>
+              <a:ext uri="{28A0092B-C50C-407E-A947-70E740481C1C}">
+                <a14:useLocalDpi xmlns:a14="http://schemas.microsoft.com/office/drawing/2010/main" val="0"/>
+              </a:ext>
+            </a:extLst>
+          </a:blip>
+          <a:srcRect/>
+          <a:stretch>
+            <a:fillRect/>
+          </a:stretch>
+        </p:blipFill>
+        <p:spPr bwMode="auto">
+          <a:xfrm>
+            <a:off x="83856" y="61397"/>
+            <a:ext cx="1731538" cy="1731539"/>
+          </a:xfrm>
+          <a:prstGeom prst="rect">
+            <a:avLst/>
+          </a:prstGeom>
+          <a:noFill/>
+          <a:extLst>
+            <a:ext uri="{909E8E84-426E-40DD-AFC4-6F175D3DCCD1}">
+              <a14:hiddenFill xmlns:a14="http://schemas.microsoft.com/office/drawing/2010/main">
+                <a:solidFill>
+                  <a:srgbClr val="FFFFFF"/>
+                </a:solidFill>
+              </a14:hiddenFill>
+            </a:ext>
+          </a:extLst>
+        </p:spPr>
+      </p:pic>
+      <p:pic>
+        <p:nvPicPr>
+          <p:cNvPr id="9" name="Picture 8"/>
+          <p:cNvPicPr>
+            <a:picLocks noChangeAspect="1"/>
+          </p:cNvPicPr>
+          <p:nvPr/>
+        </p:nvPicPr>
+        <p:blipFill>
+          <a:blip r:embed="rId3"/>
+          <a:stretch>
+            <a:fillRect/>
+          </a:stretch>
+        </p:blipFill>
+        <p:spPr>
+          <a:xfrm>
+            <a:off x="5727390" y="2011679"/>
+            <a:ext cx="2427258" cy="2166943"/>
+          </a:xfrm>
+          <a:prstGeom prst="rect">
+            <a:avLst/>
+          </a:prstGeom>
+        </p:spPr>
+      </p:pic>
+      <p:pic>
+        <p:nvPicPr>
+          <p:cNvPr id="11" name="Picture 10"/>
+          <p:cNvPicPr>
+            <a:picLocks noChangeAspect="1"/>
+          </p:cNvPicPr>
+          <p:nvPr/>
+        </p:nvPicPr>
+        <p:blipFill>
+          <a:blip r:embed="rId4"/>
+          <a:stretch>
+            <a:fillRect/>
+          </a:stretch>
+        </p:blipFill>
+        <p:spPr>
+          <a:xfrm>
+            <a:off x="9377779" y="2011679"/>
+            <a:ext cx="1874113" cy="2166943"/>
+          </a:xfrm>
+          <a:prstGeom prst="rect">
+            <a:avLst/>
+          </a:prstGeom>
+        </p:spPr>
+      </p:pic>
+      <p:pic>
+        <p:nvPicPr>
+          <p:cNvPr id="13" name="Picture 12"/>
+          <p:cNvPicPr>
+            <a:picLocks noChangeAspect="1"/>
+          </p:cNvPicPr>
+          <p:nvPr/>
+        </p:nvPicPr>
+        <p:blipFill>
+          <a:blip r:embed="rId5"/>
+          <a:stretch>
+            <a:fillRect/>
+          </a:stretch>
+        </p:blipFill>
+        <p:spPr>
+          <a:xfrm>
+            <a:off x="5992427" y="4532102"/>
+            <a:ext cx="2085975" cy="419100"/>
+          </a:xfrm>
+          <a:prstGeom prst="rect">
+            <a:avLst/>
+          </a:prstGeom>
+        </p:spPr>
+      </p:pic>
+      <p:pic>
+        <p:nvPicPr>
+          <p:cNvPr id="14" name="Picture 13"/>
+          <p:cNvPicPr>
+            <a:picLocks noChangeAspect="1"/>
+          </p:cNvPicPr>
+          <p:nvPr/>
+        </p:nvPicPr>
+        <p:blipFill>
+          <a:blip r:embed="rId6"/>
+          <a:stretch>
+            <a:fillRect/>
+          </a:stretch>
+        </p:blipFill>
+        <p:spPr>
+          <a:xfrm>
+            <a:off x="9128972" y="4532102"/>
+            <a:ext cx="2371725" cy="561975"/>
+          </a:xfrm>
+          <a:prstGeom prst="rect">
+            <a:avLst/>
+          </a:prstGeom>
+        </p:spPr>
+      </p:pic>
+      <p:sp>
+        <p:nvSpPr>
+          <p:cNvPr id="15" name="TextBox 14"/>
+          <p:cNvSpPr txBox="1"/>
+          <p:nvPr/>
+        </p:nvSpPr>
+        <p:spPr>
+          <a:xfrm>
+            <a:off x="5992427" y="-266330"/>
+            <a:ext cx="5814874" cy="369332"/>
+          </a:xfrm>
+          <a:prstGeom prst="rect">
+            <a:avLst/>
+          </a:prstGeom>
+          <a:noFill/>
+        </p:spPr>
+        <p:txBody>
+          <a:bodyPr wrap="square" rtlCol="0">
+            <a:spAutoFit/>
+          </a:bodyPr>
+          <a:lstStyle/>
+          <a:p>
+            <a:r>
+              <a:rPr lang="en-GB" dirty="0" smtClean="0">
+                <a:solidFill>
+                  <a:schemeClr val="bg1"/>
+                </a:solidFill>
+              </a:rPr>
+              <a:t>https</a:t>
+            </a:r>
+            <a:r>
+              <a:rPr lang="en-GB" dirty="0">
+                <a:solidFill>
+                  <a:schemeClr val="bg1"/>
+                </a:solidFill>
+              </a:rPr>
+              <a:t>://github.com/PoshCode/PowerShellPracticeAndStyle</a:t>
+            </a:r>
+          </a:p>
+        </p:txBody>
+      </p:sp>
+    </p:spTree>
+    <p:extLst>
+      <p:ext uri="{BB962C8B-B14F-4D97-AF65-F5344CB8AC3E}">
+        <p14:creationId xmlns:p14="http://schemas.microsoft.com/office/powerpoint/2010/main" val="1447336655"/>
+      </p:ext>
+    </p:extLst>
+  </p:cSld>
+  <p:clrMapOvr>
+    <a:masterClrMapping/>
+  </p:clrMapOvr>
+  <p:timing>
+    <p:tnLst>
+      <p:par>
+        <p:cTn id="1" dur="indefinite" restart="never" nodeType="tmRoot"/>
+      </p:par>
+    </p:tnLst>
+  </p:timing>
+</p:sld>
+</file>
+
+<file path=ppt/slides/slide8.xml><?xml version="1.0" encoding="utf-8"?>
+<p:sld xmlns:a="http://schemas.openxmlformats.org/drawingml/2006/main" xmlns:r="http://schemas.openxmlformats.org/officeDocument/2006/relationships" xmlns:p="http://schemas.openxmlformats.org/presentationml/2006/main">
+  <p:cSld>
+    <p:bg>
+      <p:bgPr>
+        <a:solidFill>
+          <a:srgbClr val="0072C6"/>
+        </a:solidFill>
+        <a:effectLst/>
+      </p:bgPr>
+    </p:bg>
+    <p:spTree>
+      <p:nvGrpSpPr>
+        <p:cNvPr id="1" name=""/>
+        <p:cNvGrpSpPr/>
+        <p:nvPr/>
+      </p:nvGrpSpPr>
+      <p:grpSpPr>
+        <a:xfrm>
+          <a:off x="0" y="0"/>
+          <a:ext cx="0" cy="0"/>
+          <a:chOff x="0" y="0"/>
+          <a:chExt cx="0" cy="0"/>
+        </a:xfrm>
+      </p:grpSpPr>
+      <p:sp>
+        <p:nvSpPr>
+          <p:cNvPr id="2" name="Title 1"/>
+          <p:cNvSpPr>
+            <a:spLocks noGrp="1"/>
+          </p:cNvSpPr>
+          <p:nvPr>
+            <p:ph type="ctrTitle"/>
+          </p:nvPr>
+        </p:nvSpPr>
+        <p:spPr>
+          <a:xfrm>
+            <a:off x="2290439" y="2152076"/>
+            <a:ext cx="9725479" cy="1739347"/>
+          </a:xfrm>
+        </p:spPr>
+        <p:txBody>
+          <a:bodyPr/>
+          <a:lstStyle/>
+          <a:p>
+            <a:pPr algn="l"/>
+            <a:r>
+              <a:rPr lang="en-GB" dirty="0" smtClean="0"/>
+              <a:t>Use advanced functions</a:t>
+            </a:r>
+            <a:endParaRPr lang="en-GB" dirty="0"/>
+          </a:p>
+        </p:txBody>
+      </p:sp>
+      <p:pic>
+        <p:nvPicPr>
+          <p:cNvPr id="4" name="Picture 2" descr="https://www.powershellgallery.com/Content/Images/packageDefaultIcon.png"/>
+          <p:cNvPicPr>
+            <a:picLocks noChangeAspect="1" noChangeArrowheads="1"/>
+          </p:cNvPicPr>
+          <p:nvPr/>
+        </p:nvPicPr>
+        <p:blipFill>
+          <a:blip r:embed="rId2">
+            <a:extLst>
+              <a:ext uri="{28A0092B-C50C-407E-A947-70E740481C1C}">
+                <a14:useLocalDpi xmlns:a14="http://schemas.microsoft.com/office/drawing/2010/main" val="0"/>
+              </a:ext>
+            </a:extLst>
+          </a:blip>
+          <a:srcRect/>
+          <a:stretch>
+            <a:fillRect/>
+          </a:stretch>
+        </p:blipFill>
+        <p:spPr bwMode="auto">
+          <a:xfrm>
+            <a:off x="270711" y="1976146"/>
+            <a:ext cx="1915276" cy="1915277"/>
+          </a:xfrm>
+          <a:prstGeom prst="rect">
+            <a:avLst/>
+          </a:prstGeom>
+          <a:noFill/>
+          <a:extLst>
+            <a:ext uri="{909E8E84-426E-40DD-AFC4-6F175D3DCCD1}">
+              <a14:hiddenFill xmlns:a14="http://schemas.microsoft.com/office/drawing/2010/main">
+                <a:solidFill>
+                  <a:srgbClr val="FFFFFF"/>
+                </a:solidFill>
+              </a14:hiddenFill>
+            </a:ext>
+          </a:extLst>
+        </p:spPr>
+      </p:pic>
+      <p:sp>
+        <p:nvSpPr>
+          <p:cNvPr id="7" name="Subtitle 6"/>
+          <p:cNvSpPr>
+            <a:spLocks noGrp="1"/>
+          </p:cNvSpPr>
+          <p:nvPr>
+            <p:ph type="subTitle" idx="1"/>
+          </p:nvPr>
+        </p:nvSpPr>
+        <p:spPr/>
+        <p:txBody>
+          <a:bodyPr/>
+          <a:lstStyle/>
+          <a:p>
+            <a:endParaRPr lang="en-GB" dirty="0"/>
+          </a:p>
+        </p:txBody>
+      </p:sp>
+    </p:spTree>
+    <p:extLst>
+      <p:ext uri="{BB962C8B-B14F-4D97-AF65-F5344CB8AC3E}">
+        <p14:creationId xmlns:p14="http://schemas.microsoft.com/office/powerpoint/2010/main" val="2062297068"/>
+      </p:ext>
+    </p:extLst>
+  </p:cSld>
+  <p:clrMapOvr>
+    <a:masterClrMapping/>
+  </p:clrMapOvr>
+  <p:timing>
+    <p:tnLst>
+      <p:par>
+        <p:cTn id="1" dur="indefinite" restart="never" nodeType="tmRoot"/>
+      </p:par>
+    </p:tnLst>
+  </p:timing>
+</p:sld>
+</file>
+
+<file path=ppt/slides/slide9.xml><?xml version="1.0" encoding="utf-8"?>
+<p:sld xmlns:a="http://schemas.openxmlformats.org/drawingml/2006/main" xmlns:r="http://schemas.openxmlformats.org/officeDocument/2006/relationships" xmlns:p="http://schemas.openxmlformats.org/presentationml/2006/main">
+  <p:cSld>
+    <p:bg>
+      <p:bgPr>
+        <a:solidFill>
+          <a:srgbClr val="0072C6"/>
+        </a:solidFill>
+        <a:effectLst/>
+      </p:bgPr>
+    </p:bg>
+    <p:spTree>
+      <p:nvGrpSpPr>
+        <p:cNvPr id="1" name=""/>
+        <p:cNvGrpSpPr/>
+        <p:nvPr/>
+      </p:nvGrpSpPr>
+      <p:grpSpPr>
+        <a:xfrm>
+          <a:off x="0" y="0"/>
+          <a:ext cx="0" cy="0"/>
+          <a:chOff x="0" y="0"/>
+          <a:chExt cx="0" cy="0"/>
+        </a:xfrm>
+      </p:grpSpPr>
+      <p:sp>
+        <p:nvSpPr>
+          <p:cNvPr id="2" name="Title 1"/>
+          <p:cNvSpPr>
+            <a:spLocks noGrp="1"/>
+          </p:cNvSpPr>
+          <p:nvPr>
+            <p:ph type="title"/>
+          </p:nvPr>
+        </p:nvSpPr>
+        <p:spPr>
+          <a:xfrm>
+            <a:off x="2043953" y="284176"/>
+            <a:ext cx="8943046" cy="1508760"/>
+          </a:xfrm>
+        </p:spPr>
+        <p:txBody>
+          <a:bodyPr/>
+          <a:lstStyle/>
+          <a:p>
+            <a:r>
+              <a:rPr lang="en-GB" dirty="0" smtClean="0"/>
+              <a:t>Why Use advanced functions</a:t>
+            </a:r>
+            <a:endParaRPr lang="en-GB" dirty="0"/>
+          </a:p>
+        </p:txBody>
+      </p:sp>
+      <p:sp>
+        <p:nvSpPr>
+          <p:cNvPr id="3" name="Content Placeholder 2"/>
+          <p:cNvSpPr>
+            <a:spLocks noGrp="1"/>
+          </p:cNvSpPr>
+          <p:nvPr>
+            <p:ph idx="1"/>
+          </p:nvPr>
+        </p:nvSpPr>
+        <p:spPr>
+          <a:xfrm>
+            <a:off x="346841" y="2011679"/>
+            <a:ext cx="11582400" cy="4483713"/>
+          </a:xfrm>
+        </p:spPr>
+        <p:txBody>
+          <a:bodyPr>
+            <a:normAutofit/>
+          </a:bodyPr>
+          <a:lstStyle/>
+          <a:p>
+            <a:r>
+              <a:rPr lang="en-GB" sz="3200" dirty="0"/>
+              <a:t>Allows your function to accept </a:t>
+            </a:r>
+            <a:r>
+              <a:rPr lang="en-GB" sz="3200" b="1" dirty="0">
+                <a:latin typeface="Consolas" panose="020B0609020204030204" pitchFamily="49" charset="0"/>
+              </a:rPr>
+              <a:t>-Verbose</a:t>
+            </a:r>
+            <a:r>
+              <a:rPr lang="en-GB" sz="3200" dirty="0">
+                <a:latin typeface="Consolas" panose="020B0609020204030204" pitchFamily="49" charset="0"/>
+              </a:rPr>
+              <a:t>, </a:t>
+            </a:r>
+            <a:r>
+              <a:rPr lang="en-GB" sz="3200" b="1" dirty="0">
+                <a:latin typeface="Consolas" panose="020B0609020204030204" pitchFamily="49" charset="0"/>
+              </a:rPr>
+              <a:t>-Debug</a:t>
+            </a:r>
+            <a:r>
+              <a:rPr lang="en-GB" sz="3200" dirty="0">
+                <a:latin typeface="Consolas" panose="020B0609020204030204" pitchFamily="49" charset="0"/>
+              </a:rPr>
+              <a:t>, </a:t>
+            </a:r>
+            <a:br>
+              <a:rPr lang="en-GB" sz="3200" dirty="0">
+                <a:latin typeface="Consolas" panose="020B0609020204030204" pitchFamily="49" charset="0"/>
+              </a:rPr>
+            </a:br>
+            <a:r>
+              <a:rPr lang="en-GB" sz="3200" b="1" dirty="0">
+                <a:latin typeface="Consolas" panose="020B0609020204030204" pitchFamily="49" charset="0"/>
+              </a:rPr>
+              <a:t>-</a:t>
+            </a:r>
+            <a:r>
+              <a:rPr lang="en-GB" sz="3200" b="1" dirty="0" err="1">
+                <a:latin typeface="Consolas" panose="020B0609020204030204" pitchFamily="49" charset="0"/>
+              </a:rPr>
+              <a:t>WhatIf</a:t>
+            </a:r>
+            <a:r>
+              <a:rPr lang="en-GB" sz="3200" dirty="0">
+                <a:latin typeface="Consolas" panose="020B0609020204030204" pitchFamily="49" charset="0"/>
+              </a:rPr>
+              <a:t>, </a:t>
+            </a:r>
+            <a:r>
+              <a:rPr lang="en-GB" sz="3200" b="1" dirty="0" smtClean="0">
+                <a:latin typeface="Consolas" panose="020B0609020204030204" pitchFamily="49" charset="0"/>
+              </a:rPr>
+              <a:t>-Confirm, -</a:t>
+            </a:r>
+            <a:r>
+              <a:rPr lang="en-GB" sz="3200" b="1" dirty="0" err="1" smtClean="0">
+                <a:latin typeface="Consolas" panose="020B0609020204030204" pitchFamily="49" charset="0"/>
+              </a:rPr>
+              <a:t>ErrorAction</a:t>
+            </a:r>
+            <a:r>
+              <a:rPr lang="en-GB" sz="3200" dirty="0" smtClean="0">
+                <a:latin typeface="Consolas" panose="020B0609020204030204" pitchFamily="49" charset="0"/>
+              </a:rPr>
+              <a:t> </a:t>
+            </a:r>
+            <a:r>
+              <a:rPr lang="en-GB" sz="3200" dirty="0"/>
+              <a:t>and others. </a:t>
+            </a:r>
+          </a:p>
+          <a:p>
+            <a:r>
+              <a:rPr lang="en-GB" sz="3400" dirty="0" smtClean="0"/>
+              <a:t>Access to the pipeline</a:t>
+            </a:r>
+          </a:p>
+          <a:p>
+            <a:endParaRPr lang="en-GB" sz="3200" dirty="0" smtClean="0"/>
+          </a:p>
+          <a:p>
+            <a:r>
+              <a:rPr lang="en-GB" sz="3400" dirty="0" smtClean="0"/>
+              <a:t>Use Parameter Sets</a:t>
+            </a:r>
+          </a:p>
+        </p:txBody>
+      </p:sp>
+      <p:pic>
+        <p:nvPicPr>
+          <p:cNvPr id="4" name="Picture 2" descr="https://www.powershellgallery.com/Content/Images/packageDefaultIcon.png"/>
+          <p:cNvPicPr>
+            <a:picLocks noChangeAspect="1" noChangeArrowheads="1"/>
+          </p:cNvPicPr>
+          <p:nvPr/>
+        </p:nvPicPr>
+        <p:blipFill>
+          <a:blip r:embed="rId2">
+            <a:extLst>
+              <a:ext uri="{28A0092B-C50C-407E-A947-70E740481C1C}">
+                <a14:useLocalDpi xmlns:a14="http://schemas.microsoft.com/office/drawing/2010/main" val="0"/>
+              </a:ext>
+            </a:extLst>
+          </a:blip>
+          <a:srcRect/>
+          <a:stretch>
+            <a:fillRect/>
+          </a:stretch>
+        </p:blipFill>
+        <p:spPr bwMode="auto">
+          <a:xfrm>
+            <a:off x="83856" y="61397"/>
+            <a:ext cx="1731538" cy="1731539"/>
+          </a:xfrm>
+          <a:prstGeom prst="rect">
+            <a:avLst/>
+          </a:prstGeom>
+          <a:noFill/>
+          <a:extLst>
+            <a:ext uri="{909E8E84-426E-40DD-AFC4-6F175D3DCCD1}">
+              <a14:hiddenFill xmlns:a14="http://schemas.microsoft.com/office/drawing/2010/main">
+                <a:solidFill>
+                  <a:srgbClr val="FFFFFF"/>
+                </a:solidFill>
+              </a14:hiddenFill>
+            </a:ext>
+          </a:extLst>
+        </p:spPr>
+      </p:pic>
+      <p:pic>
+        <p:nvPicPr>
+          <p:cNvPr id="7" name="Picture 6"/>
+          <p:cNvPicPr>
+            <a:picLocks noChangeAspect="1"/>
+          </p:cNvPicPr>
+          <p:nvPr/>
+        </p:nvPicPr>
+        <p:blipFill>
+          <a:blip r:embed="rId3"/>
+          <a:stretch>
+            <a:fillRect/>
+          </a:stretch>
+        </p:blipFill>
+        <p:spPr>
+          <a:xfrm>
+            <a:off x="4940794" y="3233872"/>
+            <a:ext cx="4162425" cy="1000125"/>
+          </a:xfrm>
+          <a:prstGeom prst="rect">
+            <a:avLst/>
+          </a:prstGeom>
+        </p:spPr>
+      </p:pic>
+      <p:pic>
+        <p:nvPicPr>
+          <p:cNvPr id="8" name="Picture 7"/>
+          <p:cNvPicPr>
+            <a:picLocks noChangeAspect="1"/>
+          </p:cNvPicPr>
+          <p:nvPr/>
+        </p:nvPicPr>
+        <p:blipFill>
+          <a:blip r:embed="rId4"/>
+          <a:stretch>
+            <a:fillRect/>
+          </a:stretch>
+        </p:blipFill>
+        <p:spPr>
+          <a:xfrm>
+            <a:off x="4940794" y="4452740"/>
+            <a:ext cx="3429000" cy="1676400"/>
+          </a:xfrm>
+          <a:prstGeom prst="rect">
+            <a:avLst/>
+          </a:prstGeom>
+        </p:spPr>
+      </p:pic>
+    </p:spTree>
+    <p:extLst>
+      <p:ext uri="{BB962C8B-B14F-4D97-AF65-F5344CB8AC3E}">
+        <p14:creationId xmlns:p14="http://schemas.microsoft.com/office/powerpoint/2010/main" val="63718521"/>
+      </p:ext>
+    </p:extLst>
+  </p:cSld>
+  <p:clrMapOvr>
+    <a:masterClrMapping/>
+  </p:clrMapOvr>
+  <p:timing>
+    <p:tnLst>
+      <p:par>
+        <p:cTn id="1" dur="indefinite" restart="never" nodeType="tmRoot"/>
+      </p:par>
+    </p:tnLst>
+  </p:timing>
 </p:sld>
 </file>
 
